--- a/serminal/slides.pptx
+++ b/serminal/slides.pptx
@@ -8,14 +8,18 @@
     <p:sldId id="256" r:id="rId2"/>
     <p:sldId id="257" r:id="rId3"/>
     <p:sldId id="258" r:id="rId4"/>
-    <p:sldId id="259" r:id="rId5"/>
-    <p:sldId id="260" r:id="rId6"/>
-    <p:sldId id="261" r:id="rId7"/>
-    <p:sldId id="262" r:id="rId8"/>
-    <p:sldId id="264" r:id="rId9"/>
-    <p:sldId id="265" r:id="rId10"/>
-    <p:sldId id="266" r:id="rId11"/>
-    <p:sldId id="263" r:id="rId12"/>
+    <p:sldId id="269" r:id="rId5"/>
+    <p:sldId id="259" r:id="rId6"/>
+    <p:sldId id="260" r:id="rId7"/>
+    <p:sldId id="261" r:id="rId8"/>
+    <p:sldId id="270" r:id="rId9"/>
+    <p:sldId id="271" r:id="rId10"/>
+    <p:sldId id="263" r:id="rId11"/>
+    <p:sldId id="262" r:id="rId12"/>
+    <p:sldId id="264" r:id="rId13"/>
+    <p:sldId id="267" r:id="rId14"/>
+    <p:sldId id="266" r:id="rId15"/>
+    <p:sldId id="268" r:id="rId16"/>
   </p:sldIdLst>
   <p:sldSz cx="12192000" cy="6858000"/>
   <p:notesSz cx="6858000" cy="9144000"/>
@@ -114,7 +118,3779 @@
       </a:defRPr>
     </a:lvl9pPr>
   </p:defaultTextStyle>
+  <p:extLst>
+    <p:ext uri="{EFAFB233-063F-42B5-8137-9DF3F51BA10A}">
+      <p15:sldGuideLst xmlns:p15="http://schemas.microsoft.com/office/powerpoint/2012/main"/>
+    </p:ext>
+  </p:extLst>
 </p:presentation>
+</file>
+
+<file path=ppt/diagrams/colors1.xml><?xml version="1.0" encoding="utf-8"?>
+<dgm:colorsDef xmlns:dgm="http://schemas.openxmlformats.org/drawingml/2006/diagram" xmlns:a="http://schemas.openxmlformats.org/drawingml/2006/main" uniqueId="urn:microsoft.com/office/officeart/2005/8/colors/accent1_2">
+  <dgm:title val=""/>
+  <dgm:desc val=""/>
+  <dgm:catLst>
+    <dgm:cat type="accent1" pri="11200"/>
+  </dgm:catLst>
+  <dgm:styleLbl name="node0">
+    <dgm:fillClrLst meth="repeat">
+      <a:schemeClr val="accent1"/>
+    </dgm:fillClrLst>
+    <dgm:linClrLst meth="repeat">
+      <a:schemeClr val="lt1"/>
+    </dgm:linClrLst>
+    <dgm:effectClrLst/>
+    <dgm:txLinClrLst/>
+    <dgm:txFillClrLst/>
+    <dgm:txEffectClrLst/>
+  </dgm:styleLbl>
+  <dgm:styleLbl name="alignNode1">
+    <dgm:fillClrLst meth="repeat">
+      <a:schemeClr val="accent1"/>
+    </dgm:fillClrLst>
+    <dgm:linClrLst meth="repeat">
+      <a:schemeClr val="accent1"/>
+    </dgm:linClrLst>
+    <dgm:effectClrLst/>
+    <dgm:txLinClrLst/>
+    <dgm:txFillClrLst/>
+    <dgm:txEffectClrLst/>
+  </dgm:styleLbl>
+  <dgm:styleLbl name="node1">
+    <dgm:fillClrLst meth="repeat">
+      <a:schemeClr val="accent1"/>
+    </dgm:fillClrLst>
+    <dgm:linClrLst meth="repeat">
+      <a:schemeClr val="lt1"/>
+    </dgm:linClrLst>
+    <dgm:effectClrLst/>
+    <dgm:txLinClrLst/>
+    <dgm:txFillClrLst/>
+    <dgm:txEffectClrLst/>
+  </dgm:styleLbl>
+  <dgm:styleLbl name="lnNode1">
+    <dgm:fillClrLst meth="repeat">
+      <a:schemeClr val="accent1"/>
+    </dgm:fillClrLst>
+    <dgm:linClrLst meth="repeat">
+      <a:schemeClr val="lt1"/>
+    </dgm:linClrLst>
+    <dgm:effectClrLst/>
+    <dgm:txLinClrLst/>
+    <dgm:txFillClrLst/>
+    <dgm:txEffectClrLst/>
+  </dgm:styleLbl>
+  <dgm:styleLbl name="vennNode1">
+    <dgm:fillClrLst meth="repeat">
+      <a:schemeClr val="accent1">
+        <a:alpha val="50000"/>
+      </a:schemeClr>
+    </dgm:fillClrLst>
+    <dgm:linClrLst meth="repeat">
+      <a:schemeClr val="lt1"/>
+    </dgm:linClrLst>
+    <dgm:effectClrLst/>
+    <dgm:txLinClrLst/>
+    <dgm:txFillClrLst/>
+    <dgm:txEffectClrLst/>
+  </dgm:styleLbl>
+  <dgm:styleLbl name="node2">
+    <dgm:fillClrLst meth="repeat">
+      <a:schemeClr val="accent1"/>
+    </dgm:fillClrLst>
+    <dgm:linClrLst meth="repeat">
+      <a:schemeClr val="lt1"/>
+    </dgm:linClrLst>
+    <dgm:effectClrLst/>
+    <dgm:txLinClrLst/>
+    <dgm:txFillClrLst/>
+    <dgm:txEffectClrLst/>
+  </dgm:styleLbl>
+  <dgm:styleLbl name="node3">
+    <dgm:fillClrLst meth="repeat">
+      <a:schemeClr val="accent1"/>
+    </dgm:fillClrLst>
+    <dgm:linClrLst meth="repeat">
+      <a:schemeClr val="lt1"/>
+    </dgm:linClrLst>
+    <dgm:effectClrLst/>
+    <dgm:txLinClrLst/>
+    <dgm:txFillClrLst/>
+    <dgm:txEffectClrLst/>
+  </dgm:styleLbl>
+  <dgm:styleLbl name="node4">
+    <dgm:fillClrLst meth="repeat">
+      <a:schemeClr val="accent1"/>
+    </dgm:fillClrLst>
+    <dgm:linClrLst meth="repeat">
+      <a:schemeClr val="lt1"/>
+    </dgm:linClrLst>
+    <dgm:effectClrLst/>
+    <dgm:txLinClrLst/>
+    <dgm:txFillClrLst/>
+    <dgm:txEffectClrLst/>
+  </dgm:styleLbl>
+  <dgm:styleLbl name="fgImgPlace1">
+    <dgm:fillClrLst meth="repeat">
+      <a:schemeClr val="accent1">
+        <a:tint val="50000"/>
+      </a:schemeClr>
+    </dgm:fillClrLst>
+    <dgm:linClrLst meth="repeat">
+      <a:schemeClr val="lt1"/>
+    </dgm:linClrLst>
+    <dgm:effectClrLst/>
+    <dgm:txLinClrLst/>
+    <dgm:txFillClrLst meth="repeat">
+      <a:schemeClr val="lt1"/>
+    </dgm:txFillClrLst>
+    <dgm:txEffectClrLst/>
+  </dgm:styleLbl>
+  <dgm:styleLbl name="alignImgPlace1">
+    <dgm:fillClrLst meth="repeat">
+      <a:schemeClr val="accent1">
+        <a:tint val="50000"/>
+      </a:schemeClr>
+    </dgm:fillClrLst>
+    <dgm:linClrLst meth="repeat">
+      <a:schemeClr val="lt1"/>
+    </dgm:linClrLst>
+    <dgm:effectClrLst/>
+    <dgm:txLinClrLst/>
+    <dgm:txFillClrLst meth="repeat">
+      <a:schemeClr val="lt1"/>
+    </dgm:txFillClrLst>
+    <dgm:txEffectClrLst/>
+  </dgm:styleLbl>
+  <dgm:styleLbl name="bgImgPlace1">
+    <dgm:fillClrLst meth="repeat">
+      <a:schemeClr val="accent1">
+        <a:tint val="50000"/>
+      </a:schemeClr>
+    </dgm:fillClrLst>
+    <dgm:linClrLst meth="repeat">
+      <a:schemeClr val="lt1"/>
+    </dgm:linClrLst>
+    <dgm:effectClrLst/>
+    <dgm:txLinClrLst/>
+    <dgm:txFillClrLst meth="repeat">
+      <a:schemeClr val="lt1"/>
+    </dgm:txFillClrLst>
+    <dgm:txEffectClrLst/>
+  </dgm:styleLbl>
+  <dgm:styleLbl name="sibTrans2D1">
+    <dgm:fillClrLst meth="repeat">
+      <a:schemeClr val="accent1">
+        <a:tint val="60000"/>
+      </a:schemeClr>
+    </dgm:fillClrLst>
+    <dgm:linClrLst meth="repeat">
+      <a:schemeClr val="accent1">
+        <a:tint val="60000"/>
+      </a:schemeClr>
+    </dgm:linClrLst>
+    <dgm:effectClrLst/>
+    <dgm:txLinClrLst/>
+    <dgm:txFillClrLst/>
+    <dgm:txEffectClrLst/>
+  </dgm:styleLbl>
+  <dgm:styleLbl name="fgSibTrans2D1">
+    <dgm:fillClrLst meth="repeat">
+      <a:schemeClr val="accent1">
+        <a:tint val="60000"/>
+      </a:schemeClr>
+    </dgm:fillClrLst>
+    <dgm:linClrLst meth="repeat">
+      <a:schemeClr val="accent1">
+        <a:tint val="60000"/>
+      </a:schemeClr>
+    </dgm:linClrLst>
+    <dgm:effectClrLst/>
+    <dgm:txLinClrLst/>
+    <dgm:txFillClrLst/>
+    <dgm:txEffectClrLst/>
+  </dgm:styleLbl>
+  <dgm:styleLbl name="bgSibTrans2D1">
+    <dgm:fillClrLst meth="repeat">
+      <a:schemeClr val="accent1">
+        <a:tint val="60000"/>
+      </a:schemeClr>
+    </dgm:fillClrLst>
+    <dgm:linClrLst meth="repeat">
+      <a:schemeClr val="accent1">
+        <a:tint val="60000"/>
+      </a:schemeClr>
+    </dgm:linClrLst>
+    <dgm:effectClrLst/>
+    <dgm:txLinClrLst/>
+    <dgm:txFillClrLst/>
+    <dgm:txEffectClrLst/>
+  </dgm:styleLbl>
+  <dgm:styleLbl name="sibTrans1D1">
+    <dgm:fillClrLst meth="repeat">
+      <a:schemeClr val="accent1"/>
+    </dgm:fillClrLst>
+    <dgm:linClrLst meth="repeat">
+      <a:schemeClr val="accent1"/>
+    </dgm:linClrLst>
+    <dgm:effectClrLst/>
+    <dgm:txLinClrLst/>
+    <dgm:txFillClrLst meth="repeat">
+      <a:schemeClr val="tx1"/>
+    </dgm:txFillClrLst>
+    <dgm:txEffectClrLst/>
+  </dgm:styleLbl>
+  <dgm:styleLbl name="callout">
+    <dgm:fillClrLst meth="repeat">
+      <a:schemeClr val="accent1"/>
+    </dgm:fillClrLst>
+    <dgm:linClrLst meth="repeat">
+      <a:schemeClr val="accent1">
+        <a:tint val="50000"/>
+      </a:schemeClr>
+    </dgm:linClrLst>
+    <dgm:effectClrLst/>
+    <dgm:txLinClrLst/>
+    <dgm:txFillClrLst meth="repeat">
+      <a:schemeClr val="tx1"/>
+    </dgm:txFillClrLst>
+    <dgm:txEffectClrLst/>
+  </dgm:styleLbl>
+  <dgm:styleLbl name="asst0">
+    <dgm:fillClrLst meth="repeat">
+      <a:schemeClr val="accent1"/>
+    </dgm:fillClrLst>
+    <dgm:linClrLst meth="repeat">
+      <a:schemeClr val="lt1"/>
+    </dgm:linClrLst>
+    <dgm:effectClrLst/>
+    <dgm:txLinClrLst/>
+    <dgm:txFillClrLst/>
+    <dgm:txEffectClrLst/>
+  </dgm:styleLbl>
+  <dgm:styleLbl name="asst1">
+    <dgm:fillClrLst meth="repeat">
+      <a:schemeClr val="accent1"/>
+    </dgm:fillClrLst>
+    <dgm:linClrLst meth="repeat">
+      <a:schemeClr val="lt1"/>
+    </dgm:linClrLst>
+    <dgm:effectClrLst/>
+    <dgm:txLinClrLst/>
+    <dgm:txFillClrLst/>
+    <dgm:txEffectClrLst/>
+  </dgm:styleLbl>
+  <dgm:styleLbl name="asst2">
+    <dgm:fillClrLst meth="repeat">
+      <a:schemeClr val="accent1"/>
+    </dgm:fillClrLst>
+    <dgm:linClrLst meth="repeat">
+      <a:schemeClr val="lt1"/>
+    </dgm:linClrLst>
+    <dgm:effectClrLst/>
+    <dgm:txLinClrLst/>
+    <dgm:txFillClrLst/>
+    <dgm:txEffectClrLst/>
+  </dgm:styleLbl>
+  <dgm:styleLbl name="asst3">
+    <dgm:fillClrLst meth="repeat">
+      <a:schemeClr val="accent1"/>
+    </dgm:fillClrLst>
+    <dgm:linClrLst meth="repeat">
+      <a:schemeClr val="lt1"/>
+    </dgm:linClrLst>
+    <dgm:effectClrLst/>
+    <dgm:txLinClrLst/>
+    <dgm:txFillClrLst/>
+    <dgm:txEffectClrLst/>
+  </dgm:styleLbl>
+  <dgm:styleLbl name="asst4">
+    <dgm:fillClrLst meth="repeat">
+      <a:schemeClr val="accent1"/>
+    </dgm:fillClrLst>
+    <dgm:linClrLst meth="repeat">
+      <a:schemeClr val="lt1"/>
+    </dgm:linClrLst>
+    <dgm:effectClrLst/>
+    <dgm:txLinClrLst/>
+    <dgm:txFillClrLst/>
+    <dgm:txEffectClrLst/>
+  </dgm:styleLbl>
+  <dgm:styleLbl name="parChTrans2D1">
+    <dgm:fillClrLst meth="repeat">
+      <a:schemeClr val="accent1">
+        <a:tint val="60000"/>
+      </a:schemeClr>
+    </dgm:fillClrLst>
+    <dgm:linClrLst meth="repeat">
+      <a:schemeClr val="accent1">
+        <a:tint val="60000"/>
+      </a:schemeClr>
+    </dgm:linClrLst>
+    <dgm:effectClrLst/>
+    <dgm:txLinClrLst/>
+    <dgm:txFillClrLst meth="repeat">
+      <a:schemeClr val="lt1"/>
+    </dgm:txFillClrLst>
+    <dgm:txEffectClrLst/>
+  </dgm:styleLbl>
+  <dgm:styleLbl name="parChTrans2D2">
+    <dgm:fillClrLst meth="repeat">
+      <a:schemeClr val="accent1"/>
+    </dgm:fillClrLst>
+    <dgm:linClrLst meth="repeat">
+      <a:schemeClr val="accent1"/>
+    </dgm:linClrLst>
+    <dgm:effectClrLst/>
+    <dgm:txLinClrLst/>
+    <dgm:txFillClrLst meth="repeat">
+      <a:schemeClr val="lt1"/>
+    </dgm:txFillClrLst>
+    <dgm:txEffectClrLst/>
+  </dgm:styleLbl>
+  <dgm:styleLbl name="parChTrans2D3">
+    <dgm:fillClrLst meth="repeat">
+      <a:schemeClr val="accent1"/>
+    </dgm:fillClrLst>
+    <dgm:linClrLst meth="repeat">
+      <a:schemeClr val="accent1"/>
+    </dgm:linClrLst>
+    <dgm:effectClrLst/>
+    <dgm:txLinClrLst/>
+    <dgm:txFillClrLst meth="repeat">
+      <a:schemeClr val="lt1"/>
+    </dgm:txFillClrLst>
+    <dgm:txEffectClrLst/>
+  </dgm:styleLbl>
+  <dgm:styleLbl name="parChTrans2D4">
+    <dgm:fillClrLst meth="repeat">
+      <a:schemeClr val="accent1"/>
+    </dgm:fillClrLst>
+    <dgm:linClrLst meth="repeat">
+      <a:schemeClr val="accent1"/>
+    </dgm:linClrLst>
+    <dgm:effectClrLst/>
+    <dgm:txLinClrLst/>
+    <dgm:txFillClrLst meth="repeat">
+      <a:schemeClr val="lt1"/>
+    </dgm:txFillClrLst>
+    <dgm:txEffectClrLst/>
+  </dgm:styleLbl>
+  <dgm:styleLbl name="parChTrans1D1">
+    <dgm:fillClrLst meth="repeat">
+      <a:schemeClr val="accent1"/>
+    </dgm:fillClrLst>
+    <dgm:linClrLst meth="repeat">
+      <a:schemeClr val="accent1">
+        <a:shade val="60000"/>
+      </a:schemeClr>
+    </dgm:linClrLst>
+    <dgm:effectClrLst/>
+    <dgm:txLinClrLst/>
+    <dgm:txFillClrLst meth="repeat">
+      <a:schemeClr val="tx1"/>
+    </dgm:txFillClrLst>
+    <dgm:txEffectClrLst/>
+  </dgm:styleLbl>
+  <dgm:styleLbl name="parChTrans1D2">
+    <dgm:fillClrLst meth="repeat">
+      <a:schemeClr val="accent1"/>
+    </dgm:fillClrLst>
+    <dgm:linClrLst meth="repeat">
+      <a:schemeClr val="accent1">
+        <a:shade val="60000"/>
+      </a:schemeClr>
+    </dgm:linClrLst>
+    <dgm:effectClrLst/>
+    <dgm:txLinClrLst/>
+    <dgm:txFillClrLst meth="repeat">
+      <a:schemeClr val="tx1"/>
+    </dgm:txFillClrLst>
+    <dgm:txEffectClrLst/>
+  </dgm:styleLbl>
+  <dgm:styleLbl name="parChTrans1D3">
+    <dgm:fillClrLst meth="repeat">
+      <a:schemeClr val="accent1"/>
+    </dgm:fillClrLst>
+    <dgm:linClrLst meth="repeat">
+      <a:schemeClr val="accent1">
+        <a:shade val="80000"/>
+      </a:schemeClr>
+    </dgm:linClrLst>
+    <dgm:effectClrLst/>
+    <dgm:txLinClrLst/>
+    <dgm:txFillClrLst meth="repeat">
+      <a:schemeClr val="tx1"/>
+    </dgm:txFillClrLst>
+    <dgm:txEffectClrLst/>
+  </dgm:styleLbl>
+  <dgm:styleLbl name="parChTrans1D4">
+    <dgm:fillClrLst meth="repeat">
+      <a:schemeClr val="accent1"/>
+    </dgm:fillClrLst>
+    <dgm:linClrLst meth="repeat">
+      <a:schemeClr val="accent1">
+        <a:shade val="80000"/>
+      </a:schemeClr>
+    </dgm:linClrLst>
+    <dgm:effectClrLst/>
+    <dgm:txLinClrLst/>
+    <dgm:txFillClrLst meth="repeat">
+      <a:schemeClr val="tx1"/>
+    </dgm:txFillClrLst>
+    <dgm:txEffectClrLst/>
+  </dgm:styleLbl>
+  <dgm:styleLbl name="fgAcc1">
+    <dgm:fillClrLst meth="repeat">
+      <a:schemeClr val="lt1">
+        <a:alpha val="90000"/>
+      </a:schemeClr>
+    </dgm:fillClrLst>
+    <dgm:linClrLst meth="repeat">
+      <a:schemeClr val="accent1"/>
+    </dgm:linClrLst>
+    <dgm:effectClrLst/>
+    <dgm:txLinClrLst/>
+    <dgm:txFillClrLst meth="repeat">
+      <a:schemeClr val="dk1"/>
+    </dgm:txFillClrLst>
+    <dgm:txEffectClrLst/>
+  </dgm:styleLbl>
+  <dgm:styleLbl name="conFgAcc1">
+    <dgm:fillClrLst meth="repeat">
+      <a:schemeClr val="lt1">
+        <a:alpha val="90000"/>
+      </a:schemeClr>
+    </dgm:fillClrLst>
+    <dgm:linClrLst meth="repeat">
+      <a:schemeClr val="accent1"/>
+    </dgm:linClrLst>
+    <dgm:effectClrLst/>
+    <dgm:txLinClrLst/>
+    <dgm:txFillClrLst meth="repeat">
+      <a:schemeClr val="dk1"/>
+    </dgm:txFillClrLst>
+    <dgm:txEffectClrLst/>
+  </dgm:styleLbl>
+  <dgm:styleLbl name="alignAcc1">
+    <dgm:fillClrLst meth="repeat">
+      <a:schemeClr val="lt1">
+        <a:alpha val="90000"/>
+      </a:schemeClr>
+    </dgm:fillClrLst>
+    <dgm:linClrLst meth="repeat">
+      <a:schemeClr val="accent1"/>
+    </dgm:linClrLst>
+    <dgm:effectClrLst/>
+    <dgm:txLinClrLst/>
+    <dgm:txFillClrLst meth="repeat">
+      <a:schemeClr val="dk1"/>
+    </dgm:txFillClrLst>
+    <dgm:txEffectClrLst/>
+  </dgm:styleLbl>
+  <dgm:styleLbl name="trAlignAcc1">
+    <dgm:fillClrLst meth="repeat">
+      <a:schemeClr val="lt1">
+        <a:alpha val="40000"/>
+      </a:schemeClr>
+    </dgm:fillClrLst>
+    <dgm:linClrLst meth="repeat">
+      <a:schemeClr val="accent1"/>
+    </dgm:linClrLst>
+    <dgm:effectClrLst/>
+    <dgm:txLinClrLst/>
+    <dgm:txFillClrLst meth="repeat">
+      <a:schemeClr val="dk1"/>
+    </dgm:txFillClrLst>
+    <dgm:txEffectClrLst/>
+  </dgm:styleLbl>
+  <dgm:styleLbl name="bgAcc1">
+    <dgm:fillClrLst meth="repeat">
+      <a:schemeClr val="lt1">
+        <a:alpha val="90000"/>
+      </a:schemeClr>
+    </dgm:fillClrLst>
+    <dgm:linClrLst meth="repeat">
+      <a:schemeClr val="accent1"/>
+    </dgm:linClrLst>
+    <dgm:effectClrLst/>
+    <dgm:txLinClrLst/>
+    <dgm:txFillClrLst meth="repeat">
+      <a:schemeClr val="dk1"/>
+    </dgm:txFillClrLst>
+    <dgm:txEffectClrLst/>
+  </dgm:styleLbl>
+  <dgm:styleLbl name="solidFgAcc1">
+    <dgm:fillClrLst meth="repeat">
+      <a:schemeClr val="lt1"/>
+    </dgm:fillClrLst>
+    <dgm:linClrLst meth="repeat">
+      <a:schemeClr val="accent1"/>
+    </dgm:linClrLst>
+    <dgm:effectClrLst/>
+    <dgm:txLinClrLst/>
+    <dgm:txFillClrLst meth="repeat">
+      <a:schemeClr val="dk1"/>
+    </dgm:txFillClrLst>
+    <dgm:txEffectClrLst/>
+  </dgm:styleLbl>
+  <dgm:styleLbl name="solidAlignAcc1">
+    <dgm:fillClrLst meth="repeat">
+      <a:schemeClr val="lt1"/>
+    </dgm:fillClrLst>
+    <dgm:linClrLst meth="repeat">
+      <a:schemeClr val="accent1"/>
+    </dgm:linClrLst>
+    <dgm:effectClrLst/>
+    <dgm:txLinClrLst/>
+    <dgm:txFillClrLst meth="repeat">
+      <a:schemeClr val="dk1"/>
+    </dgm:txFillClrLst>
+    <dgm:txEffectClrLst/>
+  </dgm:styleLbl>
+  <dgm:styleLbl name="solidBgAcc1">
+    <dgm:fillClrLst meth="repeat">
+      <a:schemeClr val="lt1"/>
+    </dgm:fillClrLst>
+    <dgm:linClrLst meth="repeat">
+      <a:schemeClr val="accent1"/>
+    </dgm:linClrLst>
+    <dgm:effectClrLst/>
+    <dgm:txLinClrLst/>
+    <dgm:txFillClrLst meth="repeat">
+      <a:schemeClr val="dk1"/>
+    </dgm:txFillClrLst>
+    <dgm:txEffectClrLst/>
+  </dgm:styleLbl>
+  <dgm:styleLbl name="fgAccFollowNode1">
+    <dgm:fillClrLst meth="repeat">
+      <a:schemeClr val="accent1">
+        <a:alpha val="90000"/>
+        <a:tint val="40000"/>
+      </a:schemeClr>
+    </dgm:fillClrLst>
+    <dgm:linClrLst meth="repeat">
+      <a:schemeClr val="accent1">
+        <a:alpha val="90000"/>
+        <a:tint val="40000"/>
+      </a:schemeClr>
+    </dgm:linClrLst>
+    <dgm:effectClrLst/>
+    <dgm:txLinClrLst/>
+    <dgm:txFillClrLst meth="repeat">
+      <a:schemeClr val="dk1"/>
+    </dgm:txFillClrLst>
+    <dgm:txEffectClrLst/>
+  </dgm:styleLbl>
+  <dgm:styleLbl name="alignAccFollowNode1">
+    <dgm:fillClrLst meth="repeat">
+      <a:schemeClr val="accent1">
+        <a:alpha val="90000"/>
+        <a:tint val="40000"/>
+      </a:schemeClr>
+    </dgm:fillClrLst>
+    <dgm:linClrLst meth="repeat">
+      <a:schemeClr val="accent1">
+        <a:alpha val="90000"/>
+        <a:tint val="40000"/>
+      </a:schemeClr>
+    </dgm:linClrLst>
+    <dgm:effectClrLst/>
+    <dgm:txLinClrLst/>
+    <dgm:txFillClrLst meth="repeat">
+      <a:schemeClr val="dk1"/>
+    </dgm:txFillClrLst>
+    <dgm:txEffectClrLst/>
+  </dgm:styleLbl>
+  <dgm:styleLbl name="bgAccFollowNode1">
+    <dgm:fillClrLst meth="repeat">
+      <a:schemeClr val="accent1">
+        <a:alpha val="90000"/>
+        <a:tint val="40000"/>
+      </a:schemeClr>
+    </dgm:fillClrLst>
+    <dgm:linClrLst meth="repeat">
+      <a:schemeClr val="accent1">
+        <a:alpha val="90000"/>
+        <a:tint val="40000"/>
+      </a:schemeClr>
+    </dgm:linClrLst>
+    <dgm:effectClrLst/>
+    <dgm:txLinClrLst/>
+    <dgm:txFillClrLst meth="repeat">
+      <a:schemeClr val="dk1"/>
+    </dgm:txFillClrLst>
+    <dgm:txEffectClrLst/>
+  </dgm:styleLbl>
+  <dgm:styleLbl name="fgAcc0">
+    <dgm:fillClrLst meth="repeat">
+      <a:schemeClr val="lt1">
+        <a:alpha val="90000"/>
+      </a:schemeClr>
+    </dgm:fillClrLst>
+    <dgm:linClrLst meth="repeat">
+      <a:schemeClr val="accent1"/>
+    </dgm:linClrLst>
+    <dgm:effectClrLst/>
+    <dgm:txLinClrLst/>
+    <dgm:txFillClrLst meth="repeat">
+      <a:schemeClr val="dk1"/>
+    </dgm:txFillClrLst>
+    <dgm:txEffectClrLst/>
+  </dgm:styleLbl>
+  <dgm:styleLbl name="fgAcc2">
+    <dgm:fillClrLst meth="repeat">
+      <a:schemeClr val="lt1">
+        <a:alpha val="90000"/>
+      </a:schemeClr>
+    </dgm:fillClrLst>
+    <dgm:linClrLst meth="repeat">
+      <a:schemeClr val="accent1"/>
+    </dgm:linClrLst>
+    <dgm:effectClrLst/>
+    <dgm:txLinClrLst/>
+    <dgm:txFillClrLst meth="repeat">
+      <a:schemeClr val="dk1"/>
+    </dgm:txFillClrLst>
+    <dgm:txEffectClrLst/>
+  </dgm:styleLbl>
+  <dgm:styleLbl name="fgAcc3">
+    <dgm:fillClrLst meth="repeat">
+      <a:schemeClr val="lt1">
+        <a:alpha val="90000"/>
+      </a:schemeClr>
+    </dgm:fillClrLst>
+    <dgm:linClrLst meth="repeat">
+      <a:schemeClr val="accent1"/>
+    </dgm:linClrLst>
+    <dgm:effectClrLst/>
+    <dgm:txLinClrLst/>
+    <dgm:txFillClrLst meth="repeat">
+      <a:schemeClr val="dk1"/>
+    </dgm:txFillClrLst>
+    <dgm:txEffectClrLst/>
+  </dgm:styleLbl>
+  <dgm:styleLbl name="fgAcc4">
+    <dgm:fillClrLst meth="repeat">
+      <a:schemeClr val="lt1">
+        <a:alpha val="90000"/>
+      </a:schemeClr>
+    </dgm:fillClrLst>
+    <dgm:linClrLst meth="repeat">
+      <a:schemeClr val="accent1"/>
+    </dgm:linClrLst>
+    <dgm:effectClrLst/>
+    <dgm:txLinClrLst/>
+    <dgm:txFillClrLst meth="repeat">
+      <a:schemeClr val="dk1"/>
+    </dgm:txFillClrLst>
+    <dgm:txEffectClrLst/>
+  </dgm:styleLbl>
+  <dgm:styleLbl name="bgShp">
+    <dgm:fillClrLst meth="repeat">
+      <a:schemeClr val="accent1">
+        <a:tint val="40000"/>
+      </a:schemeClr>
+    </dgm:fillClrLst>
+    <dgm:linClrLst meth="repeat">
+      <a:schemeClr val="accent1"/>
+    </dgm:linClrLst>
+    <dgm:effectClrLst/>
+    <dgm:txLinClrLst/>
+    <dgm:txFillClrLst meth="repeat">
+      <a:schemeClr val="dk1"/>
+    </dgm:txFillClrLst>
+    <dgm:txEffectClrLst/>
+  </dgm:styleLbl>
+  <dgm:styleLbl name="dkBgShp">
+    <dgm:fillClrLst meth="repeat">
+      <a:schemeClr val="accent1">
+        <a:shade val="80000"/>
+      </a:schemeClr>
+    </dgm:fillClrLst>
+    <dgm:linClrLst meth="repeat">
+      <a:schemeClr val="accent1"/>
+    </dgm:linClrLst>
+    <dgm:effectClrLst/>
+    <dgm:txLinClrLst/>
+    <dgm:txFillClrLst meth="repeat">
+      <a:schemeClr val="lt1"/>
+    </dgm:txFillClrLst>
+    <dgm:txEffectClrLst/>
+  </dgm:styleLbl>
+  <dgm:styleLbl name="trBgShp">
+    <dgm:fillClrLst meth="repeat">
+      <a:schemeClr val="accent1">
+        <a:tint val="50000"/>
+        <a:alpha val="40000"/>
+      </a:schemeClr>
+    </dgm:fillClrLst>
+    <dgm:linClrLst meth="repeat">
+      <a:schemeClr val="accent1"/>
+    </dgm:linClrLst>
+    <dgm:effectClrLst/>
+    <dgm:txLinClrLst/>
+    <dgm:txFillClrLst meth="repeat">
+      <a:schemeClr val="lt1"/>
+    </dgm:txFillClrLst>
+    <dgm:txEffectClrLst/>
+  </dgm:styleLbl>
+  <dgm:styleLbl name="fgShp">
+    <dgm:fillClrLst meth="repeat">
+      <a:schemeClr val="accent1">
+        <a:tint val="60000"/>
+      </a:schemeClr>
+    </dgm:fillClrLst>
+    <dgm:linClrLst meth="repeat">
+      <a:schemeClr val="lt1"/>
+    </dgm:linClrLst>
+    <dgm:effectClrLst/>
+    <dgm:txLinClrLst/>
+    <dgm:txFillClrLst meth="repeat">
+      <a:schemeClr val="dk1"/>
+    </dgm:txFillClrLst>
+    <dgm:txEffectClrLst/>
+  </dgm:styleLbl>
+  <dgm:styleLbl name="revTx">
+    <dgm:fillClrLst meth="repeat">
+      <a:schemeClr val="lt1">
+        <a:alpha val="0"/>
+      </a:schemeClr>
+    </dgm:fillClrLst>
+    <dgm:linClrLst meth="repeat">
+      <a:schemeClr val="dk1">
+        <a:alpha val="0"/>
+      </a:schemeClr>
+    </dgm:linClrLst>
+    <dgm:effectClrLst/>
+    <dgm:txLinClrLst/>
+    <dgm:txFillClrLst meth="repeat">
+      <a:schemeClr val="tx1"/>
+    </dgm:txFillClrLst>
+    <dgm:txEffectClrLst/>
+  </dgm:styleLbl>
+</dgm:colorsDef>
+</file>
+
+<file path=ppt/diagrams/data1.xml><?xml version="1.0" encoding="utf-8"?>
+<dgm:dataModel xmlns:dgm="http://schemas.openxmlformats.org/drawingml/2006/diagram" xmlns:a="http://schemas.openxmlformats.org/drawingml/2006/main">
+  <dgm:ptLst>
+    <dgm:pt modelId="{B46799F2-1C6A-4483-AFDC-5C80517CB2C0}" type="doc">
+      <dgm:prSet loTypeId="urn:microsoft.com/office/officeart/2005/8/layout/vProcess5" loCatId="process" qsTypeId="urn:microsoft.com/office/officeart/2005/8/quickstyle/simple4" qsCatId="simple" csTypeId="urn:microsoft.com/office/officeart/2005/8/colors/accent1_2" csCatId="accent1" phldr="1"/>
+      <dgm:spPr/>
+      <dgm:t>
+        <a:bodyPr/>
+        <a:lstStyle/>
+        <a:p>
+          <a:endParaRPr lang="en-US"/>
+        </a:p>
+      </dgm:t>
+    </dgm:pt>
+    <dgm:pt modelId="{B088FC77-172E-4CB2-827B-4AACECB54B15}">
+      <dgm:prSet phldrT="[Text]" custT="1"/>
+      <dgm:spPr/>
+      <dgm:t>
+        <a:bodyPr/>
+        <a:lstStyle/>
+        <a:p>
+          <a:r>
+            <a:rPr lang="en-US" sz="4400" smtClean="0"/>
+            <a:t>Video Services</a:t>
+          </a:r>
+          <a:endParaRPr lang="en-US" sz="4400"/>
+        </a:p>
+      </dgm:t>
+    </dgm:pt>
+    <dgm:pt modelId="{2A674825-9340-4C87-8DA8-93322DF31E7D}" type="parTrans" cxnId="{377E6BDF-3ECA-4144-B63A-2BE5E03D6661}">
+      <dgm:prSet/>
+      <dgm:spPr/>
+      <dgm:t>
+        <a:bodyPr/>
+        <a:lstStyle/>
+        <a:p>
+          <a:endParaRPr lang="en-US"/>
+        </a:p>
+      </dgm:t>
+    </dgm:pt>
+    <dgm:pt modelId="{28557FD9-D723-4D2E-B76E-775C8DD4CB40}" type="sibTrans" cxnId="{377E6BDF-3ECA-4144-B63A-2BE5E03D6661}">
+      <dgm:prSet/>
+      <dgm:spPr/>
+      <dgm:t>
+        <a:bodyPr/>
+        <a:lstStyle/>
+        <a:p>
+          <a:endParaRPr lang="en-US"/>
+        </a:p>
+      </dgm:t>
+    </dgm:pt>
+    <dgm:pt modelId="{F4BD3C83-2019-413A-ACBF-C26478E74CAB}">
+      <dgm:prSet phldrT="[Text]"/>
+      <dgm:spPr/>
+      <dgm:t>
+        <a:bodyPr/>
+        <a:lstStyle/>
+        <a:p>
+          <a:r>
+            <a:rPr lang="en-US" smtClean="0">
+              <a:latin typeface="Agency FB" panose="020B0503020202020204" pitchFamily="34" charset="0"/>
+            </a:rPr>
+            <a:t>Log Event Managements</a:t>
+          </a:r>
+          <a:endParaRPr lang="en-US"/>
+        </a:p>
+      </dgm:t>
+    </dgm:pt>
+    <dgm:pt modelId="{09609357-A15E-4599-B870-D53ABF679281}" type="parTrans" cxnId="{A228FD85-BC60-4A81-A73B-B48BBFF377B3}">
+      <dgm:prSet/>
+      <dgm:spPr/>
+      <dgm:t>
+        <a:bodyPr/>
+        <a:lstStyle/>
+        <a:p>
+          <a:endParaRPr lang="en-US"/>
+        </a:p>
+      </dgm:t>
+    </dgm:pt>
+    <dgm:pt modelId="{8F5EC639-D3BB-47C8-B467-54984602289C}" type="sibTrans" cxnId="{A228FD85-BC60-4A81-A73B-B48BBFF377B3}">
+      <dgm:prSet/>
+      <dgm:spPr/>
+      <dgm:t>
+        <a:bodyPr/>
+        <a:lstStyle/>
+        <a:p>
+          <a:endParaRPr lang="en-US"/>
+        </a:p>
+      </dgm:t>
+    </dgm:pt>
+    <dgm:pt modelId="{9C398C15-9FFC-4866-8C30-B3B73BD06F94}">
+      <dgm:prSet phldrT="[Text]"/>
+      <dgm:spPr/>
+      <dgm:t>
+        <a:bodyPr/>
+        <a:lstStyle/>
+        <a:p>
+          <a:r>
+            <a:rPr lang="en-US" smtClean="0">
+              <a:latin typeface="Agency FB" panose="020B0503020202020204" pitchFamily="34" charset="0"/>
+            </a:rPr>
+            <a:t>	ELK</a:t>
+          </a:r>
+          <a:endParaRPr lang="en-US"/>
+        </a:p>
+      </dgm:t>
+    </dgm:pt>
+    <dgm:pt modelId="{373341D0-D6A6-4381-B54D-C46A482256A9}" type="parTrans" cxnId="{9872D52F-6999-4600-8156-C54823503117}">
+      <dgm:prSet/>
+      <dgm:spPr/>
+      <dgm:t>
+        <a:bodyPr/>
+        <a:lstStyle/>
+        <a:p>
+          <a:endParaRPr lang="en-US"/>
+        </a:p>
+      </dgm:t>
+    </dgm:pt>
+    <dgm:pt modelId="{A9819CD3-B3A6-46D1-AC11-993ABC9CAC22}" type="sibTrans" cxnId="{9872D52F-6999-4600-8156-C54823503117}">
+      <dgm:prSet/>
+      <dgm:spPr/>
+      <dgm:t>
+        <a:bodyPr/>
+        <a:lstStyle/>
+        <a:p>
+          <a:endParaRPr lang="en-US"/>
+        </a:p>
+      </dgm:t>
+    </dgm:pt>
+    <dgm:pt modelId="{34E1A0CC-FE78-41D4-9EE6-1F299156AA8A}" type="pres">
+      <dgm:prSet presAssocID="{B46799F2-1C6A-4483-AFDC-5C80517CB2C0}" presName="outerComposite" presStyleCnt="0">
+        <dgm:presLayoutVars>
+          <dgm:chMax val="5"/>
+          <dgm:dir/>
+          <dgm:resizeHandles val="exact"/>
+        </dgm:presLayoutVars>
+      </dgm:prSet>
+      <dgm:spPr/>
+      <dgm:t>
+        <a:bodyPr/>
+        <a:lstStyle/>
+        <a:p>
+          <a:endParaRPr lang="en-US"/>
+        </a:p>
+      </dgm:t>
+    </dgm:pt>
+    <dgm:pt modelId="{532E038F-2BCD-47CE-98C8-8B1393026B7A}" type="pres">
+      <dgm:prSet presAssocID="{B46799F2-1C6A-4483-AFDC-5C80517CB2C0}" presName="dummyMaxCanvas" presStyleCnt="0">
+        <dgm:presLayoutVars/>
+      </dgm:prSet>
+      <dgm:spPr/>
+    </dgm:pt>
+    <dgm:pt modelId="{763D5766-334F-442B-99E5-AF3ED1313D2D}" type="pres">
+      <dgm:prSet presAssocID="{B46799F2-1C6A-4483-AFDC-5C80517CB2C0}" presName="ThreeNodes_1" presStyleLbl="node1" presStyleIdx="0" presStyleCnt="3" custLinFactNeighborX="-358" custLinFactNeighborY="-34">
+        <dgm:presLayoutVars>
+          <dgm:bulletEnabled val="1"/>
+        </dgm:presLayoutVars>
+      </dgm:prSet>
+      <dgm:spPr/>
+      <dgm:t>
+        <a:bodyPr/>
+        <a:lstStyle/>
+        <a:p>
+          <a:endParaRPr lang="en-US"/>
+        </a:p>
+      </dgm:t>
+    </dgm:pt>
+    <dgm:pt modelId="{AE9B0E71-4BE8-4EC2-B570-223F3C0CEE1A}" type="pres">
+      <dgm:prSet presAssocID="{B46799F2-1C6A-4483-AFDC-5C80517CB2C0}" presName="ThreeNodes_2" presStyleLbl="node1" presStyleIdx="1" presStyleCnt="3" custLinFactNeighborX="-1645" custLinFactNeighborY="3780">
+        <dgm:presLayoutVars>
+          <dgm:bulletEnabled val="1"/>
+        </dgm:presLayoutVars>
+      </dgm:prSet>
+      <dgm:spPr/>
+      <dgm:t>
+        <a:bodyPr/>
+        <a:lstStyle/>
+        <a:p>
+          <a:endParaRPr lang="en-US"/>
+        </a:p>
+      </dgm:t>
+    </dgm:pt>
+    <dgm:pt modelId="{262AEBCF-2B09-4B56-AB23-E8CD7DDD5AF4}" type="pres">
+      <dgm:prSet presAssocID="{B46799F2-1C6A-4483-AFDC-5C80517CB2C0}" presName="ThreeNodes_3" presStyleLbl="node1" presStyleIdx="2" presStyleCnt="3">
+        <dgm:presLayoutVars>
+          <dgm:bulletEnabled val="1"/>
+        </dgm:presLayoutVars>
+      </dgm:prSet>
+      <dgm:spPr/>
+      <dgm:t>
+        <a:bodyPr/>
+        <a:lstStyle/>
+        <a:p>
+          <a:endParaRPr lang="en-US"/>
+        </a:p>
+      </dgm:t>
+    </dgm:pt>
+    <dgm:pt modelId="{D4779BB5-5B95-41E7-A2A1-84BF6418A502}" type="pres">
+      <dgm:prSet presAssocID="{B46799F2-1C6A-4483-AFDC-5C80517CB2C0}" presName="ThreeConn_1-2" presStyleLbl="fgAccFollowNode1" presStyleIdx="0" presStyleCnt="2">
+        <dgm:presLayoutVars>
+          <dgm:bulletEnabled val="1"/>
+        </dgm:presLayoutVars>
+      </dgm:prSet>
+      <dgm:spPr/>
+      <dgm:t>
+        <a:bodyPr/>
+        <a:lstStyle/>
+        <a:p>
+          <a:endParaRPr lang="en-US"/>
+        </a:p>
+      </dgm:t>
+    </dgm:pt>
+    <dgm:pt modelId="{5B7BADB7-2197-4279-8EFD-62F1B03A7EE1}" type="pres">
+      <dgm:prSet presAssocID="{B46799F2-1C6A-4483-AFDC-5C80517CB2C0}" presName="ThreeConn_2-3" presStyleLbl="fgAccFollowNode1" presStyleIdx="1" presStyleCnt="2">
+        <dgm:presLayoutVars>
+          <dgm:bulletEnabled val="1"/>
+        </dgm:presLayoutVars>
+      </dgm:prSet>
+      <dgm:spPr/>
+      <dgm:t>
+        <a:bodyPr/>
+        <a:lstStyle/>
+        <a:p>
+          <a:endParaRPr lang="en-US"/>
+        </a:p>
+      </dgm:t>
+    </dgm:pt>
+    <dgm:pt modelId="{32D378BC-B5BE-4D94-849E-FA0B87EFB66B}" type="pres">
+      <dgm:prSet presAssocID="{B46799F2-1C6A-4483-AFDC-5C80517CB2C0}" presName="ThreeNodes_1_text" presStyleLbl="node1" presStyleIdx="2" presStyleCnt="3">
+        <dgm:presLayoutVars>
+          <dgm:bulletEnabled val="1"/>
+        </dgm:presLayoutVars>
+      </dgm:prSet>
+      <dgm:spPr/>
+      <dgm:t>
+        <a:bodyPr/>
+        <a:lstStyle/>
+        <a:p>
+          <a:endParaRPr lang="en-US"/>
+        </a:p>
+      </dgm:t>
+    </dgm:pt>
+    <dgm:pt modelId="{728AFE19-9674-4E70-AA63-ED422867245E}" type="pres">
+      <dgm:prSet presAssocID="{B46799F2-1C6A-4483-AFDC-5C80517CB2C0}" presName="ThreeNodes_2_text" presStyleLbl="node1" presStyleIdx="2" presStyleCnt="3">
+        <dgm:presLayoutVars>
+          <dgm:bulletEnabled val="1"/>
+        </dgm:presLayoutVars>
+      </dgm:prSet>
+      <dgm:spPr/>
+      <dgm:t>
+        <a:bodyPr/>
+        <a:lstStyle/>
+        <a:p>
+          <a:endParaRPr lang="en-US"/>
+        </a:p>
+      </dgm:t>
+    </dgm:pt>
+    <dgm:pt modelId="{4C666309-4077-4229-A0EC-4AF10452F9BA}" type="pres">
+      <dgm:prSet presAssocID="{B46799F2-1C6A-4483-AFDC-5C80517CB2C0}" presName="ThreeNodes_3_text" presStyleLbl="node1" presStyleIdx="2" presStyleCnt="3">
+        <dgm:presLayoutVars>
+          <dgm:bulletEnabled val="1"/>
+        </dgm:presLayoutVars>
+      </dgm:prSet>
+      <dgm:spPr/>
+      <dgm:t>
+        <a:bodyPr/>
+        <a:lstStyle/>
+        <a:p>
+          <a:endParaRPr lang="en-US"/>
+        </a:p>
+      </dgm:t>
+    </dgm:pt>
+  </dgm:ptLst>
+  <dgm:cxnLst>
+    <dgm:cxn modelId="{1F4DBA66-BD1B-4659-A302-9685657ED0E0}" type="presOf" srcId="{F4BD3C83-2019-413A-ACBF-C26478E74CAB}" destId="{728AFE19-9674-4E70-AA63-ED422867245E}" srcOrd="1" destOrd="0" presId="urn:microsoft.com/office/officeart/2005/8/layout/vProcess5"/>
+    <dgm:cxn modelId="{FD1B3D4B-9AD8-47DA-AB88-B44213D979C3}" type="presOf" srcId="{B088FC77-172E-4CB2-827B-4AACECB54B15}" destId="{32D378BC-B5BE-4D94-849E-FA0B87EFB66B}" srcOrd="1" destOrd="0" presId="urn:microsoft.com/office/officeart/2005/8/layout/vProcess5"/>
+    <dgm:cxn modelId="{D675A17A-0C01-4000-89D5-6B1B76EE7638}" type="presOf" srcId="{F4BD3C83-2019-413A-ACBF-C26478E74CAB}" destId="{AE9B0E71-4BE8-4EC2-B570-223F3C0CEE1A}" srcOrd="0" destOrd="0" presId="urn:microsoft.com/office/officeart/2005/8/layout/vProcess5"/>
+    <dgm:cxn modelId="{FA63B100-FE81-403B-82D6-40649EE179F2}" type="presOf" srcId="{28557FD9-D723-4D2E-B76E-775C8DD4CB40}" destId="{D4779BB5-5B95-41E7-A2A1-84BF6418A502}" srcOrd="0" destOrd="0" presId="urn:microsoft.com/office/officeart/2005/8/layout/vProcess5"/>
+    <dgm:cxn modelId="{861D5F5C-F2F2-40DF-9E7B-BBC5CBD360A2}" type="presOf" srcId="{B088FC77-172E-4CB2-827B-4AACECB54B15}" destId="{763D5766-334F-442B-99E5-AF3ED1313D2D}" srcOrd="0" destOrd="0" presId="urn:microsoft.com/office/officeart/2005/8/layout/vProcess5"/>
+    <dgm:cxn modelId="{9872D52F-6999-4600-8156-C54823503117}" srcId="{B46799F2-1C6A-4483-AFDC-5C80517CB2C0}" destId="{9C398C15-9FFC-4866-8C30-B3B73BD06F94}" srcOrd="2" destOrd="0" parTransId="{373341D0-D6A6-4381-B54D-C46A482256A9}" sibTransId="{A9819CD3-B3A6-46D1-AC11-993ABC9CAC22}"/>
+    <dgm:cxn modelId="{E81F49B6-1A3C-4877-B4B9-F8680344E1C4}" type="presOf" srcId="{8F5EC639-D3BB-47C8-B467-54984602289C}" destId="{5B7BADB7-2197-4279-8EFD-62F1B03A7EE1}" srcOrd="0" destOrd="0" presId="urn:microsoft.com/office/officeart/2005/8/layout/vProcess5"/>
+    <dgm:cxn modelId="{92311D98-B5CD-4D72-8ECC-D8CBCEE343D2}" type="presOf" srcId="{9C398C15-9FFC-4866-8C30-B3B73BD06F94}" destId="{262AEBCF-2B09-4B56-AB23-E8CD7DDD5AF4}" srcOrd="0" destOrd="0" presId="urn:microsoft.com/office/officeart/2005/8/layout/vProcess5"/>
+    <dgm:cxn modelId="{377E6BDF-3ECA-4144-B63A-2BE5E03D6661}" srcId="{B46799F2-1C6A-4483-AFDC-5C80517CB2C0}" destId="{B088FC77-172E-4CB2-827B-4AACECB54B15}" srcOrd="0" destOrd="0" parTransId="{2A674825-9340-4C87-8DA8-93322DF31E7D}" sibTransId="{28557FD9-D723-4D2E-B76E-775C8DD4CB40}"/>
+    <dgm:cxn modelId="{50251AC0-71D7-4925-8C04-2CB20BFDE9BB}" type="presOf" srcId="{9C398C15-9FFC-4866-8C30-B3B73BD06F94}" destId="{4C666309-4077-4229-A0EC-4AF10452F9BA}" srcOrd="1" destOrd="0" presId="urn:microsoft.com/office/officeart/2005/8/layout/vProcess5"/>
+    <dgm:cxn modelId="{9134391A-16DC-4D6A-B729-12573989DEAF}" type="presOf" srcId="{B46799F2-1C6A-4483-AFDC-5C80517CB2C0}" destId="{34E1A0CC-FE78-41D4-9EE6-1F299156AA8A}" srcOrd="0" destOrd="0" presId="urn:microsoft.com/office/officeart/2005/8/layout/vProcess5"/>
+    <dgm:cxn modelId="{A228FD85-BC60-4A81-A73B-B48BBFF377B3}" srcId="{B46799F2-1C6A-4483-AFDC-5C80517CB2C0}" destId="{F4BD3C83-2019-413A-ACBF-C26478E74CAB}" srcOrd="1" destOrd="0" parTransId="{09609357-A15E-4599-B870-D53ABF679281}" sibTransId="{8F5EC639-D3BB-47C8-B467-54984602289C}"/>
+    <dgm:cxn modelId="{5299811E-2BBB-4058-BA12-A1E8CE74B589}" type="presParOf" srcId="{34E1A0CC-FE78-41D4-9EE6-1F299156AA8A}" destId="{532E038F-2BCD-47CE-98C8-8B1393026B7A}" srcOrd="0" destOrd="0" presId="urn:microsoft.com/office/officeart/2005/8/layout/vProcess5"/>
+    <dgm:cxn modelId="{862FA1DA-A941-4361-B872-1C4CF93FC48E}" type="presParOf" srcId="{34E1A0CC-FE78-41D4-9EE6-1F299156AA8A}" destId="{763D5766-334F-442B-99E5-AF3ED1313D2D}" srcOrd="1" destOrd="0" presId="urn:microsoft.com/office/officeart/2005/8/layout/vProcess5"/>
+    <dgm:cxn modelId="{A6AB49C3-8985-4A35-A906-B6FAE3A67275}" type="presParOf" srcId="{34E1A0CC-FE78-41D4-9EE6-1F299156AA8A}" destId="{AE9B0E71-4BE8-4EC2-B570-223F3C0CEE1A}" srcOrd="2" destOrd="0" presId="urn:microsoft.com/office/officeart/2005/8/layout/vProcess5"/>
+    <dgm:cxn modelId="{CF369800-2E15-4646-A377-9E2ECD8BCF9F}" type="presParOf" srcId="{34E1A0CC-FE78-41D4-9EE6-1F299156AA8A}" destId="{262AEBCF-2B09-4B56-AB23-E8CD7DDD5AF4}" srcOrd="3" destOrd="0" presId="urn:microsoft.com/office/officeart/2005/8/layout/vProcess5"/>
+    <dgm:cxn modelId="{A1B6FEF9-1653-4ED2-A796-51D3B73393FE}" type="presParOf" srcId="{34E1A0CC-FE78-41D4-9EE6-1F299156AA8A}" destId="{D4779BB5-5B95-41E7-A2A1-84BF6418A502}" srcOrd="4" destOrd="0" presId="urn:microsoft.com/office/officeart/2005/8/layout/vProcess5"/>
+    <dgm:cxn modelId="{8EF012D5-322D-42F2-8885-80D1A10F5D07}" type="presParOf" srcId="{34E1A0CC-FE78-41D4-9EE6-1F299156AA8A}" destId="{5B7BADB7-2197-4279-8EFD-62F1B03A7EE1}" srcOrd="5" destOrd="0" presId="urn:microsoft.com/office/officeart/2005/8/layout/vProcess5"/>
+    <dgm:cxn modelId="{0D388AEE-8CF5-447E-97BB-E0A2AD74B680}" type="presParOf" srcId="{34E1A0CC-FE78-41D4-9EE6-1F299156AA8A}" destId="{32D378BC-B5BE-4D94-849E-FA0B87EFB66B}" srcOrd="6" destOrd="0" presId="urn:microsoft.com/office/officeart/2005/8/layout/vProcess5"/>
+    <dgm:cxn modelId="{5F3B5B7F-1585-48D4-8952-F6B2A8EEE5F4}" type="presParOf" srcId="{34E1A0CC-FE78-41D4-9EE6-1F299156AA8A}" destId="{728AFE19-9674-4E70-AA63-ED422867245E}" srcOrd="7" destOrd="0" presId="urn:microsoft.com/office/officeart/2005/8/layout/vProcess5"/>
+    <dgm:cxn modelId="{3296C3B5-0B0D-42D5-8F4A-DAF7075D7CF4}" type="presParOf" srcId="{34E1A0CC-FE78-41D4-9EE6-1F299156AA8A}" destId="{4C666309-4077-4229-A0EC-4AF10452F9BA}" srcOrd="8" destOrd="0" presId="urn:microsoft.com/office/officeart/2005/8/layout/vProcess5"/>
+  </dgm:cxnLst>
+  <dgm:bg/>
+  <dgm:whole/>
+  <dgm:extLst>
+    <a:ext uri="http://schemas.microsoft.com/office/drawing/2008/diagram">
+      <dsp:dataModelExt xmlns:dsp="http://schemas.microsoft.com/office/drawing/2008/diagram" relId="rId6" minVer="http://schemas.openxmlformats.org/drawingml/2006/diagram"/>
+    </a:ext>
+  </dgm:extLst>
+</dgm:dataModel>
+</file>
+
+<file path=ppt/diagrams/drawing1.xml><?xml version="1.0" encoding="utf-8"?>
+<dsp:drawing xmlns:dgm="http://schemas.openxmlformats.org/drawingml/2006/diagram" xmlns:dsp="http://schemas.microsoft.com/office/drawing/2008/diagram" xmlns:a="http://schemas.openxmlformats.org/drawingml/2006/main">
+  <dsp:spTree>
+    <dsp:nvGrpSpPr>
+      <dsp:cNvPr id="0" name=""/>
+      <dsp:cNvGrpSpPr/>
+    </dsp:nvGrpSpPr>
+    <dsp:grpSpPr/>
+    <dsp:sp modelId="{763D5766-334F-442B-99E5-AF3ED1313D2D}">
+      <dsp:nvSpPr>
+        <dsp:cNvPr id="0" name=""/>
+        <dsp:cNvSpPr/>
+      </dsp:nvSpPr>
+      <dsp:spPr>
+        <a:xfrm>
+          <a:off x="0" y="0"/>
+          <a:ext cx="7605077" cy="1444466"/>
+        </a:xfrm>
+        <a:prstGeom prst="roundRect">
+          <a:avLst>
+            <a:gd name="adj" fmla="val 10000"/>
+          </a:avLst>
+        </a:prstGeom>
+        <a:gradFill rotWithShape="0">
+          <a:gsLst>
+            <a:gs pos="0">
+              <a:schemeClr val="accent1">
+                <a:hueOff val="0"/>
+                <a:satOff val="0"/>
+                <a:lumOff val="0"/>
+                <a:alphaOff val="0"/>
+                <a:tint val="98000"/>
+                <a:lumMod val="114000"/>
+              </a:schemeClr>
+            </a:gs>
+            <a:gs pos="100000">
+              <a:schemeClr val="accent1">
+                <a:hueOff val="0"/>
+                <a:satOff val="0"/>
+                <a:lumOff val="0"/>
+                <a:alphaOff val="0"/>
+                <a:shade val="90000"/>
+                <a:lumMod val="84000"/>
+              </a:schemeClr>
+            </a:gs>
+          </a:gsLst>
+          <a:lin ang="5400000" scaled="0"/>
+        </a:gradFill>
+        <a:ln>
+          <a:noFill/>
+        </a:ln>
+        <a:effectLst>
+          <a:outerShdw blurRad="38100" dist="25400" dir="5400000" rotWithShape="0">
+            <a:srgbClr val="000000">
+              <a:alpha val="45000"/>
+            </a:srgbClr>
+          </a:outerShdw>
+        </a:effectLst>
+      </dsp:spPr>
+      <dsp:style>
+        <a:lnRef idx="0">
+          <a:scrgbClr r="0" g="0" b="0"/>
+        </a:lnRef>
+        <a:fillRef idx="3">
+          <a:scrgbClr r="0" g="0" b="0"/>
+        </a:fillRef>
+        <a:effectRef idx="2">
+          <a:scrgbClr r="0" g="0" b="0"/>
+        </a:effectRef>
+        <a:fontRef idx="minor">
+          <a:schemeClr val="lt1"/>
+        </a:fontRef>
+      </dsp:style>
+      <dsp:txBody>
+        <a:bodyPr spcFirstLastPara="0" vert="horz" wrap="square" lIns="167640" tIns="167640" rIns="167640" bIns="167640" numCol="1" spcCol="1270" anchor="ctr" anchorCtr="0">
+          <a:noAutofit/>
+        </a:bodyPr>
+        <a:lstStyle/>
+        <a:p>
+          <a:pPr lvl="0" algn="l" defTabSz="1955800">
+            <a:lnSpc>
+              <a:spcPct val="90000"/>
+            </a:lnSpc>
+            <a:spcBef>
+              <a:spcPct val="0"/>
+            </a:spcBef>
+            <a:spcAft>
+              <a:spcPct val="35000"/>
+            </a:spcAft>
+          </a:pPr>
+          <a:r>
+            <a:rPr lang="en-US" sz="4400" kern="1200" smtClean="0"/>
+            <a:t>Video Services</a:t>
+          </a:r>
+          <a:endParaRPr lang="en-US" sz="4400" kern="1200"/>
+        </a:p>
+      </dsp:txBody>
+      <dsp:txXfrm>
+        <a:off x="42307" y="42307"/>
+        <a:ext cx="6046385" cy="1359852"/>
+      </dsp:txXfrm>
+    </dsp:sp>
+    <dsp:sp modelId="{AE9B0E71-4BE8-4EC2-B570-223F3C0CEE1A}">
+      <dsp:nvSpPr>
+        <dsp:cNvPr id="0" name=""/>
+        <dsp:cNvSpPr/>
+      </dsp:nvSpPr>
+      <dsp:spPr>
+        <a:xfrm>
+          <a:off x="545932" y="1739811"/>
+          <a:ext cx="7605077" cy="1444466"/>
+        </a:xfrm>
+        <a:prstGeom prst="roundRect">
+          <a:avLst>
+            <a:gd name="adj" fmla="val 10000"/>
+          </a:avLst>
+        </a:prstGeom>
+        <a:gradFill rotWithShape="0">
+          <a:gsLst>
+            <a:gs pos="0">
+              <a:schemeClr val="accent1">
+                <a:hueOff val="0"/>
+                <a:satOff val="0"/>
+                <a:lumOff val="0"/>
+                <a:alphaOff val="0"/>
+                <a:tint val="98000"/>
+                <a:lumMod val="114000"/>
+              </a:schemeClr>
+            </a:gs>
+            <a:gs pos="100000">
+              <a:schemeClr val="accent1">
+                <a:hueOff val="0"/>
+                <a:satOff val="0"/>
+                <a:lumOff val="0"/>
+                <a:alphaOff val="0"/>
+                <a:shade val="90000"/>
+                <a:lumMod val="84000"/>
+              </a:schemeClr>
+            </a:gs>
+          </a:gsLst>
+          <a:lin ang="5400000" scaled="0"/>
+        </a:gradFill>
+        <a:ln>
+          <a:noFill/>
+        </a:ln>
+        <a:effectLst>
+          <a:outerShdw blurRad="38100" dist="25400" dir="5400000" rotWithShape="0">
+            <a:srgbClr val="000000">
+              <a:alpha val="45000"/>
+            </a:srgbClr>
+          </a:outerShdw>
+        </a:effectLst>
+      </dsp:spPr>
+      <dsp:style>
+        <a:lnRef idx="0">
+          <a:scrgbClr r="0" g="0" b="0"/>
+        </a:lnRef>
+        <a:fillRef idx="3">
+          <a:scrgbClr r="0" g="0" b="0"/>
+        </a:fillRef>
+        <a:effectRef idx="2">
+          <a:scrgbClr r="0" g="0" b="0"/>
+        </a:effectRef>
+        <a:fontRef idx="minor">
+          <a:schemeClr val="lt1"/>
+        </a:fontRef>
+      </dsp:style>
+      <dsp:txBody>
+        <a:bodyPr spcFirstLastPara="0" vert="horz" wrap="square" lIns="217170" tIns="217170" rIns="217170" bIns="217170" numCol="1" spcCol="1270" anchor="ctr" anchorCtr="0">
+          <a:noAutofit/>
+        </a:bodyPr>
+        <a:lstStyle/>
+        <a:p>
+          <a:pPr lvl="0" algn="l" defTabSz="2533650">
+            <a:lnSpc>
+              <a:spcPct val="90000"/>
+            </a:lnSpc>
+            <a:spcBef>
+              <a:spcPct val="0"/>
+            </a:spcBef>
+            <a:spcAft>
+              <a:spcPct val="35000"/>
+            </a:spcAft>
+          </a:pPr>
+          <a:r>
+            <a:rPr lang="en-US" sz="5700" kern="1200" smtClean="0">
+              <a:latin typeface="Agency FB" panose="020B0503020202020204" pitchFamily="34" charset="0"/>
+            </a:rPr>
+            <a:t>Log Event Managements</a:t>
+          </a:r>
+          <a:endParaRPr lang="en-US" sz="5700" kern="1200"/>
+        </a:p>
+      </dsp:txBody>
+      <dsp:txXfrm>
+        <a:off x="588239" y="1782118"/>
+        <a:ext cx="5910524" cy="1359852"/>
+      </dsp:txXfrm>
+    </dsp:sp>
+    <dsp:sp modelId="{262AEBCF-2B09-4B56-AB23-E8CD7DDD5AF4}">
+      <dsp:nvSpPr>
+        <dsp:cNvPr id="0" name=""/>
+        <dsp:cNvSpPr/>
+      </dsp:nvSpPr>
+      <dsp:spPr>
+        <a:xfrm>
+          <a:off x="1342072" y="3370420"/>
+          <a:ext cx="7605077" cy="1444466"/>
+        </a:xfrm>
+        <a:prstGeom prst="roundRect">
+          <a:avLst>
+            <a:gd name="adj" fmla="val 10000"/>
+          </a:avLst>
+        </a:prstGeom>
+        <a:gradFill rotWithShape="0">
+          <a:gsLst>
+            <a:gs pos="0">
+              <a:schemeClr val="accent1">
+                <a:hueOff val="0"/>
+                <a:satOff val="0"/>
+                <a:lumOff val="0"/>
+                <a:alphaOff val="0"/>
+                <a:tint val="98000"/>
+                <a:lumMod val="114000"/>
+              </a:schemeClr>
+            </a:gs>
+            <a:gs pos="100000">
+              <a:schemeClr val="accent1">
+                <a:hueOff val="0"/>
+                <a:satOff val="0"/>
+                <a:lumOff val="0"/>
+                <a:alphaOff val="0"/>
+                <a:shade val="90000"/>
+                <a:lumMod val="84000"/>
+              </a:schemeClr>
+            </a:gs>
+          </a:gsLst>
+          <a:lin ang="5400000" scaled="0"/>
+        </a:gradFill>
+        <a:ln>
+          <a:noFill/>
+        </a:ln>
+        <a:effectLst>
+          <a:outerShdw blurRad="38100" dist="25400" dir="5400000" rotWithShape="0">
+            <a:srgbClr val="000000">
+              <a:alpha val="45000"/>
+            </a:srgbClr>
+          </a:outerShdw>
+        </a:effectLst>
+      </dsp:spPr>
+      <dsp:style>
+        <a:lnRef idx="0">
+          <a:scrgbClr r="0" g="0" b="0"/>
+        </a:lnRef>
+        <a:fillRef idx="3">
+          <a:scrgbClr r="0" g="0" b="0"/>
+        </a:fillRef>
+        <a:effectRef idx="2">
+          <a:scrgbClr r="0" g="0" b="0"/>
+        </a:effectRef>
+        <a:fontRef idx="minor">
+          <a:schemeClr val="lt1"/>
+        </a:fontRef>
+      </dsp:style>
+      <dsp:txBody>
+        <a:bodyPr spcFirstLastPara="0" vert="horz" wrap="square" lIns="217170" tIns="217170" rIns="217170" bIns="217170" numCol="1" spcCol="1270" anchor="ctr" anchorCtr="0">
+          <a:noAutofit/>
+        </a:bodyPr>
+        <a:lstStyle/>
+        <a:p>
+          <a:pPr lvl="0" algn="l" defTabSz="2533650">
+            <a:lnSpc>
+              <a:spcPct val="90000"/>
+            </a:lnSpc>
+            <a:spcBef>
+              <a:spcPct val="0"/>
+            </a:spcBef>
+            <a:spcAft>
+              <a:spcPct val="35000"/>
+            </a:spcAft>
+          </a:pPr>
+          <a:r>
+            <a:rPr lang="en-US" sz="5700" kern="1200" smtClean="0">
+              <a:latin typeface="Agency FB" panose="020B0503020202020204" pitchFamily="34" charset="0"/>
+            </a:rPr>
+            <a:t>	ELK</a:t>
+          </a:r>
+          <a:endParaRPr lang="en-US" sz="5700" kern="1200"/>
+        </a:p>
+      </dsp:txBody>
+      <dsp:txXfrm>
+        <a:off x="1384379" y="3412727"/>
+        <a:ext cx="5910524" cy="1359852"/>
+      </dsp:txXfrm>
+    </dsp:sp>
+    <dsp:sp modelId="{D4779BB5-5B95-41E7-A2A1-84BF6418A502}">
+      <dsp:nvSpPr>
+        <dsp:cNvPr id="0" name=""/>
+        <dsp:cNvSpPr/>
+      </dsp:nvSpPr>
+      <dsp:spPr>
+        <a:xfrm>
+          <a:off x="6666174" y="1095386"/>
+          <a:ext cx="938902" cy="938902"/>
+        </a:xfrm>
+        <a:prstGeom prst="downArrow">
+          <a:avLst>
+            <a:gd name="adj1" fmla="val 55000"/>
+            <a:gd name="adj2" fmla="val 45000"/>
+          </a:avLst>
+        </a:prstGeom>
+        <a:solidFill>
+          <a:schemeClr val="accent1">
+            <a:alpha val="90000"/>
+            <a:tint val="40000"/>
+            <a:hueOff val="0"/>
+            <a:satOff val="0"/>
+            <a:lumOff val="0"/>
+            <a:alphaOff val="0"/>
+          </a:schemeClr>
+        </a:solidFill>
+        <a:ln w="9525" cap="rnd" cmpd="sng" algn="ctr">
+          <a:solidFill>
+            <a:schemeClr val="accent1">
+              <a:alpha val="90000"/>
+              <a:tint val="40000"/>
+              <a:hueOff val="0"/>
+              <a:satOff val="0"/>
+              <a:lumOff val="0"/>
+              <a:alphaOff val="0"/>
+            </a:schemeClr>
+          </a:solidFill>
+          <a:prstDash val="solid"/>
+        </a:ln>
+        <a:effectLst/>
+      </dsp:spPr>
+      <dsp:style>
+        <a:lnRef idx="1">
+          <a:scrgbClr r="0" g="0" b="0"/>
+        </a:lnRef>
+        <a:fillRef idx="1">
+          <a:scrgbClr r="0" g="0" b="0"/>
+        </a:fillRef>
+        <a:effectRef idx="0">
+          <a:scrgbClr r="0" g="0" b="0"/>
+        </a:effectRef>
+        <a:fontRef idx="minor"/>
+      </dsp:style>
+      <dsp:txBody>
+        <a:bodyPr spcFirstLastPara="0" vert="horz" wrap="square" lIns="45720" tIns="45720" rIns="45720" bIns="45720" numCol="1" spcCol="1270" anchor="ctr" anchorCtr="0">
+          <a:noAutofit/>
+        </a:bodyPr>
+        <a:lstStyle/>
+        <a:p>
+          <a:pPr lvl="0" algn="ctr" defTabSz="1600200">
+            <a:lnSpc>
+              <a:spcPct val="90000"/>
+            </a:lnSpc>
+            <a:spcBef>
+              <a:spcPct val="0"/>
+            </a:spcBef>
+            <a:spcAft>
+              <a:spcPct val="35000"/>
+            </a:spcAft>
+          </a:pPr>
+          <a:endParaRPr lang="en-US" sz="3600" kern="1200"/>
+        </a:p>
+      </dsp:txBody>
+      <dsp:txXfrm>
+        <a:off x="6877427" y="1095386"/>
+        <a:ext cx="516396" cy="706524"/>
+      </dsp:txXfrm>
+    </dsp:sp>
+    <dsp:sp modelId="{5B7BADB7-2197-4279-8EFD-62F1B03A7EE1}">
+      <dsp:nvSpPr>
+        <dsp:cNvPr id="0" name=""/>
+        <dsp:cNvSpPr/>
+      </dsp:nvSpPr>
+      <dsp:spPr>
+        <a:xfrm>
+          <a:off x="7337210" y="2770967"/>
+          <a:ext cx="938902" cy="938902"/>
+        </a:xfrm>
+        <a:prstGeom prst="downArrow">
+          <a:avLst>
+            <a:gd name="adj1" fmla="val 55000"/>
+            <a:gd name="adj2" fmla="val 45000"/>
+          </a:avLst>
+        </a:prstGeom>
+        <a:solidFill>
+          <a:schemeClr val="accent1">
+            <a:alpha val="90000"/>
+            <a:tint val="40000"/>
+            <a:hueOff val="0"/>
+            <a:satOff val="0"/>
+            <a:lumOff val="0"/>
+            <a:alphaOff val="0"/>
+          </a:schemeClr>
+        </a:solidFill>
+        <a:ln w="9525" cap="rnd" cmpd="sng" algn="ctr">
+          <a:solidFill>
+            <a:schemeClr val="accent1">
+              <a:alpha val="90000"/>
+              <a:tint val="40000"/>
+              <a:hueOff val="0"/>
+              <a:satOff val="0"/>
+              <a:lumOff val="0"/>
+              <a:alphaOff val="0"/>
+            </a:schemeClr>
+          </a:solidFill>
+          <a:prstDash val="solid"/>
+        </a:ln>
+        <a:effectLst/>
+      </dsp:spPr>
+      <dsp:style>
+        <a:lnRef idx="1">
+          <a:scrgbClr r="0" g="0" b="0"/>
+        </a:lnRef>
+        <a:fillRef idx="1">
+          <a:scrgbClr r="0" g="0" b="0"/>
+        </a:fillRef>
+        <a:effectRef idx="0">
+          <a:scrgbClr r="0" g="0" b="0"/>
+        </a:effectRef>
+        <a:fontRef idx="minor"/>
+      </dsp:style>
+      <dsp:txBody>
+        <a:bodyPr spcFirstLastPara="0" vert="horz" wrap="square" lIns="45720" tIns="45720" rIns="45720" bIns="45720" numCol="1" spcCol="1270" anchor="ctr" anchorCtr="0">
+          <a:noAutofit/>
+        </a:bodyPr>
+        <a:lstStyle/>
+        <a:p>
+          <a:pPr lvl="0" algn="ctr" defTabSz="1600200">
+            <a:lnSpc>
+              <a:spcPct val="90000"/>
+            </a:lnSpc>
+            <a:spcBef>
+              <a:spcPct val="0"/>
+            </a:spcBef>
+            <a:spcAft>
+              <a:spcPct val="35000"/>
+            </a:spcAft>
+          </a:pPr>
+          <a:endParaRPr lang="en-US" sz="3600" kern="1200"/>
+        </a:p>
+      </dsp:txBody>
+      <dsp:txXfrm>
+        <a:off x="7548463" y="2770967"/>
+        <a:ext cx="516396" cy="706524"/>
+      </dsp:txXfrm>
+    </dsp:sp>
+  </dsp:spTree>
+</dsp:drawing>
+</file>
+
+<file path=ppt/diagrams/layout1.xml><?xml version="1.0" encoding="utf-8"?>
+<dgm:layoutDef xmlns:dgm="http://schemas.openxmlformats.org/drawingml/2006/diagram" xmlns:a="http://schemas.openxmlformats.org/drawingml/2006/main" uniqueId="urn:microsoft.com/office/officeart/2005/8/layout/vProcess5">
+  <dgm:title val=""/>
+  <dgm:desc val=""/>
+  <dgm:catLst>
+    <dgm:cat type="process" pri="14000"/>
+  </dgm:catLst>
+  <dgm:sampData>
+    <dgm:dataModel>
+      <dgm:ptLst>
+        <dgm:pt modelId="0" type="doc"/>
+        <dgm:pt modelId="1">
+          <dgm:prSet phldr="1"/>
+        </dgm:pt>
+        <dgm:pt modelId="2">
+          <dgm:prSet phldr="1"/>
+        </dgm:pt>
+        <dgm:pt modelId="3">
+          <dgm:prSet phldr="1"/>
+        </dgm:pt>
+      </dgm:ptLst>
+      <dgm:cxnLst>
+        <dgm:cxn modelId="5" srcId="0" destId="1" srcOrd="0" destOrd="0"/>
+        <dgm:cxn modelId="6" srcId="0" destId="2" srcOrd="1" destOrd="0"/>
+        <dgm:cxn modelId="7" srcId="0" destId="3" srcOrd="2" destOrd="0"/>
+      </dgm:cxnLst>
+      <dgm:bg/>
+      <dgm:whole/>
+    </dgm:dataModel>
+  </dgm:sampData>
+  <dgm:styleData>
+    <dgm:dataModel>
+      <dgm:ptLst>
+        <dgm:pt modelId="0" type="doc"/>
+        <dgm:pt modelId="1"/>
+        <dgm:pt modelId="2"/>
+      </dgm:ptLst>
+      <dgm:cxnLst>
+        <dgm:cxn modelId="3" srcId="0" destId="1" srcOrd="0" destOrd="0"/>
+        <dgm:cxn modelId="4" srcId="0" destId="2" srcOrd="1" destOrd="0"/>
+      </dgm:cxnLst>
+      <dgm:bg/>
+      <dgm:whole/>
+    </dgm:dataModel>
+  </dgm:styleData>
+  <dgm:clrData>
+    <dgm:dataModel>
+      <dgm:ptLst>
+        <dgm:pt modelId="0" type="doc"/>
+        <dgm:pt modelId="1"/>
+        <dgm:pt modelId="2"/>
+        <dgm:pt modelId="3"/>
+        <dgm:pt modelId="4"/>
+      </dgm:ptLst>
+      <dgm:cxnLst>
+        <dgm:cxn modelId="6" srcId="0" destId="1" srcOrd="0" destOrd="0"/>
+        <dgm:cxn modelId="7" srcId="0" destId="2" srcOrd="1" destOrd="0"/>
+        <dgm:cxn modelId="8" srcId="0" destId="3" srcOrd="2" destOrd="0"/>
+        <dgm:cxn modelId="9" srcId="0" destId="4" srcOrd="3" destOrd="0"/>
+      </dgm:cxnLst>
+      <dgm:bg/>
+      <dgm:whole/>
+    </dgm:dataModel>
+  </dgm:clrData>
+  <dgm:layoutNode name="outerComposite">
+    <dgm:varLst>
+      <dgm:chMax val="5"/>
+      <dgm:dir/>
+      <dgm:resizeHandles val="exact"/>
+    </dgm:varLst>
+    <dgm:alg type="composite"/>
+    <dgm:shape xmlns:r="http://schemas.openxmlformats.org/officeDocument/2006/relationships" r:blip="">
+      <dgm:adjLst/>
+    </dgm:shape>
+    <dgm:presOf/>
+    <dgm:choose name="Name0">
+      <dgm:if name="Name1" func="var" arg="dir" op="equ" val="norm">
+        <dgm:constrLst>
+          <dgm:constr type="primFontSz" for="ch" ptType="node" op="equ" val="65"/>
+          <dgm:constr type="w" for="ch" forName="dummyMaxCanvas" refType="w"/>
+          <dgm:constr type="h" for="ch" forName="dummyMaxCanvas" refType="h"/>
+          <dgm:constr type="w" for="ch" forName="OneNode_1" refType="w"/>
+          <dgm:constr type="h" for="ch" forName="OneNode_1" refType="h" fact="0.5"/>
+          <dgm:constr type="ctrY" for="ch" forName="OneNode_1" refType="h" fact="0.5"/>
+          <dgm:constr type="w" for="ch" forName="TwoNodes_1" refType="w" fact="0.85"/>
+          <dgm:constr type="h" for="ch" forName="TwoNodes_1" refType="h" fact="0.45"/>
+          <dgm:constr type="t" for="ch" forName="TwoNodes_1"/>
+          <dgm:constr type="l" for="ch" forName="TwoNodes_1"/>
+          <dgm:constr type="w" for="ch" forName="TwoNodes_2" refType="w" fact="0.85"/>
+          <dgm:constr type="h" for="ch" forName="TwoNodes_2" refType="h" fact="0.45"/>
+          <dgm:constr type="b" for="ch" forName="TwoNodes_2" refType="h"/>
+          <dgm:constr type="r" for="ch" forName="TwoNodes_2" refType="w"/>
+          <dgm:constr type="w" for="ch" forName="TwoConn_1-2" refType="h" refFor="ch" refForName="TwoNodes_1" fact="0.65"/>
+          <dgm:constr type="h" for="ch" forName="TwoConn_1-2" refType="h" refFor="ch" refForName="TwoNodes_1" fact="0.65"/>
+          <dgm:constr type="ctrY" for="ch" forName="TwoConn_1-2" refType="h" fact="0.5"/>
+          <dgm:constr type="r" for="ch" forName="TwoConn_1-2" refType="r" refFor="ch" refForName="TwoNodes_1"/>
+          <dgm:constr type="r" for="ch" forName="TwoNodes_1_text" refType="l" refFor="ch" refForName="TwoConn_1-2"/>
+          <dgm:constr type="rOff" for="ch" forName="TwoNodes_1_text" refType="w" refFor="ch" refForName="TwoConn_1-2" fact="-0.5"/>
+          <dgm:constr type="t" for="ch" forName="TwoNodes_1_text" refType="t" refFor="ch" refForName="TwoNodes_1"/>
+          <dgm:constr type="b" for="ch" forName="TwoNodes_1_text" refType="b" refFor="ch" refForName="TwoNodes_1"/>
+          <dgm:constr type="l" for="ch" forName="TwoNodes_1_text" refType="l" refFor="ch" refForName="TwoNodes_1"/>
+          <dgm:constr type="r" for="ch" forName="TwoNodes_2_text" refType="l" refFor="ch" refForName="TwoConn_1-2"/>
+          <dgm:constr type="t" for="ch" forName="TwoNodes_2_text" refType="t" refFor="ch" refForName="TwoNodes_2"/>
+          <dgm:constr type="b" for="ch" forName="TwoNodes_2_text" refType="b" refFor="ch" refForName="TwoNodes_2"/>
+          <dgm:constr type="l" for="ch" forName="TwoNodes_2_text" refType="l" refFor="ch" refForName="TwoNodes_2"/>
+          <dgm:constr type="w" for="ch" forName="ThreeNodes_1" refType="w" fact="0.85"/>
+          <dgm:constr type="h" for="ch" forName="ThreeNodes_1" refType="h" fact="0.3"/>
+          <dgm:constr type="t" for="ch" forName="ThreeNodes_1"/>
+          <dgm:constr type="l" for="ch" forName="ThreeNodes_1"/>
+          <dgm:constr type="w" for="ch" forName="ThreeNodes_2" refType="w" fact="0.85"/>
+          <dgm:constr type="h" for="ch" forName="ThreeNodes_2" refType="h" fact="0.3"/>
+          <dgm:constr type="ctrY" for="ch" forName="ThreeNodes_2" refType="h" fact="0.5"/>
+          <dgm:constr type="ctrX" for="ch" forName="ThreeNodes_2" refType="w" fact="0.5"/>
+          <dgm:constr type="w" for="ch" forName="ThreeNodes_3" refType="w" fact="0.85"/>
+          <dgm:constr type="h" for="ch" forName="ThreeNodes_3" refType="h" fact="0.3"/>
+          <dgm:constr type="b" for="ch" forName="ThreeNodes_3" refType="h"/>
+          <dgm:constr type="r" for="ch" forName="ThreeNodes_3" refType="w"/>
+          <dgm:constr type="w" for="ch" forName="ThreeConn_1-2" refType="h" refFor="ch" refForName="ThreeNodes_1" fact="0.65"/>
+          <dgm:constr type="h" for="ch" forName="ThreeConn_1-2" refType="h" refFor="ch" refForName="ThreeNodes_1" fact="0.65"/>
+          <dgm:constr type="ctrY" for="ch" forName="ThreeConn_1-2" refType="h" fact="0.325"/>
+          <dgm:constr type="r" for="ch" forName="ThreeConn_1-2" refType="r" refFor="ch" refForName="ThreeNodes_1"/>
+          <dgm:constr type="w" for="ch" forName="ThreeConn_2-3" refType="h" refFor="ch" refForName="ThreeNodes_2" fact="0.65"/>
+          <dgm:constr type="h" for="ch" forName="ThreeConn_2-3" refType="h" refFor="ch" refForName="ThreeNodes_2" fact="0.65"/>
+          <dgm:constr type="ctrY" for="ch" forName="ThreeConn_2-3" refType="h" fact="0.673"/>
+          <dgm:constr type="r" for="ch" forName="ThreeConn_2-3" refType="r" refFor="ch" refForName="ThreeNodes_2"/>
+          <dgm:constr type="r" for="ch" forName="ThreeNodes_1_text" refType="l" refFor="ch" refForName="ThreeConn_1-2"/>
+          <dgm:constr type="rOff" for="ch" forName="ThreeNodes_1_text" refType="w" refFor="ch" refForName="ThreeConn_1-2" fact="-0.57"/>
+          <dgm:constr type="t" for="ch" forName="ThreeNodes_1_text" refType="t" refFor="ch" refForName="ThreeNodes_1"/>
+          <dgm:constr type="b" for="ch" forName="ThreeNodes_1_text" refType="b" refFor="ch" refForName="ThreeNodes_1"/>
+          <dgm:constr type="l" for="ch" forName="ThreeNodes_1_text" refType="l" refFor="ch" refForName="ThreeNodes_1"/>
+          <dgm:constr type="r" for="ch" forName="ThreeNodes_2_text" refType="l" refFor="ch" refForName="ThreeConn_1-2"/>
+          <dgm:constr type="t" for="ch" forName="ThreeNodes_2_text" refType="t" refFor="ch" refForName="ThreeNodes_2"/>
+          <dgm:constr type="b" for="ch" forName="ThreeNodes_2_text" refType="b" refFor="ch" refForName="ThreeNodes_2"/>
+          <dgm:constr type="l" for="ch" forName="ThreeNodes_2_text" refType="l" refFor="ch" refForName="ThreeNodes_2"/>
+          <dgm:constr type="r" for="ch" forName="ThreeNodes_3_text" refType="l" refFor="ch" refForName="ThreeConn_2-3"/>
+          <dgm:constr type="t" for="ch" forName="ThreeNodes_3_text" refType="t" refFor="ch" refForName="ThreeNodes_3"/>
+          <dgm:constr type="b" for="ch" forName="ThreeNodes_3_text" refType="b" refFor="ch" refForName="ThreeNodes_3"/>
+          <dgm:constr type="l" for="ch" forName="ThreeNodes_3_text" refType="l" refFor="ch" refForName="ThreeNodes_3"/>
+          <dgm:constr type="w" for="ch" forName="FourNodes_1" refType="w" fact="0.8"/>
+          <dgm:constr type="h" for="ch" forName="FourNodes_1" refType="h" fact="0.22"/>
+          <dgm:constr type="t" for="ch" forName="FourNodes_1"/>
+          <dgm:constr type="l" for="ch" forName="FourNodes_1"/>
+          <dgm:constr type="w" for="ch" forName="FourNodes_2" refType="w" fact="0.8"/>
+          <dgm:constr type="h" for="ch" forName="FourNodes_2" refType="h" fact="0.22"/>
+          <dgm:constr type="ctrY" for="ch" forName="FourNodes_2" refType="h" fact="0.37"/>
+          <dgm:constr type="ctrX" for="ch" forName="FourNodes_2" refType="w" fact="0.467"/>
+          <dgm:constr type="w" for="ch" forName="FourNodes_3" refType="w" fact="0.8"/>
+          <dgm:constr type="h" for="ch" forName="FourNodes_3" refType="h" fact="0.22"/>
+          <dgm:constr type="ctrY" for="ch" forName="FourNodes_3" refType="h" fact="0.63"/>
+          <dgm:constr type="ctrX" for="ch" forName="FourNodes_3" refType="w" fact="0.533"/>
+          <dgm:constr type="w" for="ch" forName="FourNodes_4" refType="w" fact="0.8"/>
+          <dgm:constr type="h" for="ch" forName="FourNodes_4" refType="h" fact="0.22"/>
+          <dgm:constr type="b" for="ch" forName="FourNodes_4" refType="h"/>
+          <dgm:constr type="r" for="ch" forName="FourNodes_4" refType="w"/>
+          <dgm:constr type="w" for="ch" forName="FourConn_1-2" refType="h" refFor="ch" refForName="FourNodes_1" fact="0.65"/>
+          <dgm:constr type="h" for="ch" forName="FourConn_1-2" refType="h" refFor="ch" refForName="FourNodes_1" fact="0.65"/>
+          <dgm:constr type="ctrY" for="ch" forName="FourConn_1-2" refType="h" fact="0.24"/>
+          <dgm:constr type="r" for="ch" forName="FourConn_1-2" refType="r" refFor="ch" refForName="FourNodes_1"/>
+          <dgm:constr type="w" for="ch" forName="FourConn_2-3" refType="h" refFor="ch" refForName="FourNodes_2" fact="0.65"/>
+          <dgm:constr type="h" for="ch" forName="FourConn_2-3" refType="h" refFor="ch" refForName="FourNodes_2" fact="0.65"/>
+          <dgm:constr type="ctrY" for="ch" forName="FourConn_2-3" refType="h" fact="0.5"/>
+          <dgm:constr type="r" for="ch" forName="FourConn_2-3" refType="r" refFor="ch" refForName="FourNodes_2"/>
+          <dgm:constr type="w" for="ch" forName="FourConn_3-4" refType="h" refFor="ch" refForName="FourNodes_3" fact="0.65"/>
+          <dgm:constr type="h" for="ch" forName="FourConn_3-4" refType="h" refFor="ch" refForName="FourNodes_3" fact="0.65"/>
+          <dgm:constr type="ctrY" for="ch" forName="FourConn_3-4" refType="h" fact="0.76"/>
+          <dgm:constr type="r" for="ch" forName="FourConn_3-4" refType="r" refFor="ch" refForName="FourNodes_3"/>
+          <dgm:constr type="r" for="ch" forName="FourNodes_1_text" refType="l" refFor="ch" refForName="FourConn_1-2"/>
+          <dgm:constr type="rOff" for="ch" forName="FourNodes_1_text" refType="w" refFor="ch" refForName="FourConn_1-2" fact="-0.7"/>
+          <dgm:constr type="t" for="ch" forName="FourNodes_1_text" refType="t" refFor="ch" refForName="FourNodes_1"/>
+          <dgm:constr type="b" for="ch" forName="FourNodes_1_text" refType="b" refFor="ch" refForName="FourNodes_1"/>
+          <dgm:constr type="l" for="ch" forName="FourNodes_1_text" refType="l" refFor="ch" refForName="FourNodes_1"/>
+          <dgm:constr type="r" for="ch" forName="FourNodes_2_text" refType="l" refFor="ch" refForName="FourConn_1-2"/>
+          <dgm:constr type="t" for="ch" forName="FourNodes_2_text" refType="t" refFor="ch" refForName="FourNodes_2"/>
+          <dgm:constr type="b" for="ch" forName="FourNodes_2_text" refType="b" refFor="ch" refForName="FourNodes_2"/>
+          <dgm:constr type="l" for="ch" forName="FourNodes_2_text" refType="l" refFor="ch" refForName="FourNodes_2"/>
+          <dgm:constr type="r" for="ch" forName="FourNodes_3_text" refType="l" refFor="ch" refForName="FourConn_2-3"/>
+          <dgm:constr type="t" for="ch" forName="FourNodes_3_text" refType="t" refFor="ch" refForName="FourNodes_3"/>
+          <dgm:constr type="b" for="ch" forName="FourNodes_3_text" refType="b" refFor="ch" refForName="FourNodes_3"/>
+          <dgm:constr type="l" for="ch" forName="FourNodes_3_text" refType="l" refFor="ch" refForName="FourNodes_3"/>
+          <dgm:constr type="r" for="ch" forName="FourNodes_4_text" refType="l" refFor="ch" refForName="FourConn_3-4"/>
+          <dgm:constr type="t" for="ch" forName="FourNodes_4_text" refType="t" refFor="ch" refForName="FourNodes_4"/>
+          <dgm:constr type="b" for="ch" forName="FourNodes_4_text" refType="b" refFor="ch" refForName="FourNodes_4"/>
+          <dgm:constr type="l" for="ch" forName="FourNodes_4_text" refType="l" refFor="ch" refForName="FourNodes_4"/>
+          <dgm:constr type="w" for="ch" forName="FiveNodes_1" refType="w" fact="0.77"/>
+          <dgm:constr type="h" for="ch" forName="FiveNodes_1" refType="h" fact="0.18"/>
+          <dgm:constr type="t" for="ch" forName="FiveNodes_1"/>
+          <dgm:constr type="l" for="ch" forName="FiveNodes_1"/>
+          <dgm:constr type="w" for="ch" forName="FiveNodes_2" refType="w" fact="0.77"/>
+          <dgm:constr type="h" for="ch" forName="FiveNodes_2" refType="h" fact="0.18"/>
+          <dgm:constr type="ctrY" for="ch" forName="FiveNodes_2" refType="h" fact="0.295"/>
+          <dgm:constr type="ctrX" for="ch" forName="FiveNodes_2" refType="w" fact="0.4425"/>
+          <dgm:constr type="w" for="ch" forName="FiveNodes_3" refType="w" fact="0.77"/>
+          <dgm:constr type="h" for="ch" forName="FiveNodes_3" refType="h" fact="0.18"/>
+          <dgm:constr type="ctrY" for="ch" forName="FiveNodes_3" refType="h" fact="0.5"/>
+          <dgm:constr type="ctrX" for="ch" forName="FiveNodes_3" refType="w" fact="0.5"/>
+          <dgm:constr type="w" for="ch" forName="FiveNodes_4" refType="w" fact="0.77"/>
+          <dgm:constr type="h" for="ch" forName="FiveNodes_4" refType="h" fact="0.18"/>
+          <dgm:constr type="ctrY" for="ch" forName="FiveNodes_4" refType="h" fact="0.705"/>
+          <dgm:constr type="ctrX" for="ch" forName="FiveNodes_4" refType="w" fact="0.5575"/>
+          <dgm:constr type="w" for="ch" forName="FiveNodes_5" refType="w" fact="0.77"/>
+          <dgm:constr type="h" for="ch" forName="FiveNodes_5" refType="h" fact="0.18"/>
+          <dgm:constr type="b" for="ch" forName="FiveNodes_5" refType="h"/>
+          <dgm:constr type="r" for="ch" forName="FiveNodes_5" refType="w"/>
+          <dgm:constr type="w" for="ch" forName="FiveConn_1-2" refType="h" refFor="ch" refForName="FiveNodes_1" fact="0.65"/>
+          <dgm:constr type="h" for="ch" forName="FiveConn_1-2" refType="h" refFor="ch" refForName="FiveNodes_1" fact="0.65"/>
+          <dgm:constr type="ctrY" for="ch" forName="FiveConn_1-2" refType="h" fact="0.19"/>
+          <dgm:constr type="r" for="ch" forName="FiveConn_1-2" refType="r" refFor="ch" refForName="FiveNodes_1"/>
+          <dgm:constr type="w" for="ch" forName="FiveConn_2-3" refType="h" refFor="ch" refForName="FiveNodes_2" fact="0.65"/>
+          <dgm:constr type="h" for="ch" forName="FiveConn_2-3" refType="h" refFor="ch" refForName="FiveNodes_2" fact="0.65"/>
+          <dgm:constr type="ctrY" for="ch" forName="FiveConn_2-3" refType="h" fact="0.395"/>
+          <dgm:constr type="r" for="ch" forName="FiveConn_2-3" refType="r" refFor="ch" refForName="FiveNodes_2"/>
+          <dgm:constr type="w" for="ch" forName="FiveConn_3-4" refType="h" refFor="ch" refForName="FiveNodes_3" fact="0.65"/>
+          <dgm:constr type="h" for="ch" forName="FiveConn_3-4" refType="h" refFor="ch" refForName="FiveNodes_3" fact="0.65"/>
+          <dgm:constr type="ctrY" for="ch" forName="FiveConn_3-4" refType="h" fact="0.597"/>
+          <dgm:constr type="r" for="ch" forName="FiveConn_3-4" refType="r" refFor="ch" refForName="FiveNodes_3"/>
+          <dgm:constr type="w" for="ch" forName="FiveConn_4-5" refType="h" refFor="ch" refForName="FiveNodes_4" fact="0.65"/>
+          <dgm:constr type="h" for="ch" forName="FiveConn_4-5" refType="h" refFor="ch" refForName="FiveNodes_4" fact="0.65"/>
+          <dgm:constr type="ctrY" for="ch" forName="FiveConn_4-5" refType="h" fact="0.804"/>
+          <dgm:constr type="r" for="ch" forName="FiveConn_4-5" refType="r" refFor="ch" refForName="FiveNodes_4"/>
+          <dgm:constr type="r" for="ch" forName="FiveNodes_1_text" refType="l" refFor="ch" refForName="FiveConn_1-2"/>
+          <dgm:constr type="rOff" for="ch" forName="FiveNodes_1_text" refType="w" refFor="ch" refForName="FiveConn_1-2" fact="-0.75"/>
+          <dgm:constr type="t" for="ch" forName="FiveNodes_1_text" refType="t" refFor="ch" refForName="FiveNodes_1"/>
+          <dgm:constr type="b" for="ch" forName="FiveNodes_1_text" refType="b" refFor="ch" refForName="FiveNodes_1"/>
+          <dgm:constr type="l" for="ch" forName="FiveNodes_1_text" refType="l" refFor="ch" refForName="FiveNodes_1"/>
+          <dgm:constr type="r" for="ch" forName="FiveNodes_2_text" refType="l" refFor="ch" refForName="FiveConn_1-2"/>
+          <dgm:constr type="t" for="ch" forName="FiveNodes_2_text" refType="t" refFor="ch" refForName="FiveNodes_2"/>
+          <dgm:constr type="b" for="ch" forName="FiveNodes_2_text" refType="b" refFor="ch" refForName="FiveNodes_2"/>
+          <dgm:constr type="l" for="ch" forName="FiveNodes_2_text" refType="l" refFor="ch" refForName="FiveNodes_2"/>
+          <dgm:constr type="r" for="ch" forName="FiveNodes_3_text" refType="l" refFor="ch" refForName="FiveConn_2-3"/>
+          <dgm:constr type="t" for="ch" forName="FiveNodes_3_text" refType="t" refFor="ch" refForName="FiveNodes_3"/>
+          <dgm:constr type="b" for="ch" forName="FiveNodes_3_text" refType="b" refFor="ch" refForName="FiveNodes_3"/>
+          <dgm:constr type="l" for="ch" forName="FiveNodes_3_text" refType="l" refFor="ch" refForName="FiveNodes_3"/>
+          <dgm:constr type="r" for="ch" forName="FiveNodes_4_text" refType="l" refFor="ch" refForName="FiveConn_3-4"/>
+          <dgm:constr type="t" for="ch" forName="FiveNodes_4_text" refType="t" refFor="ch" refForName="FiveNodes_4"/>
+          <dgm:constr type="b" for="ch" forName="FiveNodes_4_text" refType="b" refFor="ch" refForName="FiveNodes_4"/>
+          <dgm:constr type="l" for="ch" forName="FiveNodes_4_text" refType="l" refFor="ch" refForName="FiveNodes_4"/>
+          <dgm:constr type="r" for="ch" forName="FiveNodes_5_text" refType="l" refFor="ch" refForName="FiveConn_4-5"/>
+          <dgm:constr type="t" for="ch" forName="FiveNodes_5_text" refType="t" refFor="ch" refForName="FiveNodes_5"/>
+          <dgm:constr type="b" for="ch" forName="FiveNodes_5_text" refType="b" refFor="ch" refForName="FiveNodes_5"/>
+          <dgm:constr type="l" for="ch" forName="FiveNodes_5_text" refType="l" refFor="ch" refForName="FiveNodes_5"/>
+        </dgm:constrLst>
+      </dgm:if>
+      <dgm:else name="Name2">
+        <dgm:constrLst>
+          <dgm:constr type="primFontSz" for="ch" ptType="node" op="equ" val="65"/>
+          <dgm:constr type="w" for="ch" forName="dummyMaxCanvas" refType="w"/>
+          <dgm:constr type="h" for="ch" forName="dummyMaxCanvas" refType="h"/>
+          <dgm:constr type="w" for="ch" forName="OneNode_1" refType="w"/>
+          <dgm:constr type="h" for="ch" forName="OneNode_1" refType="h" fact="0.5"/>
+          <dgm:constr type="ctrY" for="ch" forName="OneNode_1" refType="h" fact="0.5"/>
+          <dgm:constr type="w" for="ch" forName="TwoNodes_1" refType="w" fact="0.85"/>
+          <dgm:constr type="h" for="ch" forName="TwoNodes_1" refType="h" fact="0.45"/>
+          <dgm:constr type="t" for="ch" forName="TwoNodes_1"/>
+          <dgm:constr type="r" for="ch" forName="TwoNodes_1" refType="w"/>
+          <dgm:constr type="w" for="ch" forName="TwoNodes_2" refType="w" fact="0.85"/>
+          <dgm:constr type="h" for="ch" forName="TwoNodes_2" refType="h" fact="0.45"/>
+          <dgm:constr type="b" for="ch" forName="TwoNodes_2" refType="h"/>
+          <dgm:constr type="l" for="ch" forName="TwoNodes_2"/>
+          <dgm:constr type="w" for="ch" forName="TwoConn_1-2" refType="h" refFor="ch" refForName="TwoNodes_1" fact="0.65"/>
+          <dgm:constr type="h" for="ch" forName="TwoConn_1-2" refType="h" refFor="ch" refForName="TwoNodes_1" fact="0.65"/>
+          <dgm:constr type="ctrY" for="ch" forName="TwoConn_1-2" refType="h" fact="0.5"/>
+          <dgm:constr type="l" for="ch" forName="TwoConn_1-2" refType="l" refFor="ch" refForName="TwoNodes_1"/>
+          <dgm:constr type="l" for="ch" forName="TwoNodes_1_text" refType="r" refFor="ch" refForName="TwoConn_1-2"/>
+          <dgm:constr type="lOff" for="ch" forName="TwoNodes_1_text" refType="w" refFor="ch" refForName="TwoConn_1-2" fact="0.5"/>
+          <dgm:constr type="t" for="ch" forName="TwoNodes_1_text" refType="t" refFor="ch" refForName="TwoNodes_1"/>
+          <dgm:constr type="b" for="ch" forName="TwoNodes_1_text" refType="b" refFor="ch" refForName="TwoNodes_1"/>
+          <dgm:constr type="r" for="ch" forName="TwoNodes_1_text" refType="r" refFor="ch" refForName="TwoNodes_1"/>
+          <dgm:constr type="l" for="ch" forName="TwoNodes_2_text" refType="r" refFor="ch" refForName="TwoConn_1-2"/>
+          <dgm:constr type="t" for="ch" forName="TwoNodes_2_text" refType="t" refFor="ch" refForName="TwoNodes_2"/>
+          <dgm:constr type="b" for="ch" forName="TwoNodes_2_text" refType="b" refFor="ch" refForName="TwoNodes_2"/>
+          <dgm:constr type="r" for="ch" forName="TwoNodes_2_text" refType="r" refFor="ch" refForName="TwoNodes_2"/>
+          <dgm:constr type="w" for="ch" forName="ThreeNodes_1" refType="w" fact="0.85"/>
+          <dgm:constr type="h" for="ch" forName="ThreeNodes_1" refType="h" fact="0.3"/>
+          <dgm:constr type="t" for="ch" forName="ThreeNodes_1"/>
+          <dgm:constr type="r" for="ch" forName="ThreeNodes_1" refType="w"/>
+          <dgm:constr type="w" for="ch" forName="ThreeNodes_2" refType="w" fact="0.85"/>
+          <dgm:constr type="h" for="ch" forName="ThreeNodes_2" refType="h" fact="0.3"/>
+          <dgm:constr type="ctrY" for="ch" forName="ThreeNodes_2" refType="h" fact="0.5"/>
+          <dgm:constr type="ctrX" for="ch" forName="ThreeNodes_2" refType="w" fact="0.5"/>
+          <dgm:constr type="w" for="ch" forName="ThreeNodes_3" refType="w" fact="0.85"/>
+          <dgm:constr type="h" for="ch" forName="ThreeNodes_3" refType="h" fact="0.3"/>
+          <dgm:constr type="b" for="ch" forName="ThreeNodes_3" refType="h"/>
+          <dgm:constr type="l" for="ch" forName="ThreeNodes_3"/>
+          <dgm:constr type="w" for="ch" forName="ThreeConn_1-2" refType="h" refFor="ch" refForName="ThreeNodes_1" fact="0.65"/>
+          <dgm:constr type="h" for="ch" forName="ThreeConn_1-2" refType="h" refFor="ch" refForName="ThreeNodes_1" fact="0.65"/>
+          <dgm:constr type="ctrY" for="ch" forName="ThreeConn_1-2" refType="h" fact="0.325"/>
+          <dgm:constr type="l" for="ch" forName="ThreeConn_1-2" refType="l" refFor="ch" refForName="ThreeNodes_1"/>
+          <dgm:constr type="w" for="ch" forName="ThreeConn_2-3" refType="h" refFor="ch" refForName="ThreeNodes_2" fact="0.65"/>
+          <dgm:constr type="h" for="ch" forName="ThreeConn_2-3" refType="h" refFor="ch" refForName="ThreeNodes_2" fact="0.65"/>
+          <dgm:constr type="ctrY" for="ch" forName="ThreeConn_2-3" refType="h" fact="0.673"/>
+          <dgm:constr type="l" for="ch" forName="ThreeConn_2-3" refType="l" refFor="ch" refForName="ThreeNodes_2"/>
+          <dgm:constr type="l" for="ch" forName="ThreeNodes_1_text" refType="r" refFor="ch" refForName="ThreeConn_1-2"/>
+          <dgm:constr type="lOff" for="ch" forName="ThreeNodes_1_text" refType="w" refFor="ch" refForName="ThreeConn_1-2" fact="0.55"/>
+          <dgm:constr type="t" for="ch" forName="ThreeNodes_1_text" refType="t" refFor="ch" refForName="ThreeNodes_1"/>
+          <dgm:constr type="b" for="ch" forName="ThreeNodes_1_text" refType="b" refFor="ch" refForName="ThreeNodes_1"/>
+          <dgm:constr type="r" for="ch" forName="ThreeNodes_1_text" refType="r" refFor="ch" refForName="ThreeNodes_1"/>
+          <dgm:constr type="l" for="ch" forName="ThreeNodes_2_text" refType="r" refFor="ch" refForName="ThreeConn_1-2"/>
+          <dgm:constr type="t" for="ch" forName="ThreeNodes_2_text" refType="t" refFor="ch" refForName="ThreeNodes_2"/>
+          <dgm:constr type="b" for="ch" forName="ThreeNodes_2_text" refType="b" refFor="ch" refForName="ThreeNodes_2"/>
+          <dgm:constr type="r" for="ch" forName="ThreeNodes_2_text" refType="r" refFor="ch" refForName="ThreeNodes_2"/>
+          <dgm:constr type="l" for="ch" forName="ThreeNodes_3_text" refType="r" refFor="ch" refForName="ThreeConn_2-3"/>
+          <dgm:constr type="t" for="ch" forName="ThreeNodes_3_text" refType="t" refFor="ch" refForName="ThreeNodes_3"/>
+          <dgm:constr type="b" for="ch" forName="ThreeNodes_3_text" refType="b" refFor="ch" refForName="ThreeNodes_3"/>
+          <dgm:constr type="r" for="ch" forName="ThreeNodes_3_text" refType="r" refFor="ch" refForName="ThreeNodes_3"/>
+          <dgm:constr type="w" for="ch" forName="FourNodes_1" refType="w" fact="0.8"/>
+          <dgm:constr type="h" for="ch" forName="FourNodes_1" refType="h" fact="0.22"/>
+          <dgm:constr type="t" for="ch" forName="FourNodes_1"/>
+          <dgm:constr type="r" for="ch" forName="FourNodes_1" refType="w"/>
+          <dgm:constr type="w" for="ch" forName="FourNodes_2" refType="w" fact="0.8"/>
+          <dgm:constr type="h" for="ch" forName="FourNodes_2" refType="h" fact="0.22"/>
+          <dgm:constr type="ctrY" for="ch" forName="FourNodes_2" refType="h" fact="0.37"/>
+          <dgm:constr type="ctrX" for="ch" forName="FourNodes_2" refType="w" fact="0.533"/>
+          <dgm:constr type="w" for="ch" forName="FourNodes_3" refType="w" fact="0.8"/>
+          <dgm:constr type="h" for="ch" forName="FourNodes_3" refType="h" fact="0.22"/>
+          <dgm:constr type="ctrY" for="ch" forName="FourNodes_3" refType="h" fact="0.63"/>
+          <dgm:constr type="ctrX" for="ch" forName="FourNodes_3" refType="w" fact="0.467"/>
+          <dgm:constr type="w" for="ch" forName="FourNodes_4" refType="w" fact="0.8"/>
+          <dgm:constr type="h" for="ch" forName="FourNodes_4" refType="h" fact="0.22"/>
+          <dgm:constr type="b" for="ch" forName="FourNodes_4" refType="h"/>
+          <dgm:constr type="l" for="ch" forName="FourNodes_4"/>
+          <dgm:constr type="w" for="ch" forName="FourConn_1-2" refType="h" refFor="ch" refForName="FourNodes_1" fact="0.65"/>
+          <dgm:constr type="h" for="ch" forName="FourConn_1-2" refType="h" refFor="ch" refForName="FourNodes_1" fact="0.65"/>
+          <dgm:constr type="ctrY" for="ch" forName="FourConn_1-2" refType="h" fact="0.24"/>
+          <dgm:constr type="l" for="ch" forName="FourConn_1-2" refType="l" refFor="ch" refForName="FourNodes_1"/>
+          <dgm:constr type="w" for="ch" forName="FourConn_2-3" refType="h" refFor="ch" refForName="FourNodes_2" fact="0.65"/>
+          <dgm:constr type="h" for="ch" forName="FourConn_2-3" refType="h" refFor="ch" refForName="FourNodes_2" fact="0.65"/>
+          <dgm:constr type="ctrY" for="ch" forName="FourConn_2-3" refType="h" fact="0.5"/>
+          <dgm:constr type="l" for="ch" forName="FourConn_2-3" refType="l" refFor="ch" refForName="FourNodes_2"/>
+          <dgm:constr type="w" for="ch" forName="FourConn_3-4" refType="h" refFor="ch" refForName="FourNodes_3" fact="0.65"/>
+          <dgm:constr type="h" for="ch" forName="FourConn_3-4" refType="h" refFor="ch" refForName="FourNodes_3" fact="0.65"/>
+          <dgm:constr type="ctrY" for="ch" forName="FourConn_3-4" refType="h" fact="0.76"/>
+          <dgm:constr type="l" for="ch" forName="FourConn_3-4" refType="l" refFor="ch" refForName="FourNodes_3"/>
+          <dgm:constr type="l" for="ch" forName="FourNodes_1_text" refType="r" refFor="ch" refForName="FourConn_1-2"/>
+          <dgm:constr type="lOff" for="ch" forName="FourNodes_1_text" refType="w" refFor="ch" refForName="FourConn_1-2" fact="0.69"/>
+          <dgm:constr type="t" for="ch" forName="FourNodes_1_text" refType="t" refFor="ch" refForName="FourNodes_1"/>
+          <dgm:constr type="b" for="ch" forName="FourNodes_1_text" refType="b" refFor="ch" refForName="FourNodes_1"/>
+          <dgm:constr type="r" for="ch" forName="FourNodes_1_text" refType="r" refFor="ch" refForName="FourNodes_1"/>
+          <dgm:constr type="l" for="ch" forName="FourNodes_2_text" refType="r" refFor="ch" refForName="FourConn_1-2"/>
+          <dgm:constr type="t" for="ch" forName="FourNodes_2_text" refType="t" refFor="ch" refForName="FourNodes_2"/>
+          <dgm:constr type="b" for="ch" forName="FourNodes_2_text" refType="b" refFor="ch" refForName="FourNodes_2"/>
+          <dgm:constr type="r" for="ch" forName="FourNodes_2_text" refType="r" refFor="ch" refForName="FourNodes_2"/>
+          <dgm:constr type="l" for="ch" forName="FourNodes_3_text" refType="r" refFor="ch" refForName="FourConn_2-3"/>
+          <dgm:constr type="t" for="ch" forName="FourNodes_3_text" refType="t" refFor="ch" refForName="FourNodes_3"/>
+          <dgm:constr type="b" for="ch" forName="FourNodes_3_text" refType="b" refFor="ch" refForName="FourNodes_3"/>
+          <dgm:constr type="r" for="ch" forName="FourNodes_3_text" refType="r" refFor="ch" refForName="FourNodes_3"/>
+          <dgm:constr type="l" for="ch" forName="FourNodes_4_text" refType="r" refFor="ch" refForName="FourConn_3-4"/>
+          <dgm:constr type="t" for="ch" forName="FourNodes_4_text" refType="t" refFor="ch" refForName="FourNodes_4"/>
+          <dgm:constr type="b" for="ch" forName="FourNodes_4_text" refType="b" refFor="ch" refForName="FourNodes_4"/>
+          <dgm:constr type="r" for="ch" forName="FourNodes_4_text" refType="r" refFor="ch" refForName="FourNodes_4"/>
+          <dgm:constr type="w" for="ch" forName="FiveNodes_1" refType="w" fact="0.77"/>
+          <dgm:constr type="h" for="ch" forName="FiveNodes_1" refType="h" fact="0.18"/>
+          <dgm:constr type="t" for="ch" forName="FiveNodes_1"/>
+          <dgm:constr type="r" for="ch" forName="FiveNodes_1" refType="w"/>
+          <dgm:constr type="w" for="ch" forName="FiveNodes_2" refType="w" fact="0.77"/>
+          <dgm:constr type="h" for="ch" forName="FiveNodes_2" refType="h" fact="0.18"/>
+          <dgm:constr type="ctrY" for="ch" forName="FiveNodes_2" refType="h" fact="0.295"/>
+          <dgm:constr type="ctrX" for="ch" forName="FiveNodes_2" refType="w" fact="0.5575"/>
+          <dgm:constr type="w" for="ch" forName="FiveNodes_3" refType="w" fact="0.77"/>
+          <dgm:constr type="h" for="ch" forName="FiveNodes_3" refType="h" fact="0.18"/>
+          <dgm:constr type="ctrY" for="ch" forName="FiveNodes_3" refType="h" fact="0.5"/>
+          <dgm:constr type="ctrX" for="ch" forName="FiveNodes_3" refType="w" fact="0.5"/>
+          <dgm:constr type="w" for="ch" forName="FiveNodes_4" refType="w" fact="0.77"/>
+          <dgm:constr type="h" for="ch" forName="FiveNodes_4" refType="h" fact="0.18"/>
+          <dgm:constr type="ctrY" for="ch" forName="FiveNodes_4" refType="h" fact="0.705"/>
+          <dgm:constr type="ctrX" for="ch" forName="FiveNodes_4" refType="w" fact="0.4425"/>
+          <dgm:constr type="w" for="ch" forName="FiveNodes_5" refType="w" fact="0.77"/>
+          <dgm:constr type="h" for="ch" forName="FiveNodes_5" refType="h" fact="0.18"/>
+          <dgm:constr type="b" for="ch" forName="FiveNodes_5" refType="h"/>
+          <dgm:constr type="l" for="ch" forName="FiveNodes_5"/>
+          <dgm:constr type="w" for="ch" forName="FiveConn_1-2" refType="h" refFor="ch" refForName="FiveNodes_1" fact="0.65"/>
+          <dgm:constr type="h" for="ch" forName="FiveConn_1-2" refType="h" refFor="ch" refForName="FiveNodes_1" fact="0.65"/>
+          <dgm:constr type="ctrY" for="ch" forName="FiveConn_1-2" refType="h" fact="0.19"/>
+          <dgm:constr type="l" for="ch" forName="FiveConn_1-2" refType="l" refFor="ch" refForName="FiveNodes_1"/>
+          <dgm:constr type="w" for="ch" forName="FiveConn_2-3" refType="h" refFor="ch" refForName="FiveNodes_2" fact="0.65"/>
+          <dgm:constr type="h" for="ch" forName="FiveConn_2-3" refType="h" refFor="ch" refForName="FiveNodes_2" fact="0.65"/>
+          <dgm:constr type="ctrY" for="ch" forName="FiveConn_2-3" refType="h" fact="0.395"/>
+          <dgm:constr type="l" for="ch" forName="FiveConn_2-3" refType="l" refFor="ch" refForName="FiveNodes_2"/>
+          <dgm:constr type="w" for="ch" forName="FiveConn_3-4" refType="h" refFor="ch" refForName="FiveNodes_3" fact="0.65"/>
+          <dgm:constr type="h" for="ch" forName="FiveConn_3-4" refType="h" refFor="ch" refForName="FiveNodes_3" fact="0.65"/>
+          <dgm:constr type="ctrY" for="ch" forName="FiveConn_3-4" refType="h" fact="0.597"/>
+          <dgm:constr type="l" for="ch" forName="FiveConn_3-4" refType="l" refFor="ch" refForName="FiveNodes_3"/>
+          <dgm:constr type="w" for="ch" forName="FiveConn_4-5" refType="h" refFor="ch" refForName="FiveNodes_4" fact="0.65"/>
+          <dgm:constr type="h" for="ch" forName="FiveConn_4-5" refType="h" refFor="ch" refForName="FiveNodes_4" fact="0.65"/>
+          <dgm:constr type="ctrY" for="ch" forName="FiveConn_4-5" refType="h" fact="0.804"/>
+          <dgm:constr type="l" for="ch" forName="FiveConn_4-5" refType="l" refFor="ch" refForName="FiveNodes_4"/>
+          <dgm:constr type="l" for="ch" forName="FiveNodes_1_text" refType="r" refFor="ch" refForName="FiveConn_1-2"/>
+          <dgm:constr type="lOff" for="ch" forName="FiveNodes_1_text" refType="w" refFor="ch" refForName="FiveConn_1-2" fact="0.73"/>
+          <dgm:constr type="t" for="ch" forName="FiveNodes_1_text" refType="t" refFor="ch" refForName="FiveNodes_1"/>
+          <dgm:constr type="b" for="ch" forName="FiveNodes_1_text" refType="b" refFor="ch" refForName="FiveNodes_1"/>
+          <dgm:constr type="r" for="ch" forName="FiveNodes_1_text" refType="r" refFor="ch" refForName="FiveNodes_1"/>
+          <dgm:constr type="l" for="ch" forName="FiveNodes_2_text" refType="r" refFor="ch" refForName="FiveConn_1-2"/>
+          <dgm:constr type="t" for="ch" forName="FiveNodes_2_text" refType="t" refFor="ch" refForName="FiveNodes_2"/>
+          <dgm:constr type="b" for="ch" forName="FiveNodes_2_text" refType="b" refFor="ch" refForName="FiveNodes_2"/>
+          <dgm:constr type="r" for="ch" forName="FiveNodes_2_text" refType="r" refFor="ch" refForName="FiveNodes_2"/>
+          <dgm:constr type="l" for="ch" forName="FiveNodes_3_text" refType="r" refFor="ch" refForName="FiveConn_2-3"/>
+          <dgm:constr type="t" for="ch" forName="FiveNodes_3_text" refType="t" refFor="ch" refForName="FiveNodes_3"/>
+          <dgm:constr type="b" for="ch" forName="FiveNodes_3_text" refType="b" refFor="ch" refForName="FiveNodes_3"/>
+          <dgm:constr type="r" for="ch" forName="FiveNodes_3_text" refType="r" refFor="ch" refForName="FiveNodes_3"/>
+          <dgm:constr type="l" for="ch" forName="FiveNodes_4_text" refType="r" refFor="ch" refForName="FiveConn_3-4"/>
+          <dgm:constr type="t" for="ch" forName="FiveNodes_4_text" refType="t" refFor="ch" refForName="FiveNodes_4"/>
+          <dgm:constr type="b" for="ch" forName="FiveNodes_4_text" refType="b" refFor="ch" refForName="FiveNodes_4"/>
+          <dgm:constr type="r" for="ch" forName="FiveNodes_4_text" refType="r" refFor="ch" refForName="FiveNodes_4"/>
+          <dgm:constr type="l" for="ch" forName="FiveNodes_5_text" refType="r" refFor="ch" refForName="FiveConn_4-5"/>
+          <dgm:constr type="t" for="ch" forName="FiveNodes_5_text" refType="t" refFor="ch" refForName="FiveNodes_5"/>
+          <dgm:constr type="b" for="ch" forName="FiveNodes_5_text" refType="b" refFor="ch" refForName="FiveNodes_5"/>
+          <dgm:constr type="r" for="ch" forName="FiveNodes_5_text" refType="r" refFor="ch" refForName="FiveNodes_5"/>
+        </dgm:constrLst>
+      </dgm:else>
+    </dgm:choose>
+    <dgm:ruleLst/>
+    <dgm:layoutNode name="dummyMaxCanvas">
+      <dgm:varLst/>
+      <dgm:alg type="sp"/>
+      <dgm:shape xmlns:r="http://schemas.openxmlformats.org/officeDocument/2006/relationships" r:blip="">
+        <dgm:adjLst/>
+      </dgm:shape>
+      <dgm:presOf/>
+      <dgm:constrLst/>
+      <dgm:ruleLst/>
+    </dgm:layoutNode>
+    <dgm:choose name="Name3">
+      <dgm:if name="Name4" axis="ch" ptType="node" func="cnt" op="equ" val="1">
+        <dgm:layoutNode name="OneNode_1">
+          <dgm:varLst>
+            <dgm:bulletEnabled val="1"/>
+          </dgm:varLst>
+          <dgm:alg type="tx"/>
+          <dgm:shape xmlns:r="http://schemas.openxmlformats.org/officeDocument/2006/relationships" type="roundRect" r:blip="">
+            <dgm:adjLst>
+              <dgm:adj idx="1" val="0.1"/>
+            </dgm:adjLst>
+          </dgm:shape>
+          <dgm:presOf axis="ch desOrSelf" ptType="node node" st="1 1" cnt="1 0"/>
+          <dgm:constrLst>
+            <dgm:constr type="lMarg" refType="primFontSz" fact="0.3"/>
+            <dgm:constr type="rMarg" refType="primFontSz" fact="0.3"/>
+            <dgm:constr type="tMarg" refType="primFontSz" fact="0.3"/>
+            <dgm:constr type="bMarg" refType="primFontSz" fact="0.3"/>
+          </dgm:constrLst>
+          <dgm:ruleLst>
+            <dgm:rule type="primFontSz" val="5" fact="NaN" max="NaN"/>
+          </dgm:ruleLst>
+        </dgm:layoutNode>
+      </dgm:if>
+      <dgm:else name="Name5">
+        <dgm:choose name="Name6">
+          <dgm:if name="Name7" axis="ch" ptType="node" func="cnt" op="equ" val="2">
+            <dgm:layoutNode name="TwoNodes_1">
+              <dgm:varLst>
+                <dgm:bulletEnabled val="1"/>
+              </dgm:varLst>
+              <dgm:alg type="sp"/>
+              <dgm:shape xmlns:r="http://schemas.openxmlformats.org/officeDocument/2006/relationships" type="roundRect" r:blip="">
+                <dgm:adjLst>
+                  <dgm:adj idx="1" val="0.1"/>
+                </dgm:adjLst>
+              </dgm:shape>
+              <dgm:presOf axis="ch desOrSelf" ptType="node node" st="1 1" cnt="1 0"/>
+              <dgm:constrLst/>
+              <dgm:ruleLst/>
+            </dgm:layoutNode>
+            <dgm:layoutNode name="TwoNodes_2">
+              <dgm:varLst>
+                <dgm:bulletEnabled val="1"/>
+              </dgm:varLst>
+              <dgm:alg type="sp"/>
+              <dgm:shape xmlns:r="http://schemas.openxmlformats.org/officeDocument/2006/relationships" type="roundRect" r:blip="">
+                <dgm:adjLst>
+                  <dgm:adj idx="1" val="0.1"/>
+                </dgm:adjLst>
+              </dgm:shape>
+              <dgm:presOf axis="ch desOrSelf" ptType="node node" st="2 1" cnt="1 0"/>
+              <dgm:constrLst/>
+              <dgm:ruleLst/>
+            </dgm:layoutNode>
+            <dgm:layoutNode name="TwoConn_1-2" styleLbl="fgAccFollowNode1">
+              <dgm:varLst>
+                <dgm:bulletEnabled val="1"/>
+              </dgm:varLst>
+              <dgm:alg type="tx"/>
+              <dgm:shape xmlns:r="http://schemas.openxmlformats.org/officeDocument/2006/relationships" type="downArrow" r:blip="">
+                <dgm:adjLst>
+                  <dgm:adj idx="1" val="0.55"/>
+                  <dgm:adj idx="2" val="0.45"/>
+                </dgm:adjLst>
+              </dgm:shape>
+              <dgm:presOf axis="ch" ptType="sibTrans" cnt="1"/>
+              <dgm:constrLst>
+                <dgm:constr type="lMarg" refType="primFontSz" fact="0.1"/>
+                <dgm:constr type="rMarg" refType="primFontSz" fact="0.1"/>
+                <dgm:constr type="tMarg" refType="primFontSz" fact="0.1"/>
+                <dgm:constr type="bMarg" refType="primFontSz" fact="0.1"/>
+              </dgm:constrLst>
+              <dgm:ruleLst>
+                <dgm:rule type="primFontSz" val="5" fact="NaN" max="NaN"/>
+              </dgm:ruleLst>
+            </dgm:layoutNode>
+            <dgm:layoutNode name="TwoNodes_1_text">
+              <dgm:varLst>
+                <dgm:bulletEnabled val="1"/>
+              </dgm:varLst>
+              <dgm:alg type="tx">
+                <dgm:param type="parTxLTRAlign" val="l"/>
+                <dgm:param type="txAnchorVertCh" val="mid"/>
+              </dgm:alg>
+              <dgm:shape xmlns:r="http://schemas.openxmlformats.org/officeDocument/2006/relationships" type="roundRect" r:blip="" hideGeom="1">
+                <dgm:adjLst>
+                  <dgm:adj idx="1" val="0.1"/>
+                </dgm:adjLst>
+              </dgm:shape>
+              <dgm:presOf axis="ch desOrSelf" ptType="node node" st="1 1" cnt="1 0"/>
+              <dgm:constrLst>
+                <dgm:constr type="lMarg" refType="primFontSz" fact="0.3"/>
+                <dgm:constr type="rMarg" refType="primFontSz" fact="0.3"/>
+                <dgm:constr type="tMarg" refType="primFontSz" fact="0.3"/>
+                <dgm:constr type="bMarg" refType="primFontSz" fact="0.3"/>
+              </dgm:constrLst>
+              <dgm:ruleLst>
+                <dgm:rule type="primFontSz" val="5" fact="NaN" max="NaN"/>
+              </dgm:ruleLst>
+            </dgm:layoutNode>
+            <dgm:layoutNode name="TwoNodes_2_text">
+              <dgm:varLst>
+                <dgm:bulletEnabled val="1"/>
+              </dgm:varLst>
+              <dgm:alg type="tx">
+                <dgm:param type="parTxLTRAlign" val="l"/>
+                <dgm:param type="txAnchorVertCh" val="mid"/>
+              </dgm:alg>
+              <dgm:shape xmlns:r="http://schemas.openxmlformats.org/officeDocument/2006/relationships" type="roundRect" r:blip="" hideGeom="1">
+                <dgm:adjLst>
+                  <dgm:adj idx="1" val="0.1"/>
+                </dgm:adjLst>
+              </dgm:shape>
+              <dgm:presOf axis="ch desOrSelf" ptType="node node" st="2 1" cnt="1 0"/>
+              <dgm:constrLst>
+                <dgm:constr type="lMarg" refType="primFontSz" fact="0.3"/>
+                <dgm:constr type="rMarg" refType="primFontSz" fact="0.3"/>
+                <dgm:constr type="tMarg" refType="primFontSz" fact="0.3"/>
+                <dgm:constr type="bMarg" refType="primFontSz" fact="0.3"/>
+              </dgm:constrLst>
+              <dgm:ruleLst>
+                <dgm:rule type="primFontSz" val="5" fact="NaN" max="NaN"/>
+              </dgm:ruleLst>
+            </dgm:layoutNode>
+          </dgm:if>
+          <dgm:else name="Name8">
+            <dgm:choose name="Name9">
+              <dgm:if name="Name10" axis="ch" ptType="node" func="cnt" op="equ" val="3">
+                <dgm:layoutNode name="ThreeNodes_1">
+                  <dgm:varLst>
+                    <dgm:bulletEnabled val="1"/>
+                  </dgm:varLst>
+                  <dgm:alg type="sp"/>
+                  <dgm:shape xmlns:r="http://schemas.openxmlformats.org/officeDocument/2006/relationships" type="roundRect" r:blip="">
+                    <dgm:adjLst>
+                      <dgm:adj idx="1" val="0.1"/>
+                    </dgm:adjLst>
+                  </dgm:shape>
+                  <dgm:presOf axis="ch desOrSelf" ptType="node node" st="1 1" cnt="1 0"/>
+                  <dgm:constrLst/>
+                  <dgm:ruleLst/>
+                </dgm:layoutNode>
+                <dgm:layoutNode name="ThreeNodes_2">
+                  <dgm:varLst>
+                    <dgm:bulletEnabled val="1"/>
+                  </dgm:varLst>
+                  <dgm:alg type="sp"/>
+                  <dgm:shape xmlns:r="http://schemas.openxmlformats.org/officeDocument/2006/relationships" type="roundRect" r:blip="">
+                    <dgm:adjLst>
+                      <dgm:adj idx="1" val="0.1"/>
+                    </dgm:adjLst>
+                  </dgm:shape>
+                  <dgm:presOf axis="ch desOrSelf" ptType="node node" st="2 1" cnt="1 0"/>
+                  <dgm:constrLst/>
+                  <dgm:ruleLst/>
+                </dgm:layoutNode>
+                <dgm:layoutNode name="ThreeNodes_3">
+                  <dgm:varLst>
+                    <dgm:bulletEnabled val="1"/>
+                  </dgm:varLst>
+                  <dgm:alg type="sp"/>
+                  <dgm:shape xmlns:r="http://schemas.openxmlformats.org/officeDocument/2006/relationships" type="roundRect" r:blip="">
+                    <dgm:adjLst>
+                      <dgm:adj idx="1" val="0.1"/>
+                    </dgm:adjLst>
+                  </dgm:shape>
+                  <dgm:presOf axis="ch desOrSelf" ptType="node node" st="3 1" cnt="1 0"/>
+                  <dgm:constrLst/>
+                  <dgm:ruleLst/>
+                </dgm:layoutNode>
+                <dgm:layoutNode name="ThreeConn_1-2" styleLbl="fgAccFollowNode1">
+                  <dgm:varLst>
+                    <dgm:bulletEnabled val="1"/>
+                  </dgm:varLst>
+                  <dgm:alg type="tx"/>
+                  <dgm:shape xmlns:r="http://schemas.openxmlformats.org/officeDocument/2006/relationships" type="downArrow" r:blip="">
+                    <dgm:adjLst>
+                      <dgm:adj idx="1" val="0.55"/>
+                      <dgm:adj idx="2" val="0.45"/>
+                    </dgm:adjLst>
+                  </dgm:shape>
+                  <dgm:presOf axis="ch" ptType="sibTrans" cnt="1"/>
+                  <dgm:constrLst>
+                    <dgm:constr type="lMarg" refType="primFontSz" fact="0.1"/>
+                    <dgm:constr type="rMarg" refType="primFontSz" fact="0.1"/>
+                    <dgm:constr type="tMarg" refType="primFontSz" fact="0.1"/>
+                    <dgm:constr type="bMarg" refType="primFontSz" fact="0.1"/>
+                  </dgm:constrLst>
+                  <dgm:ruleLst>
+                    <dgm:rule type="primFontSz" val="5" fact="NaN" max="NaN"/>
+                  </dgm:ruleLst>
+                </dgm:layoutNode>
+                <dgm:layoutNode name="ThreeConn_2-3" styleLbl="fgAccFollowNode1">
+                  <dgm:varLst>
+                    <dgm:bulletEnabled val="1"/>
+                  </dgm:varLst>
+                  <dgm:alg type="tx"/>
+                  <dgm:shape xmlns:r="http://schemas.openxmlformats.org/officeDocument/2006/relationships" type="downArrow" r:blip="">
+                    <dgm:adjLst>
+                      <dgm:adj idx="1" val="0.55"/>
+                      <dgm:adj idx="2" val="0.45"/>
+                    </dgm:adjLst>
+                  </dgm:shape>
+                  <dgm:presOf axis="ch" ptType="sibTrans" st="2" cnt="1"/>
+                  <dgm:constrLst>
+                    <dgm:constr type="lMarg" refType="primFontSz" fact="0.1"/>
+                    <dgm:constr type="rMarg" refType="primFontSz" fact="0.1"/>
+                    <dgm:constr type="tMarg" refType="primFontSz" fact="0.1"/>
+                    <dgm:constr type="bMarg" refType="primFontSz" fact="0.1"/>
+                  </dgm:constrLst>
+                  <dgm:ruleLst>
+                    <dgm:rule type="primFontSz" val="5" fact="NaN" max="NaN"/>
+                  </dgm:ruleLst>
+                </dgm:layoutNode>
+                <dgm:layoutNode name="ThreeNodes_1_text">
+                  <dgm:varLst>
+                    <dgm:bulletEnabled val="1"/>
+                  </dgm:varLst>
+                  <dgm:alg type="tx">
+                    <dgm:param type="parTxLTRAlign" val="l"/>
+                    <dgm:param type="txAnchorVertCh" val="mid"/>
+                  </dgm:alg>
+                  <dgm:shape xmlns:r="http://schemas.openxmlformats.org/officeDocument/2006/relationships" type="roundRect" r:blip="" hideGeom="1">
+                    <dgm:adjLst>
+                      <dgm:adj idx="1" val="0.1"/>
+                    </dgm:adjLst>
+                  </dgm:shape>
+                  <dgm:presOf axis="ch desOrSelf" ptType="node node" st="1 1" cnt="1 0"/>
+                  <dgm:constrLst>
+                    <dgm:constr type="lMarg" refType="primFontSz" fact="0.3"/>
+                    <dgm:constr type="rMarg" refType="primFontSz" fact="0.3"/>
+                    <dgm:constr type="tMarg" refType="primFontSz" fact="0.3"/>
+                    <dgm:constr type="bMarg" refType="primFontSz" fact="0.3"/>
+                  </dgm:constrLst>
+                  <dgm:ruleLst>
+                    <dgm:rule type="primFontSz" val="5" fact="NaN" max="NaN"/>
+                  </dgm:ruleLst>
+                </dgm:layoutNode>
+                <dgm:layoutNode name="ThreeNodes_2_text">
+                  <dgm:varLst>
+                    <dgm:bulletEnabled val="1"/>
+                  </dgm:varLst>
+                  <dgm:alg type="tx">
+                    <dgm:param type="parTxLTRAlign" val="l"/>
+                    <dgm:param type="txAnchorVertCh" val="mid"/>
+                  </dgm:alg>
+                  <dgm:shape xmlns:r="http://schemas.openxmlformats.org/officeDocument/2006/relationships" type="roundRect" r:blip="" hideGeom="1">
+                    <dgm:adjLst>
+                      <dgm:adj idx="1" val="0.1"/>
+                    </dgm:adjLst>
+                  </dgm:shape>
+                  <dgm:presOf axis="ch desOrSelf" ptType="node node" st="2 1" cnt="1 0"/>
+                  <dgm:constrLst>
+                    <dgm:constr type="lMarg" refType="primFontSz" fact="0.3"/>
+                    <dgm:constr type="rMarg" refType="primFontSz" fact="0.3"/>
+                    <dgm:constr type="tMarg" refType="primFontSz" fact="0.3"/>
+                    <dgm:constr type="bMarg" refType="primFontSz" fact="0.3"/>
+                  </dgm:constrLst>
+                  <dgm:ruleLst>
+                    <dgm:rule type="primFontSz" val="5" fact="NaN" max="NaN"/>
+                  </dgm:ruleLst>
+                </dgm:layoutNode>
+                <dgm:layoutNode name="ThreeNodes_3_text">
+                  <dgm:varLst>
+                    <dgm:bulletEnabled val="1"/>
+                  </dgm:varLst>
+                  <dgm:alg type="tx">
+                    <dgm:param type="parTxLTRAlign" val="l"/>
+                    <dgm:param type="txAnchorVertCh" val="mid"/>
+                  </dgm:alg>
+                  <dgm:shape xmlns:r="http://schemas.openxmlformats.org/officeDocument/2006/relationships" type="roundRect" r:blip="" hideGeom="1">
+                    <dgm:adjLst>
+                      <dgm:adj idx="1" val="0.1"/>
+                    </dgm:adjLst>
+                  </dgm:shape>
+                  <dgm:presOf axis="ch desOrSelf" ptType="node node" st="3 1" cnt="1 0"/>
+                  <dgm:constrLst>
+                    <dgm:constr type="lMarg" refType="primFontSz" fact="0.3"/>
+                    <dgm:constr type="rMarg" refType="primFontSz" fact="0.3"/>
+                    <dgm:constr type="tMarg" refType="primFontSz" fact="0.3"/>
+                    <dgm:constr type="bMarg" refType="primFontSz" fact="0.3"/>
+                  </dgm:constrLst>
+                  <dgm:ruleLst>
+                    <dgm:rule type="primFontSz" val="5" fact="NaN" max="NaN"/>
+                  </dgm:ruleLst>
+                </dgm:layoutNode>
+              </dgm:if>
+              <dgm:else name="Name11">
+                <dgm:choose name="Name12">
+                  <dgm:if name="Name13" axis="ch" ptType="node" func="cnt" op="equ" val="4">
+                    <dgm:layoutNode name="FourNodes_1">
+                      <dgm:varLst>
+                        <dgm:bulletEnabled val="1"/>
+                      </dgm:varLst>
+                      <dgm:alg type="sp"/>
+                      <dgm:shape xmlns:r="http://schemas.openxmlformats.org/officeDocument/2006/relationships" type="roundRect" r:blip="">
+                        <dgm:adjLst>
+                          <dgm:adj idx="1" val="0.1"/>
+                        </dgm:adjLst>
+                      </dgm:shape>
+                      <dgm:presOf axis="ch desOrSelf" ptType="node node" st="1 1" cnt="1 0"/>
+                      <dgm:constrLst/>
+                      <dgm:ruleLst/>
+                    </dgm:layoutNode>
+                    <dgm:layoutNode name="FourNodes_2">
+                      <dgm:varLst>
+                        <dgm:bulletEnabled val="1"/>
+                      </dgm:varLst>
+                      <dgm:alg type="sp"/>
+                      <dgm:shape xmlns:r="http://schemas.openxmlformats.org/officeDocument/2006/relationships" type="roundRect" r:blip="">
+                        <dgm:adjLst>
+                          <dgm:adj idx="1" val="0.1"/>
+                        </dgm:adjLst>
+                      </dgm:shape>
+                      <dgm:presOf axis="ch desOrSelf" ptType="node node" st="2 1" cnt="1 0"/>
+                      <dgm:constrLst/>
+                      <dgm:ruleLst/>
+                    </dgm:layoutNode>
+                    <dgm:layoutNode name="FourNodes_3">
+                      <dgm:varLst>
+                        <dgm:bulletEnabled val="1"/>
+                      </dgm:varLst>
+                      <dgm:alg type="sp"/>
+                      <dgm:shape xmlns:r="http://schemas.openxmlformats.org/officeDocument/2006/relationships" type="roundRect" r:blip="">
+                        <dgm:adjLst>
+                          <dgm:adj idx="1" val="0.1"/>
+                        </dgm:adjLst>
+                      </dgm:shape>
+                      <dgm:presOf axis="ch desOrSelf" ptType="node node" st="3 1" cnt="1 0"/>
+                      <dgm:constrLst/>
+                      <dgm:ruleLst/>
+                    </dgm:layoutNode>
+                    <dgm:layoutNode name="FourNodes_4">
+                      <dgm:varLst>
+                        <dgm:bulletEnabled val="1"/>
+                      </dgm:varLst>
+                      <dgm:alg type="sp"/>
+                      <dgm:shape xmlns:r="http://schemas.openxmlformats.org/officeDocument/2006/relationships" type="roundRect" r:blip="">
+                        <dgm:adjLst>
+                          <dgm:adj idx="1" val="0.1"/>
+                        </dgm:adjLst>
+                      </dgm:shape>
+                      <dgm:presOf axis="ch desOrSelf" ptType="node node" st="4 1" cnt="1 0"/>
+                      <dgm:constrLst/>
+                      <dgm:ruleLst/>
+                    </dgm:layoutNode>
+                    <dgm:layoutNode name="FourConn_1-2" styleLbl="fgAccFollowNode1">
+                      <dgm:varLst>
+                        <dgm:bulletEnabled val="1"/>
+                      </dgm:varLst>
+                      <dgm:alg type="tx"/>
+                      <dgm:shape xmlns:r="http://schemas.openxmlformats.org/officeDocument/2006/relationships" type="downArrow" r:blip="">
+                        <dgm:adjLst>
+                          <dgm:adj idx="1" val="0.55"/>
+                          <dgm:adj idx="2" val="0.45"/>
+                        </dgm:adjLst>
+                      </dgm:shape>
+                      <dgm:presOf axis="ch" ptType="sibTrans" cnt="1"/>
+                      <dgm:constrLst>
+                        <dgm:constr type="lMarg" refType="primFontSz" fact="0.1"/>
+                        <dgm:constr type="rMarg" refType="primFontSz" fact="0.1"/>
+                        <dgm:constr type="tMarg" refType="primFontSz" fact="0.1"/>
+                        <dgm:constr type="bMarg" refType="primFontSz" fact="0.1"/>
+                      </dgm:constrLst>
+                      <dgm:ruleLst>
+                        <dgm:rule type="primFontSz" val="5" fact="NaN" max="NaN"/>
+                      </dgm:ruleLst>
+                    </dgm:layoutNode>
+                    <dgm:layoutNode name="FourConn_2-3" styleLbl="fgAccFollowNode1">
+                      <dgm:varLst>
+                        <dgm:bulletEnabled val="1"/>
+                      </dgm:varLst>
+                      <dgm:alg type="tx"/>
+                      <dgm:shape xmlns:r="http://schemas.openxmlformats.org/officeDocument/2006/relationships" type="downArrow" r:blip="">
+                        <dgm:adjLst>
+                          <dgm:adj idx="1" val="0.55"/>
+                          <dgm:adj idx="2" val="0.45"/>
+                        </dgm:adjLst>
+                      </dgm:shape>
+                      <dgm:presOf axis="ch" ptType="sibTrans" st="2" cnt="1"/>
+                      <dgm:constrLst>
+                        <dgm:constr type="lMarg" refType="primFontSz" fact="0.1"/>
+                        <dgm:constr type="rMarg" refType="primFontSz" fact="0.1"/>
+                        <dgm:constr type="tMarg" refType="primFontSz" fact="0.1"/>
+                        <dgm:constr type="bMarg" refType="primFontSz" fact="0.1"/>
+                      </dgm:constrLst>
+                      <dgm:ruleLst>
+                        <dgm:rule type="primFontSz" val="5" fact="NaN" max="NaN"/>
+                      </dgm:ruleLst>
+                    </dgm:layoutNode>
+                    <dgm:layoutNode name="FourConn_3-4" styleLbl="fgAccFollowNode1">
+                      <dgm:varLst>
+                        <dgm:bulletEnabled val="1"/>
+                      </dgm:varLst>
+                      <dgm:alg type="tx"/>
+                      <dgm:shape xmlns:r="http://schemas.openxmlformats.org/officeDocument/2006/relationships" type="downArrow" r:blip="">
+                        <dgm:adjLst>
+                          <dgm:adj idx="1" val="0.55"/>
+                          <dgm:adj idx="2" val="0.45"/>
+                        </dgm:adjLst>
+                      </dgm:shape>
+                      <dgm:presOf axis="ch" ptType="sibTrans" st="3" cnt="1"/>
+                      <dgm:constrLst>
+                        <dgm:constr type="lMarg" refType="primFontSz" fact="0.1"/>
+                        <dgm:constr type="rMarg" refType="primFontSz" fact="0.1"/>
+                        <dgm:constr type="tMarg" refType="primFontSz" fact="0.1"/>
+                        <dgm:constr type="bMarg" refType="primFontSz" fact="0.1"/>
+                      </dgm:constrLst>
+                      <dgm:ruleLst>
+                        <dgm:rule type="primFontSz" val="5" fact="NaN" max="NaN"/>
+                      </dgm:ruleLst>
+                    </dgm:layoutNode>
+                    <dgm:layoutNode name="FourNodes_1_text">
+                      <dgm:varLst>
+                        <dgm:bulletEnabled val="1"/>
+                      </dgm:varLst>
+                      <dgm:alg type="tx">
+                        <dgm:param type="parTxLTRAlign" val="l"/>
+                        <dgm:param type="txAnchorVertCh" val="mid"/>
+                      </dgm:alg>
+                      <dgm:shape xmlns:r="http://schemas.openxmlformats.org/officeDocument/2006/relationships" type="roundRect" r:blip="" hideGeom="1">
+                        <dgm:adjLst>
+                          <dgm:adj idx="1" val="0.1"/>
+                        </dgm:adjLst>
+                      </dgm:shape>
+                      <dgm:presOf axis="ch desOrSelf" ptType="node node" st="1 1" cnt="1 0"/>
+                      <dgm:constrLst>
+                        <dgm:constr type="lMarg" refType="primFontSz" fact="0.3"/>
+                        <dgm:constr type="rMarg" refType="primFontSz" fact="0.3"/>
+                        <dgm:constr type="tMarg" refType="primFontSz" fact="0.3"/>
+                        <dgm:constr type="bMarg" refType="primFontSz" fact="0.3"/>
+                      </dgm:constrLst>
+                      <dgm:ruleLst>
+                        <dgm:rule type="primFontSz" val="5" fact="NaN" max="NaN"/>
+                      </dgm:ruleLst>
+                    </dgm:layoutNode>
+                    <dgm:layoutNode name="FourNodes_2_text">
+                      <dgm:varLst>
+                        <dgm:bulletEnabled val="1"/>
+                      </dgm:varLst>
+                      <dgm:alg type="tx">
+                        <dgm:param type="parTxLTRAlign" val="l"/>
+                        <dgm:param type="txAnchorVertCh" val="mid"/>
+                      </dgm:alg>
+                      <dgm:shape xmlns:r="http://schemas.openxmlformats.org/officeDocument/2006/relationships" type="roundRect" r:blip="" hideGeom="1">
+                        <dgm:adjLst>
+                          <dgm:adj idx="1" val="0.1"/>
+                        </dgm:adjLst>
+                      </dgm:shape>
+                      <dgm:presOf axis="ch desOrSelf" ptType="node node" st="2 1" cnt="1 0"/>
+                      <dgm:constrLst>
+                        <dgm:constr type="lMarg" refType="primFontSz" fact="0.3"/>
+                        <dgm:constr type="rMarg" refType="primFontSz" fact="0.3"/>
+                        <dgm:constr type="tMarg" refType="primFontSz" fact="0.3"/>
+                        <dgm:constr type="bMarg" refType="primFontSz" fact="0.3"/>
+                      </dgm:constrLst>
+                      <dgm:ruleLst>
+                        <dgm:rule type="primFontSz" val="5" fact="NaN" max="NaN"/>
+                      </dgm:ruleLst>
+                    </dgm:layoutNode>
+                    <dgm:layoutNode name="FourNodes_3_text">
+                      <dgm:varLst>
+                        <dgm:bulletEnabled val="1"/>
+                      </dgm:varLst>
+                      <dgm:alg type="tx">
+                        <dgm:param type="parTxLTRAlign" val="l"/>
+                        <dgm:param type="txAnchorVertCh" val="mid"/>
+                      </dgm:alg>
+                      <dgm:shape xmlns:r="http://schemas.openxmlformats.org/officeDocument/2006/relationships" type="roundRect" r:blip="" hideGeom="1">
+                        <dgm:adjLst>
+                          <dgm:adj idx="1" val="0.1"/>
+                        </dgm:adjLst>
+                      </dgm:shape>
+                      <dgm:presOf axis="ch desOrSelf" ptType="node node" st="3 1" cnt="1 0"/>
+                      <dgm:constrLst>
+                        <dgm:constr type="lMarg" refType="primFontSz" fact="0.3"/>
+                        <dgm:constr type="rMarg" refType="primFontSz" fact="0.3"/>
+                        <dgm:constr type="tMarg" refType="primFontSz" fact="0.3"/>
+                        <dgm:constr type="bMarg" refType="primFontSz" fact="0.3"/>
+                      </dgm:constrLst>
+                      <dgm:ruleLst>
+                        <dgm:rule type="primFontSz" val="5" fact="NaN" max="NaN"/>
+                      </dgm:ruleLst>
+                    </dgm:layoutNode>
+                    <dgm:layoutNode name="FourNodes_4_text">
+                      <dgm:varLst>
+                        <dgm:bulletEnabled val="1"/>
+                      </dgm:varLst>
+                      <dgm:alg type="tx">
+                        <dgm:param type="parTxLTRAlign" val="l"/>
+                        <dgm:param type="txAnchorVertCh" val="mid"/>
+                      </dgm:alg>
+                      <dgm:shape xmlns:r="http://schemas.openxmlformats.org/officeDocument/2006/relationships" type="roundRect" r:blip="" hideGeom="1">
+                        <dgm:adjLst>
+                          <dgm:adj idx="1" val="0.1"/>
+                        </dgm:adjLst>
+                      </dgm:shape>
+                      <dgm:presOf axis="ch desOrSelf" ptType="node node" st="4 1" cnt="1 0"/>
+                      <dgm:constrLst>
+                        <dgm:constr type="lMarg" refType="primFontSz" fact="0.3"/>
+                        <dgm:constr type="rMarg" refType="primFontSz" fact="0.3"/>
+                        <dgm:constr type="tMarg" refType="primFontSz" fact="0.3"/>
+                        <dgm:constr type="bMarg" refType="primFontSz" fact="0.3"/>
+                      </dgm:constrLst>
+                      <dgm:ruleLst>
+                        <dgm:rule type="primFontSz" val="5" fact="NaN" max="NaN"/>
+                      </dgm:ruleLst>
+                    </dgm:layoutNode>
+                  </dgm:if>
+                  <dgm:else name="Name14">
+                    <dgm:choose name="Name15">
+                      <dgm:if name="Name16" axis="ch" ptType="node" func="cnt" op="gte" val="5">
+                        <dgm:layoutNode name="FiveNodes_1">
+                          <dgm:varLst>
+                            <dgm:bulletEnabled val="1"/>
+                          </dgm:varLst>
+                          <dgm:alg type="sp"/>
+                          <dgm:shape xmlns:r="http://schemas.openxmlformats.org/officeDocument/2006/relationships" type="roundRect" r:blip="">
+                            <dgm:adjLst>
+                              <dgm:adj idx="1" val="0.1"/>
+                            </dgm:adjLst>
+                          </dgm:shape>
+                          <dgm:presOf axis="ch desOrSelf" ptType="node node" st="1 1" cnt="1 0"/>
+                          <dgm:constrLst/>
+                          <dgm:ruleLst/>
+                        </dgm:layoutNode>
+                        <dgm:layoutNode name="FiveNodes_2">
+                          <dgm:varLst>
+                            <dgm:bulletEnabled val="1"/>
+                          </dgm:varLst>
+                          <dgm:alg type="sp"/>
+                          <dgm:shape xmlns:r="http://schemas.openxmlformats.org/officeDocument/2006/relationships" type="roundRect" r:blip="">
+                            <dgm:adjLst>
+                              <dgm:adj idx="1" val="0.1"/>
+                            </dgm:adjLst>
+                          </dgm:shape>
+                          <dgm:presOf axis="ch desOrSelf" ptType="node node" st="2 1" cnt="1 0"/>
+                          <dgm:constrLst/>
+                          <dgm:ruleLst/>
+                        </dgm:layoutNode>
+                        <dgm:layoutNode name="FiveNodes_3">
+                          <dgm:varLst>
+                            <dgm:bulletEnabled val="1"/>
+                          </dgm:varLst>
+                          <dgm:alg type="sp"/>
+                          <dgm:shape xmlns:r="http://schemas.openxmlformats.org/officeDocument/2006/relationships" type="roundRect" r:blip="">
+                            <dgm:adjLst>
+                              <dgm:adj idx="1" val="0.1"/>
+                            </dgm:adjLst>
+                          </dgm:shape>
+                          <dgm:presOf axis="ch desOrSelf" ptType="node node" st="3 1" cnt="1 0"/>
+                          <dgm:constrLst/>
+                          <dgm:ruleLst/>
+                        </dgm:layoutNode>
+                        <dgm:layoutNode name="FiveNodes_4">
+                          <dgm:varLst>
+                            <dgm:bulletEnabled val="1"/>
+                          </dgm:varLst>
+                          <dgm:alg type="sp"/>
+                          <dgm:shape xmlns:r="http://schemas.openxmlformats.org/officeDocument/2006/relationships" type="roundRect" r:blip="">
+                            <dgm:adjLst>
+                              <dgm:adj idx="1" val="0.1"/>
+                            </dgm:adjLst>
+                          </dgm:shape>
+                          <dgm:presOf axis="ch desOrSelf" ptType="node node" st="4 1" cnt="1 0"/>
+                          <dgm:constrLst/>
+                          <dgm:ruleLst/>
+                        </dgm:layoutNode>
+                        <dgm:layoutNode name="FiveNodes_5">
+                          <dgm:varLst>
+                            <dgm:bulletEnabled val="1"/>
+                          </dgm:varLst>
+                          <dgm:alg type="sp"/>
+                          <dgm:shape xmlns:r="http://schemas.openxmlformats.org/officeDocument/2006/relationships" type="roundRect" r:blip="">
+                            <dgm:adjLst>
+                              <dgm:adj idx="1" val="0.1"/>
+                            </dgm:adjLst>
+                          </dgm:shape>
+                          <dgm:presOf axis="ch desOrSelf" ptType="node node" st="5 1" cnt="1 0"/>
+                          <dgm:constrLst/>
+                          <dgm:ruleLst/>
+                        </dgm:layoutNode>
+                        <dgm:layoutNode name="FiveConn_1-2" styleLbl="fgAccFollowNode1">
+                          <dgm:varLst>
+                            <dgm:bulletEnabled val="1"/>
+                          </dgm:varLst>
+                          <dgm:alg type="tx"/>
+                          <dgm:shape xmlns:r="http://schemas.openxmlformats.org/officeDocument/2006/relationships" type="downArrow" r:blip="">
+                            <dgm:adjLst>
+                              <dgm:adj idx="1" val="0.55"/>
+                              <dgm:adj idx="2" val="0.45"/>
+                            </dgm:adjLst>
+                          </dgm:shape>
+                          <dgm:presOf axis="ch" ptType="sibTrans" cnt="1"/>
+                          <dgm:constrLst>
+                            <dgm:constr type="lMarg" refType="primFontSz" fact="0.1"/>
+                            <dgm:constr type="rMarg" refType="primFontSz" fact="0.1"/>
+                            <dgm:constr type="tMarg" refType="primFontSz" fact="0.1"/>
+                            <dgm:constr type="bMarg" refType="primFontSz" fact="0.1"/>
+                          </dgm:constrLst>
+                          <dgm:ruleLst>
+                            <dgm:rule type="primFontSz" val="5" fact="NaN" max="NaN"/>
+                          </dgm:ruleLst>
+                        </dgm:layoutNode>
+                        <dgm:layoutNode name="FiveConn_2-3" styleLbl="fgAccFollowNode1">
+                          <dgm:varLst>
+                            <dgm:bulletEnabled val="1"/>
+                          </dgm:varLst>
+                          <dgm:alg type="tx"/>
+                          <dgm:shape xmlns:r="http://schemas.openxmlformats.org/officeDocument/2006/relationships" type="downArrow" r:blip="">
+                            <dgm:adjLst>
+                              <dgm:adj idx="1" val="0.55"/>
+                              <dgm:adj idx="2" val="0.45"/>
+                            </dgm:adjLst>
+                          </dgm:shape>
+                          <dgm:presOf axis="ch" ptType="sibTrans" st="2" cnt="1"/>
+                          <dgm:constrLst>
+                            <dgm:constr type="lMarg" refType="primFontSz" fact="0.1"/>
+                            <dgm:constr type="rMarg" refType="primFontSz" fact="0.1"/>
+                            <dgm:constr type="tMarg" refType="primFontSz" fact="0.1"/>
+                            <dgm:constr type="bMarg" refType="primFontSz" fact="0.1"/>
+                          </dgm:constrLst>
+                          <dgm:ruleLst>
+                            <dgm:rule type="primFontSz" val="5" fact="NaN" max="NaN"/>
+                          </dgm:ruleLst>
+                        </dgm:layoutNode>
+                        <dgm:layoutNode name="FiveConn_3-4" styleLbl="fgAccFollowNode1">
+                          <dgm:varLst>
+                            <dgm:bulletEnabled val="1"/>
+                          </dgm:varLst>
+                          <dgm:alg type="tx"/>
+                          <dgm:shape xmlns:r="http://schemas.openxmlformats.org/officeDocument/2006/relationships" type="downArrow" r:blip="">
+                            <dgm:adjLst>
+                              <dgm:adj idx="1" val="0.55"/>
+                              <dgm:adj idx="2" val="0.45"/>
+                            </dgm:adjLst>
+                          </dgm:shape>
+                          <dgm:presOf axis="ch" ptType="sibTrans" st="3" cnt="1"/>
+                          <dgm:constrLst>
+                            <dgm:constr type="lMarg" refType="primFontSz" fact="0.1"/>
+                            <dgm:constr type="rMarg" refType="primFontSz" fact="0.1"/>
+                            <dgm:constr type="tMarg" refType="primFontSz" fact="0.1"/>
+                            <dgm:constr type="bMarg" refType="primFontSz" fact="0.1"/>
+                          </dgm:constrLst>
+                          <dgm:ruleLst>
+                            <dgm:rule type="primFontSz" val="5" fact="NaN" max="NaN"/>
+                          </dgm:ruleLst>
+                        </dgm:layoutNode>
+                        <dgm:layoutNode name="FiveConn_4-5" styleLbl="fgAccFollowNode1">
+                          <dgm:varLst>
+                            <dgm:bulletEnabled val="1"/>
+                          </dgm:varLst>
+                          <dgm:alg type="tx"/>
+                          <dgm:shape xmlns:r="http://schemas.openxmlformats.org/officeDocument/2006/relationships" type="downArrow" r:blip="">
+                            <dgm:adjLst>
+                              <dgm:adj idx="1" val="0.55"/>
+                              <dgm:adj idx="2" val="0.45"/>
+                            </dgm:adjLst>
+                          </dgm:shape>
+                          <dgm:presOf axis="ch" ptType="sibTrans" st="4" cnt="1"/>
+                          <dgm:constrLst>
+                            <dgm:constr type="lMarg" refType="primFontSz" fact="0.1"/>
+                            <dgm:constr type="rMarg" refType="primFontSz" fact="0.1"/>
+                            <dgm:constr type="tMarg" refType="primFontSz" fact="0.1"/>
+                            <dgm:constr type="bMarg" refType="primFontSz" fact="0.1"/>
+                          </dgm:constrLst>
+                          <dgm:ruleLst>
+                            <dgm:rule type="primFontSz" val="5" fact="NaN" max="NaN"/>
+                          </dgm:ruleLst>
+                        </dgm:layoutNode>
+                        <dgm:layoutNode name="FiveNodes_1_text">
+                          <dgm:varLst>
+                            <dgm:bulletEnabled val="1"/>
+                          </dgm:varLst>
+                          <dgm:alg type="tx">
+                            <dgm:param type="parTxLTRAlign" val="l"/>
+                            <dgm:param type="txAnchorVertCh" val="mid"/>
+                          </dgm:alg>
+                          <dgm:shape xmlns:r="http://schemas.openxmlformats.org/officeDocument/2006/relationships" type="roundRect" r:blip="" hideGeom="1">
+                            <dgm:adjLst>
+                              <dgm:adj idx="1" val="0.1"/>
+                            </dgm:adjLst>
+                          </dgm:shape>
+                          <dgm:presOf axis="ch desOrSelf" ptType="node node" st="1 1" cnt="1 0"/>
+                          <dgm:constrLst>
+                            <dgm:constr type="lMarg" refType="primFontSz" fact="0.3"/>
+                            <dgm:constr type="rMarg" refType="primFontSz" fact="0.3"/>
+                            <dgm:constr type="tMarg" refType="primFontSz" fact="0.3"/>
+                            <dgm:constr type="bMarg" refType="primFontSz" fact="0.3"/>
+                          </dgm:constrLst>
+                          <dgm:ruleLst>
+                            <dgm:rule type="primFontSz" val="5" fact="NaN" max="NaN"/>
+                          </dgm:ruleLst>
+                        </dgm:layoutNode>
+                        <dgm:layoutNode name="FiveNodes_2_text">
+                          <dgm:varLst>
+                            <dgm:bulletEnabled val="1"/>
+                          </dgm:varLst>
+                          <dgm:alg type="tx">
+                            <dgm:param type="parTxLTRAlign" val="l"/>
+                            <dgm:param type="txAnchorVertCh" val="mid"/>
+                          </dgm:alg>
+                          <dgm:shape xmlns:r="http://schemas.openxmlformats.org/officeDocument/2006/relationships" type="roundRect" r:blip="" hideGeom="1">
+                            <dgm:adjLst>
+                              <dgm:adj idx="1" val="0.1"/>
+                            </dgm:adjLst>
+                          </dgm:shape>
+                          <dgm:presOf axis="ch desOrSelf" ptType="node node" st="2 1" cnt="1 0"/>
+                          <dgm:constrLst>
+                            <dgm:constr type="lMarg" refType="primFontSz" fact="0.3"/>
+                            <dgm:constr type="rMarg" refType="primFontSz" fact="0.3"/>
+                            <dgm:constr type="tMarg" refType="primFontSz" fact="0.3"/>
+                            <dgm:constr type="bMarg" refType="primFontSz" fact="0.3"/>
+                          </dgm:constrLst>
+                          <dgm:ruleLst>
+                            <dgm:rule type="primFontSz" val="5" fact="NaN" max="NaN"/>
+                          </dgm:ruleLst>
+                        </dgm:layoutNode>
+                        <dgm:layoutNode name="FiveNodes_3_text">
+                          <dgm:varLst>
+                            <dgm:bulletEnabled val="1"/>
+                          </dgm:varLst>
+                          <dgm:alg type="tx">
+                            <dgm:param type="parTxLTRAlign" val="l"/>
+                            <dgm:param type="txAnchorVertCh" val="mid"/>
+                          </dgm:alg>
+                          <dgm:shape xmlns:r="http://schemas.openxmlformats.org/officeDocument/2006/relationships" type="roundRect" r:blip="" hideGeom="1">
+                            <dgm:adjLst>
+                              <dgm:adj idx="1" val="0.1"/>
+                            </dgm:adjLst>
+                          </dgm:shape>
+                          <dgm:presOf axis="ch desOrSelf" ptType="node node" st="3 1" cnt="1 0"/>
+                          <dgm:constrLst>
+                            <dgm:constr type="lMarg" refType="primFontSz" fact="0.3"/>
+                            <dgm:constr type="rMarg" refType="primFontSz" fact="0.3"/>
+                            <dgm:constr type="tMarg" refType="primFontSz" fact="0.3"/>
+                            <dgm:constr type="bMarg" refType="primFontSz" fact="0.3"/>
+                          </dgm:constrLst>
+                          <dgm:ruleLst>
+                            <dgm:rule type="primFontSz" val="5" fact="NaN" max="NaN"/>
+                          </dgm:ruleLst>
+                        </dgm:layoutNode>
+                        <dgm:layoutNode name="FiveNodes_4_text">
+                          <dgm:varLst>
+                            <dgm:bulletEnabled val="1"/>
+                          </dgm:varLst>
+                          <dgm:alg type="tx">
+                            <dgm:param type="parTxLTRAlign" val="l"/>
+                            <dgm:param type="txAnchorVertCh" val="mid"/>
+                          </dgm:alg>
+                          <dgm:shape xmlns:r="http://schemas.openxmlformats.org/officeDocument/2006/relationships" type="roundRect" r:blip="" hideGeom="1">
+                            <dgm:adjLst>
+                              <dgm:adj idx="1" val="0.1"/>
+                            </dgm:adjLst>
+                          </dgm:shape>
+                          <dgm:presOf axis="ch desOrSelf" ptType="node node" st="4 1" cnt="1 0"/>
+                          <dgm:constrLst>
+                            <dgm:constr type="lMarg" refType="primFontSz" fact="0.3"/>
+                            <dgm:constr type="rMarg" refType="primFontSz" fact="0.3"/>
+                            <dgm:constr type="tMarg" refType="primFontSz" fact="0.3"/>
+                            <dgm:constr type="bMarg" refType="primFontSz" fact="0.3"/>
+                          </dgm:constrLst>
+                          <dgm:ruleLst>
+                            <dgm:rule type="primFontSz" val="5" fact="NaN" max="NaN"/>
+                          </dgm:ruleLst>
+                        </dgm:layoutNode>
+                        <dgm:layoutNode name="FiveNodes_5_text">
+                          <dgm:varLst>
+                            <dgm:bulletEnabled val="1"/>
+                          </dgm:varLst>
+                          <dgm:alg type="tx">
+                            <dgm:param type="parTxLTRAlign" val="l"/>
+                            <dgm:param type="txAnchorVertCh" val="mid"/>
+                          </dgm:alg>
+                          <dgm:shape xmlns:r="http://schemas.openxmlformats.org/officeDocument/2006/relationships" type="roundRect" r:blip="" hideGeom="1">
+                            <dgm:adjLst>
+                              <dgm:adj idx="1" val="0.1"/>
+                            </dgm:adjLst>
+                          </dgm:shape>
+                          <dgm:presOf axis="ch desOrSelf" ptType="node node" st="5 1" cnt="1 0"/>
+                          <dgm:constrLst>
+                            <dgm:constr type="lMarg" refType="primFontSz" fact="0.3"/>
+                            <dgm:constr type="rMarg" refType="primFontSz" fact="0.3"/>
+                            <dgm:constr type="tMarg" refType="primFontSz" fact="0.3"/>
+                            <dgm:constr type="bMarg" refType="primFontSz" fact="0.3"/>
+                          </dgm:constrLst>
+                          <dgm:ruleLst>
+                            <dgm:rule type="primFontSz" val="5" fact="NaN" max="NaN"/>
+                          </dgm:ruleLst>
+                        </dgm:layoutNode>
+                      </dgm:if>
+                      <dgm:else name="Name17"/>
+                    </dgm:choose>
+                  </dgm:else>
+                </dgm:choose>
+              </dgm:else>
+            </dgm:choose>
+          </dgm:else>
+        </dgm:choose>
+      </dgm:else>
+    </dgm:choose>
+  </dgm:layoutNode>
+</dgm:layoutDef>
+</file>
+
+<file path=ppt/diagrams/quickStyle1.xml><?xml version="1.0" encoding="utf-8"?>
+<dgm:styleDef xmlns:dgm="http://schemas.openxmlformats.org/drawingml/2006/diagram" xmlns:a="http://schemas.openxmlformats.org/drawingml/2006/main" uniqueId="urn:microsoft.com/office/officeart/2005/8/quickstyle/simple4">
+  <dgm:title val=""/>
+  <dgm:desc val=""/>
+  <dgm:catLst>
+    <dgm:cat type="simple" pri="10400"/>
+  </dgm:catLst>
+  <dgm:scene3d>
+    <a:camera prst="orthographicFront"/>
+    <a:lightRig rig="threePt" dir="t"/>
+  </dgm:scene3d>
+  <dgm:styleLbl name="node0">
+    <dgm:scene3d>
+      <a:camera prst="orthographicFront"/>
+      <a:lightRig rig="threePt" dir="t"/>
+    </dgm:scene3d>
+    <dgm:sp3d/>
+    <dgm:txPr/>
+    <dgm:style>
+      <a:lnRef idx="0">
+        <a:scrgbClr r="0" g="0" b="0"/>
+      </a:lnRef>
+      <a:fillRef idx="3">
+        <a:scrgbClr r="0" g="0" b="0"/>
+      </a:fillRef>
+      <a:effectRef idx="2">
+        <a:scrgbClr r="0" g="0" b="0"/>
+      </a:effectRef>
+      <a:fontRef idx="minor">
+        <a:schemeClr val="lt1"/>
+      </a:fontRef>
+    </dgm:style>
+  </dgm:styleLbl>
+  <dgm:styleLbl name="lnNode1">
+    <dgm:scene3d>
+      <a:camera prst="orthographicFront"/>
+      <a:lightRig rig="threePt" dir="t"/>
+    </dgm:scene3d>
+    <dgm:sp3d/>
+    <dgm:txPr/>
+    <dgm:style>
+      <a:lnRef idx="1">
+        <a:scrgbClr r="0" g="0" b="0"/>
+      </a:lnRef>
+      <a:fillRef idx="3">
+        <a:scrgbClr r="0" g="0" b="0"/>
+      </a:fillRef>
+      <a:effectRef idx="2">
+        <a:scrgbClr r="0" g="0" b="0"/>
+      </a:effectRef>
+      <a:fontRef idx="minor">
+        <a:schemeClr val="lt1"/>
+      </a:fontRef>
+    </dgm:style>
+  </dgm:styleLbl>
+  <dgm:styleLbl name="vennNode1">
+    <dgm:scene3d>
+      <a:camera prst="orthographicFront"/>
+      <a:lightRig rig="threePt" dir="t"/>
+    </dgm:scene3d>
+    <dgm:sp3d/>
+    <dgm:txPr/>
+    <dgm:style>
+      <a:lnRef idx="0">
+        <a:scrgbClr r="0" g="0" b="0"/>
+      </a:lnRef>
+      <a:fillRef idx="3">
+        <a:scrgbClr r="0" g="0" b="0"/>
+      </a:fillRef>
+      <a:effectRef idx="0">
+        <a:scrgbClr r="0" g="0" b="0"/>
+      </a:effectRef>
+      <a:fontRef idx="minor">
+        <a:schemeClr val="tx1"/>
+      </a:fontRef>
+    </dgm:style>
+  </dgm:styleLbl>
+  <dgm:styleLbl name="alignNode1">
+    <dgm:scene3d>
+      <a:camera prst="orthographicFront"/>
+      <a:lightRig rig="threePt" dir="t"/>
+    </dgm:scene3d>
+    <dgm:sp3d/>
+    <dgm:txPr/>
+    <dgm:style>
+      <a:lnRef idx="1">
+        <a:scrgbClr r="0" g="0" b="0"/>
+      </a:lnRef>
+      <a:fillRef idx="3">
+        <a:scrgbClr r="0" g="0" b="0"/>
+      </a:fillRef>
+      <a:effectRef idx="2">
+        <a:scrgbClr r="0" g="0" b="0"/>
+      </a:effectRef>
+      <a:fontRef idx="minor">
+        <a:schemeClr val="lt1"/>
+      </a:fontRef>
+    </dgm:style>
+  </dgm:styleLbl>
+  <dgm:styleLbl name="node1">
+    <dgm:scene3d>
+      <a:camera prst="orthographicFront"/>
+      <a:lightRig rig="threePt" dir="t"/>
+    </dgm:scene3d>
+    <dgm:sp3d/>
+    <dgm:txPr/>
+    <dgm:style>
+      <a:lnRef idx="0">
+        <a:scrgbClr r="0" g="0" b="0"/>
+      </a:lnRef>
+      <a:fillRef idx="3">
+        <a:scrgbClr r="0" g="0" b="0"/>
+      </a:fillRef>
+      <a:effectRef idx="2">
+        <a:scrgbClr r="0" g="0" b="0"/>
+      </a:effectRef>
+      <a:fontRef idx="minor">
+        <a:schemeClr val="lt1"/>
+      </a:fontRef>
+    </dgm:style>
+  </dgm:styleLbl>
+  <dgm:styleLbl name="node2">
+    <dgm:scene3d>
+      <a:camera prst="orthographicFront"/>
+      <a:lightRig rig="threePt" dir="t"/>
+    </dgm:scene3d>
+    <dgm:sp3d/>
+    <dgm:txPr/>
+    <dgm:style>
+      <a:lnRef idx="0">
+        <a:scrgbClr r="0" g="0" b="0"/>
+      </a:lnRef>
+      <a:fillRef idx="3">
+        <a:scrgbClr r="0" g="0" b="0"/>
+      </a:fillRef>
+      <a:effectRef idx="2">
+        <a:scrgbClr r="0" g="0" b="0"/>
+      </a:effectRef>
+      <a:fontRef idx="minor">
+        <a:schemeClr val="lt1"/>
+      </a:fontRef>
+    </dgm:style>
+  </dgm:styleLbl>
+  <dgm:styleLbl name="node3">
+    <dgm:scene3d>
+      <a:camera prst="orthographicFront"/>
+      <a:lightRig rig="threePt" dir="t"/>
+    </dgm:scene3d>
+    <dgm:sp3d/>
+    <dgm:txPr/>
+    <dgm:style>
+      <a:lnRef idx="0">
+        <a:scrgbClr r="0" g="0" b="0"/>
+      </a:lnRef>
+      <a:fillRef idx="3">
+        <a:scrgbClr r="0" g="0" b="0"/>
+      </a:fillRef>
+      <a:effectRef idx="2">
+        <a:scrgbClr r="0" g="0" b="0"/>
+      </a:effectRef>
+      <a:fontRef idx="minor">
+        <a:schemeClr val="lt1"/>
+      </a:fontRef>
+    </dgm:style>
+  </dgm:styleLbl>
+  <dgm:styleLbl name="node4">
+    <dgm:scene3d>
+      <a:camera prst="orthographicFront"/>
+      <a:lightRig rig="threePt" dir="t"/>
+    </dgm:scene3d>
+    <dgm:sp3d/>
+    <dgm:txPr/>
+    <dgm:style>
+      <a:lnRef idx="0">
+        <a:scrgbClr r="0" g="0" b="0"/>
+      </a:lnRef>
+      <a:fillRef idx="3">
+        <a:scrgbClr r="0" g="0" b="0"/>
+      </a:fillRef>
+      <a:effectRef idx="2">
+        <a:scrgbClr r="0" g="0" b="0"/>
+      </a:effectRef>
+      <a:fontRef idx="minor">
+        <a:schemeClr val="lt1"/>
+      </a:fontRef>
+    </dgm:style>
+  </dgm:styleLbl>
+  <dgm:styleLbl name="fgImgPlace1">
+    <dgm:scene3d>
+      <a:camera prst="orthographicFront"/>
+      <a:lightRig rig="threePt" dir="t"/>
+    </dgm:scene3d>
+    <dgm:sp3d/>
+    <dgm:txPr/>
+    <dgm:style>
+      <a:lnRef idx="0">
+        <a:scrgbClr r="0" g="0" b="0"/>
+      </a:lnRef>
+      <a:fillRef idx="1">
+        <a:scrgbClr r="0" g="0" b="0"/>
+      </a:fillRef>
+      <a:effectRef idx="2">
+        <a:scrgbClr r="0" g="0" b="0"/>
+      </a:effectRef>
+      <a:fontRef idx="minor"/>
+    </dgm:style>
+  </dgm:styleLbl>
+  <dgm:styleLbl name="alignImgPlace1">
+    <dgm:scene3d>
+      <a:camera prst="orthographicFront"/>
+      <a:lightRig rig="threePt" dir="t"/>
+    </dgm:scene3d>
+    <dgm:sp3d/>
+    <dgm:txPr/>
+    <dgm:style>
+      <a:lnRef idx="0">
+        <a:scrgbClr r="0" g="0" b="0"/>
+      </a:lnRef>
+      <a:fillRef idx="1">
+        <a:scrgbClr r="0" g="0" b="0"/>
+      </a:fillRef>
+      <a:effectRef idx="2">
+        <a:scrgbClr r="0" g="0" b="0"/>
+      </a:effectRef>
+      <a:fontRef idx="minor"/>
+    </dgm:style>
+  </dgm:styleLbl>
+  <dgm:styleLbl name="bgImgPlace1">
+    <dgm:scene3d>
+      <a:camera prst="orthographicFront"/>
+      <a:lightRig rig="threePt" dir="t"/>
+    </dgm:scene3d>
+    <dgm:sp3d/>
+    <dgm:txPr/>
+    <dgm:style>
+      <a:lnRef idx="0">
+        <a:scrgbClr r="0" g="0" b="0"/>
+      </a:lnRef>
+      <a:fillRef idx="1">
+        <a:scrgbClr r="0" g="0" b="0"/>
+      </a:fillRef>
+      <a:effectRef idx="2">
+        <a:scrgbClr r="0" g="0" b="0"/>
+      </a:effectRef>
+      <a:fontRef idx="minor"/>
+    </dgm:style>
+  </dgm:styleLbl>
+  <dgm:styleLbl name="sibTrans2D1">
+    <dgm:scene3d>
+      <a:camera prst="orthographicFront"/>
+      <a:lightRig rig="threePt" dir="t"/>
+    </dgm:scene3d>
+    <dgm:sp3d/>
+    <dgm:txPr/>
+    <dgm:style>
+      <a:lnRef idx="0">
+        <a:scrgbClr r="0" g="0" b="0"/>
+      </a:lnRef>
+      <a:fillRef idx="3">
+        <a:scrgbClr r="0" g="0" b="0"/>
+      </a:fillRef>
+      <a:effectRef idx="2">
+        <a:scrgbClr r="0" g="0" b="0"/>
+      </a:effectRef>
+      <a:fontRef idx="minor">
+        <a:schemeClr val="lt1"/>
+      </a:fontRef>
+    </dgm:style>
+  </dgm:styleLbl>
+  <dgm:styleLbl name="fgSibTrans2D1">
+    <dgm:scene3d>
+      <a:camera prst="orthographicFront"/>
+      <a:lightRig rig="threePt" dir="t"/>
+    </dgm:scene3d>
+    <dgm:sp3d/>
+    <dgm:txPr/>
+    <dgm:style>
+      <a:lnRef idx="0">
+        <a:scrgbClr r="0" g="0" b="0"/>
+      </a:lnRef>
+      <a:fillRef idx="3">
+        <a:scrgbClr r="0" g="0" b="0"/>
+      </a:fillRef>
+      <a:effectRef idx="2">
+        <a:scrgbClr r="0" g="0" b="0"/>
+      </a:effectRef>
+      <a:fontRef idx="minor">
+        <a:schemeClr val="lt1"/>
+      </a:fontRef>
+    </dgm:style>
+  </dgm:styleLbl>
+  <dgm:styleLbl name="bgSibTrans2D1">
+    <dgm:scene3d>
+      <a:camera prst="orthographicFront"/>
+      <a:lightRig rig="threePt" dir="t"/>
+    </dgm:scene3d>
+    <dgm:sp3d/>
+    <dgm:txPr/>
+    <dgm:style>
+      <a:lnRef idx="0">
+        <a:scrgbClr r="0" g="0" b="0"/>
+      </a:lnRef>
+      <a:fillRef idx="3">
+        <a:scrgbClr r="0" g="0" b="0"/>
+      </a:fillRef>
+      <a:effectRef idx="2">
+        <a:scrgbClr r="0" g="0" b="0"/>
+      </a:effectRef>
+      <a:fontRef idx="minor">
+        <a:schemeClr val="lt1"/>
+      </a:fontRef>
+    </dgm:style>
+  </dgm:styleLbl>
+  <dgm:styleLbl name="sibTrans1D1">
+    <dgm:scene3d>
+      <a:camera prst="orthographicFront"/>
+      <a:lightRig rig="threePt" dir="t"/>
+    </dgm:scene3d>
+    <dgm:sp3d/>
+    <dgm:txPr/>
+    <dgm:style>
+      <a:lnRef idx="1">
+        <a:scrgbClr r="0" g="0" b="0"/>
+      </a:lnRef>
+      <a:fillRef idx="0">
+        <a:scrgbClr r="0" g="0" b="0"/>
+      </a:fillRef>
+      <a:effectRef idx="0">
+        <a:scrgbClr r="0" g="0" b="0"/>
+      </a:effectRef>
+      <a:fontRef idx="minor"/>
+    </dgm:style>
+  </dgm:styleLbl>
+  <dgm:styleLbl name="callout">
+    <dgm:scene3d>
+      <a:camera prst="orthographicFront"/>
+      <a:lightRig rig="threePt" dir="t"/>
+    </dgm:scene3d>
+    <dgm:sp3d/>
+    <dgm:txPr/>
+    <dgm:style>
+      <a:lnRef idx="2">
+        <a:scrgbClr r="0" g="0" b="0"/>
+      </a:lnRef>
+      <a:fillRef idx="1">
+        <a:scrgbClr r="0" g="0" b="0"/>
+      </a:fillRef>
+      <a:effectRef idx="1">
+        <a:scrgbClr r="0" g="0" b="0"/>
+      </a:effectRef>
+      <a:fontRef idx="minor"/>
+    </dgm:style>
+  </dgm:styleLbl>
+  <dgm:styleLbl name="asst0">
+    <dgm:scene3d>
+      <a:camera prst="orthographicFront"/>
+      <a:lightRig rig="threePt" dir="t"/>
+    </dgm:scene3d>
+    <dgm:sp3d/>
+    <dgm:txPr/>
+    <dgm:style>
+      <a:lnRef idx="0">
+        <a:scrgbClr r="0" g="0" b="0"/>
+      </a:lnRef>
+      <a:fillRef idx="3">
+        <a:scrgbClr r="0" g="0" b="0"/>
+      </a:fillRef>
+      <a:effectRef idx="2">
+        <a:scrgbClr r="0" g="0" b="0"/>
+      </a:effectRef>
+      <a:fontRef idx="minor">
+        <a:schemeClr val="lt1"/>
+      </a:fontRef>
+    </dgm:style>
+  </dgm:styleLbl>
+  <dgm:styleLbl name="asst1">
+    <dgm:scene3d>
+      <a:camera prst="orthographicFront"/>
+      <a:lightRig rig="threePt" dir="t"/>
+    </dgm:scene3d>
+    <dgm:sp3d/>
+    <dgm:txPr/>
+    <dgm:style>
+      <a:lnRef idx="0">
+        <a:scrgbClr r="0" g="0" b="0"/>
+      </a:lnRef>
+      <a:fillRef idx="3">
+        <a:scrgbClr r="0" g="0" b="0"/>
+      </a:fillRef>
+      <a:effectRef idx="2">
+        <a:scrgbClr r="0" g="0" b="0"/>
+      </a:effectRef>
+      <a:fontRef idx="minor">
+        <a:schemeClr val="lt1"/>
+      </a:fontRef>
+    </dgm:style>
+  </dgm:styleLbl>
+  <dgm:styleLbl name="asst2">
+    <dgm:scene3d>
+      <a:camera prst="orthographicFront"/>
+      <a:lightRig rig="threePt" dir="t"/>
+    </dgm:scene3d>
+    <dgm:sp3d/>
+    <dgm:txPr/>
+    <dgm:style>
+      <a:lnRef idx="0">
+        <a:scrgbClr r="0" g="0" b="0"/>
+      </a:lnRef>
+      <a:fillRef idx="3">
+        <a:scrgbClr r="0" g="0" b="0"/>
+      </a:fillRef>
+      <a:effectRef idx="2">
+        <a:scrgbClr r="0" g="0" b="0"/>
+      </a:effectRef>
+      <a:fontRef idx="minor">
+        <a:schemeClr val="lt1"/>
+      </a:fontRef>
+    </dgm:style>
+  </dgm:styleLbl>
+  <dgm:styleLbl name="asst3">
+    <dgm:scene3d>
+      <a:camera prst="orthographicFront"/>
+      <a:lightRig rig="threePt" dir="t"/>
+    </dgm:scene3d>
+    <dgm:sp3d/>
+    <dgm:txPr/>
+    <dgm:style>
+      <a:lnRef idx="0">
+        <a:scrgbClr r="0" g="0" b="0"/>
+      </a:lnRef>
+      <a:fillRef idx="3">
+        <a:scrgbClr r="0" g="0" b="0"/>
+      </a:fillRef>
+      <a:effectRef idx="2">
+        <a:scrgbClr r="0" g="0" b="0"/>
+      </a:effectRef>
+      <a:fontRef idx="minor">
+        <a:schemeClr val="lt1"/>
+      </a:fontRef>
+    </dgm:style>
+  </dgm:styleLbl>
+  <dgm:styleLbl name="asst4">
+    <dgm:scene3d>
+      <a:camera prst="orthographicFront"/>
+      <a:lightRig rig="threePt" dir="t"/>
+    </dgm:scene3d>
+    <dgm:sp3d/>
+    <dgm:txPr/>
+    <dgm:style>
+      <a:lnRef idx="0">
+        <a:scrgbClr r="0" g="0" b="0"/>
+      </a:lnRef>
+      <a:fillRef idx="3">
+        <a:scrgbClr r="0" g="0" b="0"/>
+      </a:fillRef>
+      <a:effectRef idx="2">
+        <a:scrgbClr r="0" g="0" b="0"/>
+      </a:effectRef>
+      <a:fontRef idx="minor">
+        <a:schemeClr val="lt1"/>
+      </a:fontRef>
+    </dgm:style>
+  </dgm:styleLbl>
+  <dgm:styleLbl name="parChTrans2D1">
+    <dgm:scene3d>
+      <a:camera prst="orthographicFront"/>
+      <a:lightRig rig="threePt" dir="t"/>
+    </dgm:scene3d>
+    <dgm:sp3d/>
+    <dgm:txPr/>
+    <dgm:style>
+      <a:lnRef idx="0">
+        <a:scrgbClr r="0" g="0" b="0"/>
+      </a:lnRef>
+      <a:fillRef idx="3">
+        <a:scrgbClr r="0" g="0" b="0"/>
+      </a:fillRef>
+      <a:effectRef idx="2">
+        <a:scrgbClr r="0" g="0" b="0"/>
+      </a:effectRef>
+      <a:fontRef idx="minor">
+        <a:schemeClr val="lt1"/>
+      </a:fontRef>
+    </dgm:style>
+  </dgm:styleLbl>
+  <dgm:styleLbl name="parChTrans2D2">
+    <dgm:scene3d>
+      <a:camera prst="orthographicFront"/>
+      <a:lightRig rig="threePt" dir="t"/>
+    </dgm:scene3d>
+    <dgm:sp3d/>
+    <dgm:txPr/>
+    <dgm:style>
+      <a:lnRef idx="0">
+        <a:scrgbClr r="0" g="0" b="0"/>
+      </a:lnRef>
+      <a:fillRef idx="3">
+        <a:scrgbClr r="0" g="0" b="0"/>
+      </a:fillRef>
+      <a:effectRef idx="2">
+        <a:scrgbClr r="0" g="0" b="0"/>
+      </a:effectRef>
+      <a:fontRef idx="minor">
+        <a:schemeClr val="lt1"/>
+      </a:fontRef>
+    </dgm:style>
+  </dgm:styleLbl>
+  <dgm:styleLbl name="parChTrans2D3">
+    <dgm:scene3d>
+      <a:camera prst="orthographicFront"/>
+      <a:lightRig rig="threePt" dir="t"/>
+    </dgm:scene3d>
+    <dgm:sp3d/>
+    <dgm:txPr/>
+    <dgm:style>
+      <a:lnRef idx="1">
+        <a:scrgbClr r="0" g="0" b="0"/>
+      </a:lnRef>
+      <a:fillRef idx="3">
+        <a:scrgbClr r="0" g="0" b="0"/>
+      </a:fillRef>
+      <a:effectRef idx="2">
+        <a:scrgbClr r="0" g="0" b="0"/>
+      </a:effectRef>
+      <a:fontRef idx="minor">
+        <a:schemeClr val="lt1"/>
+      </a:fontRef>
+    </dgm:style>
+  </dgm:styleLbl>
+  <dgm:styleLbl name="parChTrans2D4">
+    <dgm:scene3d>
+      <a:camera prst="orthographicFront"/>
+      <a:lightRig rig="threePt" dir="t"/>
+    </dgm:scene3d>
+    <dgm:sp3d/>
+    <dgm:txPr/>
+    <dgm:style>
+      <a:lnRef idx="1">
+        <a:scrgbClr r="0" g="0" b="0"/>
+      </a:lnRef>
+      <a:fillRef idx="3">
+        <a:scrgbClr r="0" g="0" b="0"/>
+      </a:fillRef>
+      <a:effectRef idx="2">
+        <a:scrgbClr r="0" g="0" b="0"/>
+      </a:effectRef>
+      <a:fontRef idx="minor">
+        <a:schemeClr val="lt1"/>
+      </a:fontRef>
+    </dgm:style>
+  </dgm:styleLbl>
+  <dgm:styleLbl name="parChTrans1D1">
+    <dgm:scene3d>
+      <a:camera prst="orthographicFront"/>
+      <a:lightRig rig="threePt" dir="t"/>
+    </dgm:scene3d>
+    <dgm:sp3d/>
+    <dgm:txPr/>
+    <dgm:style>
+      <a:lnRef idx="1">
+        <a:scrgbClr r="0" g="0" b="0"/>
+      </a:lnRef>
+      <a:fillRef idx="0">
+        <a:scrgbClr r="0" g="0" b="0"/>
+      </a:fillRef>
+      <a:effectRef idx="0">
+        <a:scrgbClr r="0" g="0" b="0"/>
+      </a:effectRef>
+      <a:fontRef idx="minor"/>
+    </dgm:style>
+  </dgm:styleLbl>
+  <dgm:styleLbl name="parChTrans1D2">
+    <dgm:scene3d>
+      <a:camera prst="orthographicFront"/>
+      <a:lightRig rig="threePt" dir="t"/>
+    </dgm:scene3d>
+    <dgm:sp3d/>
+    <dgm:txPr/>
+    <dgm:style>
+      <a:lnRef idx="1">
+        <a:scrgbClr r="0" g="0" b="0"/>
+      </a:lnRef>
+      <a:fillRef idx="0">
+        <a:scrgbClr r="0" g="0" b="0"/>
+      </a:fillRef>
+      <a:effectRef idx="0">
+        <a:scrgbClr r="0" g="0" b="0"/>
+      </a:effectRef>
+      <a:fontRef idx="minor"/>
+    </dgm:style>
+  </dgm:styleLbl>
+  <dgm:styleLbl name="parChTrans1D3">
+    <dgm:scene3d>
+      <a:camera prst="orthographicFront"/>
+      <a:lightRig rig="threePt" dir="t"/>
+    </dgm:scene3d>
+    <dgm:sp3d/>
+    <dgm:txPr/>
+    <dgm:style>
+      <a:lnRef idx="1">
+        <a:scrgbClr r="0" g="0" b="0"/>
+      </a:lnRef>
+      <a:fillRef idx="0">
+        <a:scrgbClr r="0" g="0" b="0"/>
+      </a:fillRef>
+      <a:effectRef idx="0">
+        <a:scrgbClr r="0" g="0" b="0"/>
+      </a:effectRef>
+      <a:fontRef idx="minor"/>
+    </dgm:style>
+  </dgm:styleLbl>
+  <dgm:styleLbl name="parChTrans1D4">
+    <dgm:scene3d>
+      <a:camera prst="orthographicFront"/>
+      <a:lightRig rig="threePt" dir="t"/>
+    </dgm:scene3d>
+    <dgm:sp3d/>
+    <dgm:txPr/>
+    <dgm:style>
+      <a:lnRef idx="1">
+        <a:scrgbClr r="0" g="0" b="0"/>
+      </a:lnRef>
+      <a:fillRef idx="0">
+        <a:scrgbClr r="0" g="0" b="0"/>
+      </a:fillRef>
+      <a:effectRef idx="0">
+        <a:scrgbClr r="0" g="0" b="0"/>
+      </a:effectRef>
+      <a:fontRef idx="minor"/>
+    </dgm:style>
+  </dgm:styleLbl>
+  <dgm:styleLbl name="fgAcc1">
+    <dgm:scene3d>
+      <a:camera prst="orthographicFront"/>
+      <a:lightRig rig="threePt" dir="t"/>
+    </dgm:scene3d>
+    <dgm:sp3d/>
+    <dgm:txPr/>
+    <dgm:style>
+      <a:lnRef idx="1">
+        <a:scrgbClr r="0" g="0" b="0"/>
+      </a:lnRef>
+      <a:fillRef idx="1">
+        <a:scrgbClr r="0" g="0" b="0"/>
+      </a:fillRef>
+      <a:effectRef idx="0">
+        <a:scrgbClr r="0" g="0" b="0"/>
+      </a:effectRef>
+      <a:fontRef idx="minor"/>
+    </dgm:style>
+  </dgm:styleLbl>
+  <dgm:styleLbl name="conFgAcc1">
+    <dgm:scene3d>
+      <a:camera prst="orthographicFront"/>
+      <a:lightRig rig="threePt" dir="t"/>
+    </dgm:scene3d>
+    <dgm:sp3d/>
+    <dgm:txPr/>
+    <dgm:style>
+      <a:lnRef idx="1">
+        <a:scrgbClr r="0" g="0" b="0"/>
+      </a:lnRef>
+      <a:fillRef idx="1">
+        <a:scrgbClr r="0" g="0" b="0"/>
+      </a:fillRef>
+      <a:effectRef idx="0">
+        <a:scrgbClr r="0" g="0" b="0"/>
+      </a:effectRef>
+      <a:fontRef idx="minor"/>
+    </dgm:style>
+  </dgm:styleLbl>
+  <dgm:styleLbl name="alignAcc1">
+    <dgm:scene3d>
+      <a:camera prst="orthographicFront"/>
+      <a:lightRig rig="threePt" dir="t"/>
+    </dgm:scene3d>
+    <dgm:sp3d/>
+    <dgm:txPr/>
+    <dgm:style>
+      <a:lnRef idx="1">
+        <a:scrgbClr r="0" g="0" b="0"/>
+      </a:lnRef>
+      <a:fillRef idx="1">
+        <a:scrgbClr r="0" g="0" b="0"/>
+      </a:fillRef>
+      <a:effectRef idx="0">
+        <a:scrgbClr r="0" g="0" b="0"/>
+      </a:effectRef>
+      <a:fontRef idx="minor"/>
+    </dgm:style>
+  </dgm:styleLbl>
+  <dgm:styleLbl name="trAlignAcc1">
+    <dgm:scene3d>
+      <a:camera prst="orthographicFront"/>
+      <a:lightRig rig="threePt" dir="t"/>
+    </dgm:scene3d>
+    <dgm:sp3d/>
+    <dgm:txPr/>
+    <dgm:style>
+      <a:lnRef idx="1">
+        <a:scrgbClr r="0" g="0" b="0"/>
+      </a:lnRef>
+      <a:fillRef idx="1">
+        <a:scrgbClr r="0" g="0" b="0"/>
+      </a:fillRef>
+      <a:effectRef idx="0">
+        <a:scrgbClr r="0" g="0" b="0"/>
+      </a:effectRef>
+      <a:fontRef idx="minor"/>
+    </dgm:style>
+  </dgm:styleLbl>
+  <dgm:styleLbl name="bgAcc1">
+    <dgm:scene3d>
+      <a:camera prst="orthographicFront"/>
+      <a:lightRig rig="threePt" dir="t"/>
+    </dgm:scene3d>
+    <dgm:sp3d/>
+    <dgm:txPr/>
+    <dgm:style>
+      <a:lnRef idx="1">
+        <a:scrgbClr r="0" g="0" b="0"/>
+      </a:lnRef>
+      <a:fillRef idx="1">
+        <a:scrgbClr r="0" g="0" b="0"/>
+      </a:fillRef>
+      <a:effectRef idx="0">
+        <a:scrgbClr r="0" g="0" b="0"/>
+      </a:effectRef>
+      <a:fontRef idx="minor"/>
+    </dgm:style>
+  </dgm:styleLbl>
+  <dgm:styleLbl name="solidFgAcc1">
+    <dgm:scene3d>
+      <a:camera prst="orthographicFront"/>
+      <a:lightRig rig="threePt" dir="t"/>
+    </dgm:scene3d>
+    <dgm:sp3d/>
+    <dgm:txPr/>
+    <dgm:style>
+      <a:lnRef idx="1">
+        <a:scrgbClr r="0" g="0" b="0"/>
+      </a:lnRef>
+      <a:fillRef idx="1">
+        <a:scrgbClr r="0" g="0" b="0"/>
+      </a:fillRef>
+      <a:effectRef idx="0">
+        <a:scrgbClr r="0" g="0" b="0"/>
+      </a:effectRef>
+      <a:fontRef idx="minor"/>
+    </dgm:style>
+  </dgm:styleLbl>
+  <dgm:styleLbl name="solidAlignAcc1">
+    <dgm:scene3d>
+      <a:camera prst="orthographicFront"/>
+      <a:lightRig rig="threePt" dir="t"/>
+    </dgm:scene3d>
+    <dgm:sp3d/>
+    <dgm:txPr/>
+    <dgm:style>
+      <a:lnRef idx="1">
+        <a:scrgbClr r="0" g="0" b="0"/>
+      </a:lnRef>
+      <a:fillRef idx="1">
+        <a:scrgbClr r="0" g="0" b="0"/>
+      </a:fillRef>
+      <a:effectRef idx="0">
+        <a:scrgbClr r="0" g="0" b="0"/>
+      </a:effectRef>
+      <a:fontRef idx="minor"/>
+    </dgm:style>
+  </dgm:styleLbl>
+  <dgm:styleLbl name="solidBgAcc1">
+    <dgm:scene3d>
+      <a:camera prst="orthographicFront"/>
+      <a:lightRig rig="threePt" dir="t"/>
+    </dgm:scene3d>
+    <dgm:sp3d/>
+    <dgm:txPr/>
+    <dgm:style>
+      <a:lnRef idx="1">
+        <a:scrgbClr r="0" g="0" b="0"/>
+      </a:lnRef>
+      <a:fillRef idx="1">
+        <a:scrgbClr r="0" g="0" b="0"/>
+      </a:fillRef>
+      <a:effectRef idx="0">
+        <a:scrgbClr r="0" g="0" b="0"/>
+      </a:effectRef>
+      <a:fontRef idx="minor"/>
+    </dgm:style>
+  </dgm:styleLbl>
+  <dgm:styleLbl name="fgAccFollowNode1">
+    <dgm:scene3d>
+      <a:camera prst="orthographicFront"/>
+      <a:lightRig rig="threePt" dir="t"/>
+    </dgm:scene3d>
+    <dgm:sp3d/>
+    <dgm:txPr/>
+    <dgm:style>
+      <a:lnRef idx="1">
+        <a:scrgbClr r="0" g="0" b="0"/>
+      </a:lnRef>
+      <a:fillRef idx="1">
+        <a:scrgbClr r="0" g="0" b="0"/>
+      </a:fillRef>
+      <a:effectRef idx="0">
+        <a:scrgbClr r="0" g="0" b="0"/>
+      </a:effectRef>
+      <a:fontRef idx="minor"/>
+    </dgm:style>
+  </dgm:styleLbl>
+  <dgm:styleLbl name="alignAccFollowNode1">
+    <dgm:scene3d>
+      <a:camera prst="orthographicFront"/>
+      <a:lightRig rig="threePt" dir="t"/>
+    </dgm:scene3d>
+    <dgm:sp3d/>
+    <dgm:txPr/>
+    <dgm:style>
+      <a:lnRef idx="1">
+        <a:scrgbClr r="0" g="0" b="0"/>
+      </a:lnRef>
+      <a:fillRef idx="1">
+        <a:scrgbClr r="0" g="0" b="0"/>
+      </a:fillRef>
+      <a:effectRef idx="0">
+        <a:scrgbClr r="0" g="0" b="0"/>
+      </a:effectRef>
+      <a:fontRef idx="minor"/>
+    </dgm:style>
+  </dgm:styleLbl>
+  <dgm:styleLbl name="bgAccFollowNode1">
+    <dgm:scene3d>
+      <a:camera prst="orthographicFront"/>
+      <a:lightRig rig="threePt" dir="t"/>
+    </dgm:scene3d>
+    <dgm:sp3d/>
+    <dgm:txPr/>
+    <dgm:style>
+      <a:lnRef idx="1">
+        <a:scrgbClr r="0" g="0" b="0"/>
+      </a:lnRef>
+      <a:fillRef idx="1">
+        <a:scrgbClr r="0" g="0" b="0"/>
+      </a:fillRef>
+      <a:effectRef idx="0">
+        <a:scrgbClr r="0" g="0" b="0"/>
+      </a:effectRef>
+      <a:fontRef idx="minor"/>
+    </dgm:style>
+  </dgm:styleLbl>
+  <dgm:styleLbl name="fgAcc0">
+    <dgm:scene3d>
+      <a:camera prst="orthographicFront"/>
+      <a:lightRig rig="threePt" dir="t"/>
+    </dgm:scene3d>
+    <dgm:sp3d/>
+    <dgm:txPr/>
+    <dgm:style>
+      <a:lnRef idx="1">
+        <a:scrgbClr r="0" g="0" b="0"/>
+      </a:lnRef>
+      <a:fillRef idx="1">
+        <a:scrgbClr r="0" g="0" b="0"/>
+      </a:fillRef>
+      <a:effectRef idx="0">
+        <a:scrgbClr r="0" g="0" b="0"/>
+      </a:effectRef>
+      <a:fontRef idx="minor"/>
+    </dgm:style>
+  </dgm:styleLbl>
+  <dgm:styleLbl name="fgAcc2">
+    <dgm:scene3d>
+      <a:camera prst="orthographicFront"/>
+      <a:lightRig rig="threePt" dir="t"/>
+    </dgm:scene3d>
+    <dgm:sp3d/>
+    <dgm:txPr/>
+    <dgm:style>
+      <a:lnRef idx="1">
+        <a:scrgbClr r="0" g="0" b="0"/>
+      </a:lnRef>
+      <a:fillRef idx="1">
+        <a:scrgbClr r="0" g="0" b="0"/>
+      </a:fillRef>
+      <a:effectRef idx="0">
+        <a:scrgbClr r="0" g="0" b="0"/>
+      </a:effectRef>
+      <a:fontRef idx="minor"/>
+    </dgm:style>
+  </dgm:styleLbl>
+  <dgm:styleLbl name="fgAcc3">
+    <dgm:scene3d>
+      <a:camera prst="orthographicFront"/>
+      <a:lightRig rig="threePt" dir="t"/>
+    </dgm:scene3d>
+    <dgm:sp3d/>
+    <dgm:txPr/>
+    <dgm:style>
+      <a:lnRef idx="1">
+        <a:scrgbClr r="0" g="0" b="0"/>
+      </a:lnRef>
+      <a:fillRef idx="1">
+        <a:scrgbClr r="0" g="0" b="0"/>
+      </a:fillRef>
+      <a:effectRef idx="0">
+        <a:scrgbClr r="0" g="0" b="0"/>
+      </a:effectRef>
+      <a:fontRef idx="minor"/>
+    </dgm:style>
+  </dgm:styleLbl>
+  <dgm:styleLbl name="fgAcc4">
+    <dgm:scene3d>
+      <a:camera prst="orthographicFront"/>
+      <a:lightRig rig="threePt" dir="t"/>
+    </dgm:scene3d>
+    <dgm:sp3d/>
+    <dgm:txPr/>
+    <dgm:style>
+      <a:lnRef idx="1">
+        <a:scrgbClr r="0" g="0" b="0"/>
+      </a:lnRef>
+      <a:fillRef idx="1">
+        <a:scrgbClr r="0" g="0" b="0"/>
+      </a:fillRef>
+      <a:effectRef idx="0">
+        <a:scrgbClr r="0" g="0" b="0"/>
+      </a:effectRef>
+      <a:fontRef idx="minor"/>
+    </dgm:style>
+  </dgm:styleLbl>
+  <dgm:styleLbl name="bgShp">
+    <dgm:scene3d>
+      <a:camera prst="orthographicFront"/>
+      <a:lightRig rig="threePt" dir="t"/>
+    </dgm:scene3d>
+    <dgm:sp3d/>
+    <dgm:txPr/>
+    <dgm:style>
+      <a:lnRef idx="0">
+        <a:scrgbClr r="0" g="0" b="0"/>
+      </a:lnRef>
+      <a:fillRef idx="1">
+        <a:scrgbClr r="0" g="0" b="0"/>
+      </a:fillRef>
+      <a:effectRef idx="2">
+        <a:scrgbClr r="0" g="0" b="0"/>
+      </a:effectRef>
+      <a:fontRef idx="minor"/>
+    </dgm:style>
+  </dgm:styleLbl>
+  <dgm:styleLbl name="dkBgShp">
+    <dgm:scene3d>
+      <a:camera prst="orthographicFront"/>
+      <a:lightRig rig="threePt" dir="t"/>
+    </dgm:scene3d>
+    <dgm:sp3d/>
+    <dgm:txPr/>
+    <dgm:style>
+      <a:lnRef idx="0">
+        <a:scrgbClr r="0" g="0" b="0"/>
+      </a:lnRef>
+      <a:fillRef idx="1">
+        <a:scrgbClr r="0" g="0" b="0"/>
+      </a:fillRef>
+      <a:effectRef idx="2">
+        <a:scrgbClr r="0" g="0" b="0"/>
+      </a:effectRef>
+      <a:fontRef idx="minor"/>
+    </dgm:style>
+  </dgm:styleLbl>
+  <dgm:styleLbl name="trBgShp">
+    <dgm:scene3d>
+      <a:camera prst="orthographicFront"/>
+      <a:lightRig rig="threePt" dir="t"/>
+    </dgm:scene3d>
+    <dgm:sp3d/>
+    <dgm:txPr/>
+    <dgm:style>
+      <a:lnRef idx="0">
+        <a:scrgbClr r="0" g="0" b="0"/>
+      </a:lnRef>
+      <a:fillRef idx="1">
+        <a:scrgbClr r="0" g="0" b="0"/>
+      </a:fillRef>
+      <a:effectRef idx="0">
+        <a:scrgbClr r="0" g="0" b="0"/>
+      </a:effectRef>
+      <a:fontRef idx="minor"/>
+    </dgm:style>
+  </dgm:styleLbl>
+  <dgm:styleLbl name="fgShp">
+    <dgm:scene3d>
+      <a:camera prst="orthographicFront"/>
+      <a:lightRig rig="threePt" dir="t"/>
+    </dgm:scene3d>
+    <dgm:sp3d/>
+    <dgm:txPr/>
+    <dgm:style>
+      <a:lnRef idx="0">
+        <a:scrgbClr r="0" g="0" b="0"/>
+      </a:lnRef>
+      <a:fillRef idx="3">
+        <a:scrgbClr r="0" g="0" b="0"/>
+      </a:fillRef>
+      <a:effectRef idx="2">
+        <a:scrgbClr r="0" g="0" b="0"/>
+      </a:effectRef>
+      <a:fontRef idx="minor"/>
+    </dgm:style>
+  </dgm:styleLbl>
+  <dgm:styleLbl name="revTx">
+    <dgm:scene3d>
+      <a:camera prst="orthographicFront"/>
+      <a:lightRig rig="threePt" dir="t"/>
+    </dgm:scene3d>
+    <dgm:sp3d/>
+    <dgm:txPr/>
+    <dgm:style>
+      <a:lnRef idx="0">
+        <a:scrgbClr r="0" g="0" b="0"/>
+      </a:lnRef>
+      <a:fillRef idx="0">
+        <a:scrgbClr r="0" g="0" b="0"/>
+      </a:fillRef>
+      <a:effectRef idx="0">
+        <a:scrgbClr r="0" g="0" b="0"/>
+      </a:effectRef>
+      <a:fontRef idx="minor"/>
+    </dgm:style>
+  </dgm:styleLbl>
+</dgm:styleDef>
 </file>
 
 <file path=ppt/slideLayouts/slideLayout1.xml><?xml version="1.0" encoding="utf-8"?>
@@ -303,7 +4079,7 @@
           <a:p>
             <a:fld id="{CB05047D-4E70-47C5-9826-F2850D18C2B5}" type="datetimeFigureOut">
               <a:rPr lang="en-US" smtClean="0"/>
-              <a:t>12/13/2018</a:t>
+              <a:t>12/14/2018</a:t>
             </a:fld>
             <a:endParaRPr lang="en-US"/>
           </a:p>
@@ -578,7 +4354,7 @@
           <a:p>
             <a:fld id="{CB05047D-4E70-47C5-9826-F2850D18C2B5}" type="datetimeFigureOut">
               <a:rPr lang="en-US" smtClean="0"/>
-              <a:t>12/13/2018</a:t>
+              <a:t>12/14/2018</a:t>
             </a:fld>
             <a:endParaRPr lang="en-US"/>
           </a:p>
@@ -772,7 +4548,7 @@
           <a:p>
             <a:fld id="{CB05047D-4E70-47C5-9826-F2850D18C2B5}" type="datetimeFigureOut">
               <a:rPr lang="en-US" smtClean="0"/>
-              <a:t>12/13/2018</a:t>
+              <a:t>12/14/2018</a:t>
             </a:fld>
             <a:endParaRPr lang="en-US"/>
           </a:p>
@@ -1045,7 +4821,7 @@
           <a:p>
             <a:fld id="{CB05047D-4E70-47C5-9826-F2850D18C2B5}" type="datetimeFigureOut">
               <a:rPr lang="en-US" smtClean="0"/>
-              <a:t>12/13/2018</a:t>
+              <a:t>12/14/2018</a:t>
             </a:fld>
             <a:endParaRPr lang="en-US"/>
           </a:p>
@@ -1386,7 +5162,7 @@
           <a:p>
             <a:fld id="{CB05047D-4E70-47C5-9826-F2850D18C2B5}" type="datetimeFigureOut">
               <a:rPr lang="en-US" smtClean="0"/>
-              <a:t>12/13/2018</a:t>
+              <a:t>12/14/2018</a:t>
             </a:fld>
             <a:endParaRPr lang="en-US"/>
           </a:p>
@@ -2009,7 +5785,7 @@
           <a:p>
             <a:fld id="{CB05047D-4E70-47C5-9826-F2850D18C2B5}" type="datetimeFigureOut">
               <a:rPr lang="en-US" smtClean="0"/>
-              <a:t>12/13/2018</a:t>
+              <a:t>12/14/2018</a:t>
             </a:fld>
             <a:endParaRPr lang="en-US"/>
           </a:p>
@@ -2869,7 +6645,7 @@
           <a:p>
             <a:fld id="{CB05047D-4E70-47C5-9826-F2850D18C2B5}" type="datetimeFigureOut">
               <a:rPr lang="en-US" smtClean="0"/>
-              <a:t>12/13/2018</a:t>
+              <a:t>12/14/2018</a:t>
             </a:fld>
             <a:endParaRPr lang="en-US"/>
           </a:p>
@@ -3039,7 +6815,7 @@
           <a:p>
             <a:fld id="{CB05047D-4E70-47C5-9826-F2850D18C2B5}" type="datetimeFigureOut">
               <a:rPr lang="en-US" smtClean="0"/>
-              <a:t>12/13/2018</a:t>
+              <a:t>12/14/2018</a:t>
             </a:fld>
             <a:endParaRPr lang="en-US"/>
           </a:p>
@@ -3219,7 +6995,7 @@
           <a:p>
             <a:fld id="{CB05047D-4E70-47C5-9826-F2850D18C2B5}" type="datetimeFigureOut">
               <a:rPr lang="en-US" smtClean="0"/>
-              <a:t>12/13/2018</a:t>
+              <a:t>12/14/2018</a:t>
             </a:fld>
             <a:endParaRPr lang="en-US"/>
           </a:p>
@@ -3389,7 +7165,7 @@
           <a:p>
             <a:fld id="{CB05047D-4E70-47C5-9826-F2850D18C2B5}" type="datetimeFigureOut">
               <a:rPr lang="en-US" smtClean="0"/>
-              <a:t>12/13/2018</a:t>
+              <a:t>12/14/2018</a:t>
             </a:fld>
             <a:endParaRPr lang="en-US"/>
           </a:p>
@@ -3636,7 +7412,7 @@
           <a:p>
             <a:fld id="{CB05047D-4E70-47C5-9826-F2850D18C2B5}" type="datetimeFigureOut">
               <a:rPr lang="en-US" smtClean="0"/>
-              <a:t>12/13/2018</a:t>
+              <a:t>12/14/2018</a:t>
             </a:fld>
             <a:endParaRPr lang="en-US"/>
           </a:p>
@@ -3928,7 +7704,7 @@
           <a:p>
             <a:fld id="{CB05047D-4E70-47C5-9826-F2850D18C2B5}" type="datetimeFigureOut">
               <a:rPr lang="en-US" smtClean="0"/>
-              <a:t>12/13/2018</a:t>
+              <a:t>12/14/2018</a:t>
             </a:fld>
             <a:endParaRPr lang="en-US"/>
           </a:p>
@@ -4372,7 +8148,7 @@
           <a:p>
             <a:fld id="{CB05047D-4E70-47C5-9826-F2850D18C2B5}" type="datetimeFigureOut">
               <a:rPr lang="en-US" smtClean="0"/>
-              <a:t>12/13/2018</a:t>
+              <a:t>12/14/2018</a:t>
             </a:fld>
             <a:endParaRPr lang="en-US"/>
           </a:p>
@@ -4490,7 +8266,7 @@
           <a:p>
             <a:fld id="{CB05047D-4E70-47C5-9826-F2850D18C2B5}" type="datetimeFigureOut">
               <a:rPr lang="en-US" smtClean="0"/>
-              <a:t>12/13/2018</a:t>
+              <a:t>12/14/2018</a:t>
             </a:fld>
             <a:endParaRPr lang="en-US"/>
           </a:p>
@@ -4585,7 +8361,7 @@
           <a:p>
             <a:fld id="{CB05047D-4E70-47C5-9826-F2850D18C2B5}" type="datetimeFigureOut">
               <a:rPr lang="en-US" smtClean="0"/>
-              <a:t>12/13/2018</a:t>
+              <a:t>12/14/2018</a:t>
             </a:fld>
             <a:endParaRPr lang="en-US"/>
           </a:p>
@@ -4864,7 +8640,7 @@
           <a:p>
             <a:fld id="{CB05047D-4E70-47C5-9826-F2850D18C2B5}" type="datetimeFigureOut">
               <a:rPr lang="en-US" smtClean="0"/>
-              <a:t>12/13/2018</a:t>
+              <a:t>12/14/2018</a:t>
             </a:fld>
             <a:endParaRPr lang="en-US"/>
           </a:p>
@@ -5139,7 +8915,7 @@
           <a:p>
             <a:fld id="{CB05047D-4E70-47C5-9826-F2850D18C2B5}" type="datetimeFigureOut">
               <a:rPr lang="en-US" smtClean="0"/>
-              <a:t>12/13/2018</a:t>
+              <a:t>12/14/2018</a:t>
             </a:fld>
             <a:endParaRPr lang="en-US"/>
           </a:p>
@@ -5568,7 +9344,7 @@
           <a:p>
             <a:fld id="{CB05047D-4E70-47C5-9826-F2850D18C2B5}" type="datetimeFigureOut">
               <a:rPr lang="en-US" smtClean="0"/>
-              <a:t>12/13/2018</a:t>
+              <a:t>12/14/2018</a:t>
             </a:fld>
             <a:endParaRPr lang="en-US"/>
           </a:p>
@@ -6118,8 +9894,19 @@
                 <a:solidFill>
                   <a:srgbClr val="FFFF00"/>
                 </a:solidFill>
+                <a:latin typeface="Tahoma" panose="020B0604030504040204" pitchFamily="34" charset="0"/>
+                <a:ea typeface="Tahoma" panose="020B0604030504040204" pitchFamily="34" charset="0"/>
+                <a:cs typeface="Tahoma" panose="020B0604030504040204" pitchFamily="34" charset="0"/>
               </a:rPr>
-              <a:t>KPI Video System</a:t>
+              <a:t>KPI</a:t>
+            </a:r>
+            <a:r>
+              <a:rPr lang="en-US" sz="3600" smtClean="0">
+                <a:solidFill>
+                  <a:srgbClr val="FFFF00"/>
+                </a:solidFill>
+              </a:rPr>
+              <a:t> Video System</a:t>
             </a:r>
             <a:endParaRPr lang="en-US" sz="3600">
               <a:solidFill>
@@ -6176,14 +9963,24 @@
           </a:xfrm>
         </p:spPr>
         <p:txBody>
-          <a:bodyPr/>
+          <a:bodyPr>
+            <a:normAutofit/>
+          </a:bodyPr>
           <a:lstStyle/>
           <a:p>
             <a:r>
-              <a:rPr lang="en-US" smtClean="0"/>
+              <a:rPr lang="en-US" sz="1400" smtClean="0">
+                <a:latin typeface="Tahoma" panose="020B0604030504040204" pitchFamily="34" charset="0"/>
+                <a:ea typeface="Tahoma" panose="020B0604030504040204" pitchFamily="34" charset="0"/>
+                <a:cs typeface="Tahoma" panose="020B0604030504040204" pitchFamily="34" charset="0"/>
+              </a:rPr>
               <a:t>Creater: Nguyễn Huy Phát</a:t>
             </a:r>
-            <a:endParaRPr lang="en-US"/>
+            <a:endParaRPr lang="en-US" sz="1400">
+              <a:latin typeface="Tahoma" panose="020B0604030504040204" pitchFamily="34" charset="0"/>
+              <a:ea typeface="Tahoma" panose="020B0604030504040204" pitchFamily="34" charset="0"/>
+              <a:cs typeface="Tahoma" panose="020B0604030504040204" pitchFamily="34" charset="0"/>
+            </a:endParaRPr>
           </a:p>
         </p:txBody>
       </p:sp>
@@ -6197,6 +9994,13 @@
   <p:clrMapOvr>
     <a:masterClrMapping/>
   </p:clrMapOvr>
+  <p:timing>
+    <p:tnLst>
+      <p:par>
+        <p:cTn id="1" dur="indefinite" restart="never" nodeType="tmRoot"/>
+      </p:par>
+    </p:tnLst>
+  </p:timing>
 </p:sld>
 </file>
 
@@ -6230,7 +10034,7 @@
         <p:spPr>
           <a:xfrm>
             <a:off x="646111" y="452718"/>
-            <a:ext cx="9404723" cy="1021240"/>
+            <a:ext cx="9404723" cy="953001"/>
           </a:xfrm>
         </p:spPr>
         <p:txBody>
@@ -6242,52 +10046,243 @@
                 <a:solidFill>
                   <a:srgbClr val="FFFF00"/>
                 </a:solidFill>
+                <a:latin typeface="Tahoma" panose="020B0604030504040204" pitchFamily="34" charset="0"/>
+                <a:ea typeface="Tahoma" panose="020B0604030504040204" pitchFamily="34" charset="0"/>
+                <a:cs typeface="Tahoma" panose="020B0604030504040204" pitchFamily="34" charset="0"/>
               </a:rPr>
-              <a:t>5. Xây Dựng Hệ Thống</a:t>
-            </a:r>
-            <a:endParaRPr lang="en-US"/>
-          </a:p>
-        </p:txBody>
-      </p:sp>
-      <p:pic>
-        <p:nvPicPr>
-          <p:cNvPr id="4" name="Content Placeholder 3"/>
-          <p:cNvPicPr>
-            <a:picLocks noGrp="1" noChangeAspect="1"/>
-          </p:cNvPicPr>
+              <a:t>5. Deploy Hệ </a:t>
+            </a:r>
+            <a:r>
+              <a:rPr lang="en-US" smtClean="0">
+                <a:solidFill>
+                  <a:srgbClr val="FFFF00"/>
+                </a:solidFill>
+                <a:latin typeface="Tahoma" panose="020B0604030504040204" pitchFamily="34" charset="0"/>
+                <a:ea typeface="Tahoma" panose="020B0604030504040204" pitchFamily="34" charset="0"/>
+                <a:cs typeface="Tahoma" panose="020B0604030504040204" pitchFamily="34" charset="0"/>
+              </a:rPr>
+              <a:t>Thống</a:t>
+            </a:r>
+            <a:endParaRPr lang="en-US">
+              <a:solidFill>
+                <a:srgbClr val="FFFF00"/>
+              </a:solidFill>
+              <a:latin typeface="Tahoma" panose="020B0604030504040204" pitchFamily="34" charset="0"/>
+              <a:ea typeface="Tahoma" panose="020B0604030504040204" pitchFamily="34" charset="0"/>
+              <a:cs typeface="Tahoma" panose="020B0604030504040204" pitchFamily="34" charset="0"/>
+            </a:endParaRPr>
+          </a:p>
+        </p:txBody>
+      </p:sp>
+      <p:sp>
+        <p:nvSpPr>
+          <p:cNvPr id="3" name="Content Placeholder 2"/>
+          <p:cNvSpPr>
+            <a:spLocks noGrp="1"/>
+          </p:cNvSpPr>
           <p:nvPr>
             <p:ph idx="1"/>
           </p:nvPr>
-        </p:nvPicPr>
-        <p:blipFill>
-          <a:blip r:embed="rId2">
-            <a:extLst>
-              <a:ext uri="{28A0092B-C50C-407E-A947-70E740481C1C}">
-                <a14:useLocalDpi xmlns:a14="http://schemas.microsoft.com/office/drawing/2010/main" val="0"/>
-              </a:ext>
-            </a:extLst>
-          </a:blip>
-          <a:stretch>
-            <a:fillRect/>
-          </a:stretch>
-        </p:blipFill>
+        </p:nvSpPr>
         <p:spPr>
           <a:xfrm>
-            <a:off x="1240221" y="1473958"/>
-            <a:ext cx="8927361" cy="5188332"/>
+            <a:off x="1103312" y="1405719"/>
+            <a:ext cx="8946541" cy="5254387"/>
           </a:xfrm>
         </p:spPr>
-      </p:pic>
+        <p:txBody>
+          <a:bodyPr>
+            <a:noAutofit/>
+          </a:bodyPr>
+          <a:lstStyle/>
+          <a:p>
+            <a:r>
+              <a:rPr lang="en-US" sz="2400" smtClean="0">
+                <a:latin typeface="Tahoma" panose="020B0604030504040204" pitchFamily="34" charset="0"/>
+                <a:ea typeface="Tahoma" panose="020B0604030504040204" pitchFamily="34" charset="0"/>
+                <a:cs typeface="Tahoma" panose="020B0604030504040204" pitchFamily="34" charset="0"/>
+              </a:rPr>
+              <a:t>Xây Dựng: Log Event Managements</a:t>
+            </a:r>
+          </a:p>
+          <a:p>
+            <a:pPr lvl="1"/>
+            <a:r>
+              <a:rPr lang="en-US" sz="2400">
+                <a:latin typeface="Tahoma" panose="020B0604030504040204" pitchFamily="34" charset="0"/>
+                <a:ea typeface="Tahoma" panose="020B0604030504040204" pitchFamily="34" charset="0"/>
+                <a:cs typeface="Tahoma" panose="020B0604030504040204" pitchFamily="34" charset="0"/>
+              </a:rPr>
+              <a:t>T</a:t>
+            </a:r>
+            <a:r>
+              <a:rPr lang="en-US" sz="2400" smtClean="0">
+                <a:latin typeface="Tahoma" panose="020B0604030504040204" pitchFamily="34" charset="0"/>
+                <a:ea typeface="Tahoma" panose="020B0604030504040204" pitchFamily="34" charset="0"/>
+                <a:cs typeface="Tahoma" panose="020B0604030504040204" pitchFamily="34" charset="0"/>
+              </a:rPr>
+              <a:t>heo </a:t>
+            </a:r>
+            <a:r>
+              <a:rPr lang="en-US" sz="2400" smtClean="0">
+                <a:latin typeface="Tahoma" panose="020B0604030504040204" pitchFamily="34" charset="0"/>
+                <a:ea typeface="Tahoma" panose="020B0604030504040204" pitchFamily="34" charset="0"/>
+                <a:cs typeface="Tahoma" panose="020B0604030504040204" pitchFamily="34" charset="0"/>
+              </a:rPr>
+              <a:t>dõi event trên player của người </a:t>
+            </a:r>
+            <a:r>
+              <a:rPr lang="en-US" sz="2400" smtClean="0">
+                <a:latin typeface="Tahoma" panose="020B0604030504040204" pitchFamily="34" charset="0"/>
+                <a:ea typeface="Tahoma" panose="020B0604030504040204" pitchFamily="34" charset="0"/>
+                <a:cs typeface="Tahoma" panose="020B0604030504040204" pitchFamily="34" charset="0"/>
+              </a:rPr>
+              <a:t>dung(plugin/sdk).</a:t>
+            </a:r>
+            <a:endParaRPr lang="en-US" sz="2400" smtClean="0">
+              <a:latin typeface="Tahoma" panose="020B0604030504040204" pitchFamily="34" charset="0"/>
+              <a:ea typeface="Tahoma" panose="020B0604030504040204" pitchFamily="34" charset="0"/>
+              <a:cs typeface="Tahoma" panose="020B0604030504040204" pitchFamily="34" charset="0"/>
+            </a:endParaRPr>
+          </a:p>
+          <a:p>
+            <a:pPr lvl="1"/>
+            <a:r>
+              <a:rPr lang="en-US" sz="2400" smtClean="0">
+                <a:latin typeface="Tahoma" panose="020B0604030504040204" pitchFamily="34" charset="0"/>
+                <a:ea typeface="Tahoma" panose="020B0604030504040204" pitchFamily="34" charset="0"/>
+                <a:cs typeface="Tahoma" panose="020B0604030504040204" pitchFamily="34" charset="0"/>
+              </a:rPr>
+              <a:t>Nodejs server nhận dữ liệu do plugin gửi </a:t>
+            </a:r>
+            <a:r>
+              <a:rPr lang="en-US" sz="2400" smtClean="0">
+                <a:latin typeface="Tahoma" panose="020B0604030504040204" pitchFamily="34" charset="0"/>
+                <a:ea typeface="Tahoma" panose="020B0604030504040204" pitchFamily="34" charset="0"/>
+                <a:cs typeface="Tahoma" panose="020B0604030504040204" pitchFamily="34" charset="0"/>
+              </a:rPr>
+              <a:t>lên.</a:t>
+            </a:r>
+            <a:endParaRPr lang="en-US" sz="2400" smtClean="0">
+              <a:latin typeface="Tahoma" panose="020B0604030504040204" pitchFamily="34" charset="0"/>
+              <a:ea typeface="Tahoma" panose="020B0604030504040204" pitchFamily="34" charset="0"/>
+              <a:cs typeface="Tahoma" panose="020B0604030504040204" pitchFamily="34" charset="0"/>
+            </a:endParaRPr>
+          </a:p>
+          <a:p>
+            <a:r>
+              <a:rPr lang="en-US" sz="2400" smtClean="0">
+                <a:latin typeface="Tahoma" panose="020B0604030504040204" pitchFamily="34" charset="0"/>
+                <a:ea typeface="Tahoma" panose="020B0604030504040204" pitchFamily="34" charset="0"/>
+                <a:cs typeface="Tahoma" panose="020B0604030504040204" pitchFamily="34" charset="0"/>
+              </a:rPr>
+              <a:t>Tích Hợp Vào Các Service Đang Hoạt Động</a:t>
+            </a:r>
+          </a:p>
+          <a:p>
+            <a:pPr lvl="1"/>
+            <a:r>
+              <a:rPr lang="en-US" sz="2400" smtClean="0">
+                <a:latin typeface="Tahoma" panose="020B0604030504040204" pitchFamily="34" charset="0"/>
+                <a:ea typeface="Tahoma" panose="020B0604030504040204" pitchFamily="34" charset="0"/>
+                <a:cs typeface="Tahoma" panose="020B0604030504040204" pitchFamily="34" charset="0"/>
+              </a:rPr>
+              <a:t>Plugin đối với Web App, SDK đối với Mobile App</a:t>
+            </a:r>
+          </a:p>
+          <a:p>
+            <a:r>
+              <a:rPr lang="en-US" sz="2400" smtClean="0">
+                <a:latin typeface="Tahoma" panose="020B0604030504040204" pitchFamily="34" charset="0"/>
+                <a:ea typeface="Tahoma" panose="020B0604030504040204" pitchFamily="34" charset="0"/>
+                <a:cs typeface="Tahoma" panose="020B0604030504040204" pitchFamily="34" charset="0"/>
+              </a:rPr>
+              <a:t>Sử </a:t>
+            </a:r>
+            <a:r>
+              <a:rPr lang="en-US" sz="2400" smtClean="0">
+                <a:latin typeface="Tahoma" panose="020B0604030504040204" pitchFamily="34" charset="0"/>
+                <a:ea typeface="Tahoma" panose="020B0604030504040204" pitchFamily="34" charset="0"/>
+                <a:cs typeface="Tahoma" panose="020B0604030504040204" pitchFamily="34" charset="0"/>
+              </a:rPr>
+              <a:t>Dụng ELK Để Quản Lý, Phân Tích, Visualize…</a:t>
+            </a:r>
+          </a:p>
+          <a:p>
+            <a:pPr lvl="1"/>
+            <a:r>
+              <a:rPr lang="en-US" sz="2400" smtClean="0">
+                <a:latin typeface="Tahoma" panose="020B0604030504040204" pitchFamily="34" charset="0"/>
+                <a:ea typeface="Tahoma" panose="020B0604030504040204" pitchFamily="34" charset="0"/>
+                <a:cs typeface="Tahoma" panose="020B0604030504040204" pitchFamily="34" charset="0"/>
+              </a:rPr>
+              <a:t>Logstash quét các file log tại  Nodejs server, parser dữ liệu</a:t>
+            </a:r>
+          </a:p>
+          <a:p>
+            <a:pPr lvl="1"/>
+            <a:r>
+              <a:rPr lang="en-US" sz="2400" smtClean="0">
+                <a:latin typeface="Tahoma" panose="020B0604030504040204" pitchFamily="34" charset="0"/>
+                <a:ea typeface="Tahoma" panose="020B0604030504040204" pitchFamily="34" charset="0"/>
+                <a:cs typeface="Tahoma" panose="020B0604030504040204" pitchFamily="34" charset="0"/>
+              </a:rPr>
+              <a:t>Elastichsearch nhận dữ liệu từ logstash, index cho nó</a:t>
+            </a:r>
+          </a:p>
+          <a:p>
+            <a:pPr lvl="1"/>
+            <a:r>
+              <a:rPr lang="en-US" sz="2400" smtClean="0">
+                <a:latin typeface="Tahoma" panose="020B0604030504040204" pitchFamily="34" charset="0"/>
+                <a:ea typeface="Tahoma" panose="020B0604030504040204" pitchFamily="34" charset="0"/>
+                <a:cs typeface="Tahoma" panose="020B0604030504040204" pitchFamily="34" charset="0"/>
+              </a:rPr>
+              <a:t>Kibana connect với Elasticsearch để hiện thị dữ liệu và thực hiện các truy vấn </a:t>
+            </a:r>
+          </a:p>
+          <a:p>
+            <a:r>
+              <a:rPr lang="en-US" sz="2400" smtClean="0">
+                <a:latin typeface="Tahoma" panose="020B0604030504040204" pitchFamily="34" charset="0"/>
+                <a:ea typeface="Tahoma" panose="020B0604030504040204" pitchFamily="34" charset="0"/>
+                <a:cs typeface="Tahoma" panose="020B0604030504040204" pitchFamily="34" charset="0"/>
+              </a:rPr>
+              <a:t>Đánh Giá Các </a:t>
+            </a:r>
+            <a:r>
+              <a:rPr lang="en-US" sz="2400" smtClean="0">
+                <a:latin typeface="Tahoma" panose="020B0604030504040204" pitchFamily="34" charset="0"/>
+                <a:ea typeface="Tahoma" panose="020B0604030504040204" pitchFamily="34" charset="0"/>
+                <a:cs typeface="Tahoma" panose="020B0604030504040204" pitchFamily="34" charset="0"/>
+              </a:rPr>
+              <a:t>Video Service</a:t>
+            </a:r>
+            <a:endParaRPr lang="en-US" sz="2400">
+              <a:latin typeface="Tahoma" panose="020B0604030504040204" pitchFamily="34" charset="0"/>
+              <a:ea typeface="Tahoma" panose="020B0604030504040204" pitchFamily="34" charset="0"/>
+              <a:cs typeface="Tahoma" panose="020B0604030504040204" pitchFamily="34" charset="0"/>
+            </a:endParaRPr>
+          </a:p>
+        </p:txBody>
+      </p:sp>
     </p:spTree>
     <p:extLst>
       <p:ext uri="{BB962C8B-B14F-4D97-AF65-F5344CB8AC3E}">
-        <p14:creationId xmlns:p14="http://schemas.microsoft.com/office/powerpoint/2010/main" val="2333678127"/>
+        <p14:creationId xmlns:p14="http://schemas.microsoft.com/office/powerpoint/2010/main" val="1859209731"/>
       </p:ext>
     </p:extLst>
   </p:cSld>
   <p:clrMapOvr>
     <a:masterClrMapping/>
   </p:clrMapOvr>
+  <p:timing>
+    <p:tnLst>
+      <p:par>
+        <p:cTn id="1" dur="indefinite" restart="never" nodeType="tmRoot"/>
+      </p:par>
+    </p:tnLst>
+  </p:timing>
 </p:sld>
 </file>
 
@@ -6320,8 +10315,684 @@
         </p:nvSpPr>
         <p:spPr>
           <a:xfrm>
-            <a:off x="646111" y="452718"/>
-            <a:ext cx="9404723" cy="953001"/>
+            <a:off x="768941" y="111524"/>
+            <a:ext cx="9404723" cy="871115"/>
+          </a:xfrm>
+        </p:spPr>
+        <p:txBody>
+          <a:bodyPr/>
+          <a:lstStyle/>
+          <a:p>
+            <a:r>
+              <a:rPr lang="en-US" sz="2400">
+                <a:solidFill>
+                  <a:srgbClr val="FFFF00"/>
+                </a:solidFill>
+                <a:latin typeface="Tahoma" panose="020B0604030504040204" pitchFamily="34" charset="0"/>
+                <a:ea typeface="Tahoma" panose="020B0604030504040204" pitchFamily="34" charset="0"/>
+                <a:cs typeface="Tahoma" panose="020B0604030504040204" pitchFamily="34" charset="0"/>
+              </a:rPr>
+              <a:t>5. Deploy Hệ Thống</a:t>
+            </a:r>
+          </a:p>
+        </p:txBody>
+      </p:sp>
+      <p:sp>
+        <p:nvSpPr>
+          <p:cNvPr id="3" name="Content Placeholder 2"/>
+          <p:cNvSpPr>
+            <a:spLocks noGrp="1"/>
+          </p:cNvSpPr>
+          <p:nvPr>
+            <p:ph idx="1"/>
+          </p:nvPr>
+        </p:nvSpPr>
+        <p:spPr>
+          <a:xfrm>
+            <a:off x="1103311" y="982640"/>
+            <a:ext cx="9268987" cy="5265760"/>
+          </a:xfrm>
+        </p:spPr>
+        <p:txBody>
+          <a:bodyPr>
+            <a:normAutofit/>
+          </a:bodyPr>
+          <a:lstStyle/>
+          <a:p>
+            <a:r>
+              <a:rPr lang="en-US" sz="2400" smtClean="0">
+                <a:latin typeface="Tahoma" panose="020B0604030504040204" pitchFamily="34" charset="0"/>
+                <a:ea typeface="Tahoma" panose="020B0604030504040204" pitchFamily="34" charset="0"/>
+                <a:cs typeface="Tahoma" panose="020B0604030504040204" pitchFamily="34" charset="0"/>
+              </a:rPr>
+              <a:t>Tích Hợp Vào Wep App</a:t>
+            </a:r>
+          </a:p>
+          <a:p>
+            <a:pPr lvl="1"/>
+            <a:r>
+              <a:rPr lang="en-US" sz="2400" smtClean="0">
+                <a:latin typeface="Tahoma" panose="020B0604030504040204" pitchFamily="34" charset="0"/>
+                <a:ea typeface="Tahoma" panose="020B0604030504040204" pitchFamily="34" charset="0"/>
+                <a:cs typeface="Tahoma" panose="020B0604030504040204" pitchFamily="34" charset="0"/>
+              </a:rPr>
+              <a:t>B1: Nhúng Plugin tracking event vào trình phát videojs của web app</a:t>
+            </a:r>
+          </a:p>
+          <a:p>
+            <a:pPr lvl="1"/>
+            <a:r>
+              <a:rPr lang="en-US" sz="2400" smtClean="0">
+                <a:latin typeface="Tahoma" panose="020B0604030504040204" pitchFamily="34" charset="0"/>
+                <a:ea typeface="Tahoma" panose="020B0604030504040204" pitchFamily="34" charset="0"/>
+                <a:cs typeface="Tahoma" panose="020B0604030504040204" pitchFamily="34" charset="0"/>
+              </a:rPr>
+              <a:t>B2: Cấu hình các tham số cho plugin</a:t>
+            </a:r>
+          </a:p>
+          <a:p>
+            <a:pPr lvl="1"/>
+            <a:r>
+              <a:rPr lang="en-US" sz="2400" smtClean="0">
+                <a:latin typeface="Tahoma" panose="020B0604030504040204" pitchFamily="34" charset="0"/>
+                <a:ea typeface="Tahoma" panose="020B0604030504040204" pitchFamily="34" charset="0"/>
+                <a:cs typeface="Tahoma" panose="020B0604030504040204" pitchFamily="34" charset="0"/>
+              </a:rPr>
+              <a:t>B3: Run Log-event-management server để lắng nghe event từ end-user, kiểm tra và lưu dữ liệu đó vào file nếu hợp lệ</a:t>
+            </a:r>
+          </a:p>
+          <a:p>
+            <a:pPr lvl="1"/>
+            <a:r>
+              <a:rPr lang="en-US" sz="2400" smtClean="0">
+                <a:latin typeface="Tahoma" panose="020B0604030504040204" pitchFamily="34" charset="0"/>
+                <a:ea typeface="Tahoma" panose="020B0604030504040204" pitchFamily="34" charset="0"/>
+                <a:cs typeface="Tahoma" panose="020B0604030504040204" pitchFamily="34" charset="0"/>
+              </a:rPr>
+              <a:t>B4: Cấu hình Logstash để đọc file từ thư mục chứa log tại nodejs server và parser dữ liệu đó theo định dạng mong muấn rồi gửi lên Elasticsearch để lưu trữ và tìm kiếm</a:t>
+            </a:r>
+          </a:p>
+          <a:p>
+            <a:pPr lvl="1"/>
+            <a:r>
+              <a:rPr lang="en-US" sz="2400" smtClean="0">
+                <a:latin typeface="Tahoma" panose="020B0604030504040204" pitchFamily="34" charset="0"/>
+                <a:ea typeface="Tahoma" panose="020B0604030504040204" pitchFamily="34" charset="0"/>
+                <a:cs typeface="Tahoma" panose="020B0604030504040204" pitchFamily="34" charset="0"/>
+              </a:rPr>
+              <a:t>B5: Cấu hình kibana để hiển thị</a:t>
+            </a:r>
+          </a:p>
+          <a:p>
+            <a:endParaRPr lang="en-US" sz="2400">
+              <a:latin typeface="Tahoma" panose="020B0604030504040204" pitchFamily="34" charset="0"/>
+              <a:ea typeface="Tahoma" panose="020B0604030504040204" pitchFamily="34" charset="0"/>
+              <a:cs typeface="Tahoma" panose="020B0604030504040204" pitchFamily="34" charset="0"/>
+            </a:endParaRPr>
+          </a:p>
+        </p:txBody>
+      </p:sp>
+    </p:spTree>
+    <p:extLst>
+      <p:ext uri="{BB962C8B-B14F-4D97-AF65-F5344CB8AC3E}">
+        <p14:creationId xmlns:p14="http://schemas.microsoft.com/office/powerpoint/2010/main" val="1637433462"/>
+      </p:ext>
+    </p:extLst>
+  </p:cSld>
+  <p:clrMapOvr>
+    <a:masterClrMapping/>
+  </p:clrMapOvr>
+  <p:timing>
+    <p:tnLst>
+      <p:par>
+        <p:cTn id="1" dur="indefinite" restart="never" nodeType="tmRoot"/>
+      </p:par>
+    </p:tnLst>
+  </p:timing>
+</p:sld>
+</file>
+
+<file path=ppt/slides/slide12.xml><?xml version="1.0" encoding="utf-8"?>
+<p:sld xmlns:a="http://schemas.openxmlformats.org/drawingml/2006/main" xmlns:r="http://schemas.openxmlformats.org/officeDocument/2006/relationships" xmlns:p="http://schemas.openxmlformats.org/presentationml/2006/main">
+  <p:cSld>
+    <p:spTree>
+      <p:nvGrpSpPr>
+        <p:cNvPr id="1" name=""/>
+        <p:cNvGrpSpPr/>
+        <p:nvPr/>
+      </p:nvGrpSpPr>
+      <p:grpSpPr>
+        <a:xfrm>
+          <a:off x="0" y="0"/>
+          <a:ext cx="0" cy="0"/>
+          <a:chOff x="0" y="0"/>
+          <a:chExt cx="0" cy="0"/>
+        </a:xfrm>
+      </p:grpSpPr>
+      <p:sp>
+        <p:nvSpPr>
+          <p:cNvPr id="2" name="Title 1"/>
+          <p:cNvSpPr>
+            <a:spLocks noGrp="1"/>
+          </p:cNvSpPr>
+          <p:nvPr>
+            <p:ph type="title"/>
+          </p:nvPr>
+        </p:nvSpPr>
+        <p:spPr>
+          <a:xfrm>
+            <a:off x="605169" y="125172"/>
+            <a:ext cx="9753483" cy="775580"/>
+          </a:xfrm>
+        </p:spPr>
+        <p:txBody>
+          <a:bodyPr/>
+          <a:lstStyle/>
+          <a:p>
+            <a:r>
+              <a:rPr lang="en-US">
+                <a:solidFill>
+                  <a:srgbClr val="FFFF00"/>
+                </a:solidFill>
+                <a:latin typeface="Tahoma" panose="020B0604030504040204" pitchFamily="34" charset="0"/>
+                <a:ea typeface="Tahoma" panose="020B0604030504040204" pitchFamily="34" charset="0"/>
+                <a:cs typeface="Tahoma" panose="020B0604030504040204" pitchFamily="34" charset="0"/>
+              </a:rPr>
+              <a:t>5. Deploy Hệ Thống</a:t>
+            </a:r>
+            <a:endParaRPr lang="en-US">
+              <a:latin typeface="Tahoma" panose="020B0604030504040204" pitchFamily="34" charset="0"/>
+              <a:ea typeface="Tahoma" panose="020B0604030504040204" pitchFamily="34" charset="0"/>
+              <a:cs typeface="Tahoma" panose="020B0604030504040204" pitchFamily="34" charset="0"/>
+            </a:endParaRPr>
+          </a:p>
+        </p:txBody>
+      </p:sp>
+      <p:sp>
+        <p:nvSpPr>
+          <p:cNvPr id="5" name="Content Placeholder 4"/>
+          <p:cNvSpPr>
+            <a:spLocks noGrp="1"/>
+          </p:cNvSpPr>
+          <p:nvPr>
+            <p:ph idx="1"/>
+          </p:nvPr>
+        </p:nvSpPr>
+        <p:spPr>
+          <a:xfrm>
+            <a:off x="1103312" y="900752"/>
+            <a:ext cx="9417322" cy="5786651"/>
+          </a:xfrm>
+        </p:spPr>
+        <p:txBody>
+          <a:bodyPr/>
+          <a:lstStyle/>
+          <a:p>
+            <a:r>
+              <a:rPr lang="en-US" smtClean="0">
+                <a:latin typeface="Tahoma" panose="020B0604030504040204" pitchFamily="34" charset="0"/>
+                <a:ea typeface="Tahoma" panose="020B0604030504040204" pitchFamily="34" charset="0"/>
+                <a:cs typeface="Tahoma" panose="020B0604030504040204" pitchFamily="34" charset="0"/>
+              </a:rPr>
+              <a:t>Tích Hợp Vào Wep App</a:t>
+            </a:r>
+            <a:endParaRPr lang="en-US">
+              <a:latin typeface="Tahoma" panose="020B0604030504040204" pitchFamily="34" charset="0"/>
+              <a:ea typeface="Tahoma" panose="020B0604030504040204" pitchFamily="34" charset="0"/>
+              <a:cs typeface="Tahoma" panose="020B0604030504040204" pitchFamily="34" charset="0"/>
+            </a:endParaRPr>
+          </a:p>
+        </p:txBody>
+      </p:sp>
+      <p:pic>
+        <p:nvPicPr>
+          <p:cNvPr id="6" name="Content Placeholder 3"/>
+          <p:cNvPicPr>
+            <a:picLocks noChangeAspect="1"/>
+          </p:cNvPicPr>
+          <p:nvPr/>
+        </p:nvPicPr>
+        <p:blipFill>
+          <a:blip r:embed="rId2">
+            <a:extLst>
+              <a:ext uri="{28A0092B-C50C-407E-A947-70E740481C1C}">
+                <a14:useLocalDpi xmlns:a14="http://schemas.microsoft.com/office/drawing/2010/main" val="0"/>
+              </a:ext>
+            </a:extLst>
+          </a:blip>
+          <a:stretch>
+            <a:fillRect/>
+          </a:stretch>
+        </p:blipFill>
+        <p:spPr>
+          <a:xfrm>
+            <a:off x="1132764" y="1551160"/>
+            <a:ext cx="9387870" cy="5136243"/>
+          </a:xfrm>
+          <a:prstGeom prst="rect">
+            <a:avLst/>
+          </a:prstGeom>
+        </p:spPr>
+      </p:pic>
+    </p:spTree>
+    <p:extLst>
+      <p:ext uri="{BB962C8B-B14F-4D97-AF65-F5344CB8AC3E}">
+        <p14:creationId xmlns:p14="http://schemas.microsoft.com/office/powerpoint/2010/main" val="3891997290"/>
+      </p:ext>
+    </p:extLst>
+  </p:cSld>
+  <p:clrMapOvr>
+    <a:masterClrMapping/>
+  </p:clrMapOvr>
+  <p:timing>
+    <p:tnLst>
+      <p:par>
+        <p:cTn id="1" dur="indefinite" restart="never" nodeType="tmRoot"/>
+      </p:par>
+    </p:tnLst>
+  </p:timing>
+</p:sld>
+</file>
+
+<file path=ppt/slides/slide13.xml><?xml version="1.0" encoding="utf-8"?>
+<p:sld xmlns:a="http://schemas.openxmlformats.org/drawingml/2006/main" xmlns:r="http://schemas.openxmlformats.org/officeDocument/2006/relationships" xmlns:p="http://schemas.openxmlformats.org/presentationml/2006/main">
+  <p:cSld>
+    <p:spTree>
+      <p:nvGrpSpPr>
+        <p:cNvPr id="1" name=""/>
+        <p:cNvGrpSpPr/>
+        <p:nvPr/>
+      </p:nvGrpSpPr>
+      <p:grpSpPr>
+        <a:xfrm>
+          <a:off x="0" y="0"/>
+          <a:ext cx="0" cy="0"/>
+          <a:chOff x="0" y="0"/>
+          <a:chExt cx="0" cy="0"/>
+        </a:xfrm>
+      </p:grpSpPr>
+      <p:sp>
+        <p:nvSpPr>
+          <p:cNvPr id="2" name="Title 1"/>
+          <p:cNvSpPr>
+            <a:spLocks noGrp="1"/>
+          </p:cNvSpPr>
+          <p:nvPr>
+            <p:ph type="title"/>
+          </p:nvPr>
+        </p:nvSpPr>
+        <p:spPr>
+          <a:xfrm>
+            <a:off x="874220" y="97877"/>
+            <a:ext cx="9404723" cy="884763"/>
+          </a:xfrm>
+        </p:spPr>
+        <p:txBody>
+          <a:bodyPr/>
+          <a:lstStyle/>
+          <a:p>
+            <a:r>
+              <a:rPr lang="en-US" sz="2400">
+                <a:solidFill>
+                  <a:srgbClr val="FFFF00"/>
+                </a:solidFill>
+                <a:latin typeface="Tahoma" panose="020B0604030504040204" pitchFamily="34" charset="0"/>
+                <a:ea typeface="Tahoma" panose="020B0604030504040204" pitchFamily="34" charset="0"/>
+                <a:cs typeface="Tahoma" panose="020B0604030504040204" pitchFamily="34" charset="0"/>
+              </a:rPr>
+              <a:t>5. Deploy Hệ Thống</a:t>
+            </a:r>
+            <a:endParaRPr lang="en-US" sz="2400">
+              <a:latin typeface="Tahoma" panose="020B0604030504040204" pitchFamily="34" charset="0"/>
+              <a:ea typeface="Tahoma" panose="020B0604030504040204" pitchFamily="34" charset="0"/>
+              <a:cs typeface="Tahoma" panose="020B0604030504040204" pitchFamily="34" charset="0"/>
+            </a:endParaRPr>
+          </a:p>
+        </p:txBody>
+      </p:sp>
+      <p:sp>
+        <p:nvSpPr>
+          <p:cNvPr id="3" name="Content Placeholder 2"/>
+          <p:cNvSpPr>
+            <a:spLocks noGrp="1"/>
+          </p:cNvSpPr>
+          <p:nvPr>
+            <p:ph idx="1"/>
+          </p:nvPr>
+        </p:nvSpPr>
+        <p:spPr>
+          <a:xfrm>
+            <a:off x="1103312" y="982640"/>
+            <a:ext cx="8946541" cy="5265760"/>
+          </a:xfrm>
+        </p:spPr>
+        <p:txBody>
+          <a:bodyPr>
+            <a:normAutofit/>
+          </a:bodyPr>
+          <a:lstStyle/>
+          <a:p>
+            <a:r>
+              <a:rPr lang="en-US" sz="2400" smtClean="0">
+                <a:latin typeface="Tahoma" panose="020B0604030504040204" pitchFamily="34" charset="0"/>
+                <a:ea typeface="Tahoma" panose="020B0604030504040204" pitchFamily="34" charset="0"/>
+                <a:cs typeface="Tahoma" panose="020B0604030504040204" pitchFamily="34" charset="0"/>
+              </a:rPr>
+              <a:t>Tích Hợp Vào Mobile App</a:t>
+            </a:r>
+          </a:p>
+          <a:p>
+            <a:pPr lvl="1"/>
+            <a:r>
+              <a:rPr lang="en-US" sz="2400" smtClean="0">
+                <a:latin typeface="Tahoma" panose="020B0604030504040204" pitchFamily="34" charset="0"/>
+                <a:ea typeface="Tahoma" panose="020B0604030504040204" pitchFamily="34" charset="0"/>
+                <a:cs typeface="Tahoma" panose="020B0604030504040204" pitchFamily="34" charset="0"/>
+              </a:rPr>
+              <a:t>B1: Viết sdk tích hợp vào trình phát video của mobile app</a:t>
+            </a:r>
+          </a:p>
+          <a:p>
+            <a:pPr lvl="1"/>
+            <a:r>
+              <a:rPr lang="en-US" sz="2400" smtClean="0">
+                <a:latin typeface="Tahoma" panose="020B0604030504040204" pitchFamily="34" charset="0"/>
+                <a:ea typeface="Tahoma" panose="020B0604030504040204" pitchFamily="34" charset="0"/>
+                <a:cs typeface="Tahoma" panose="020B0604030504040204" pitchFamily="34" charset="0"/>
+              </a:rPr>
+              <a:t>B2: Cấu hình môi trường cho sdk</a:t>
+            </a:r>
+          </a:p>
+          <a:p>
+            <a:pPr lvl="1"/>
+            <a:r>
+              <a:rPr lang="en-US" sz="2400" smtClean="0">
+                <a:latin typeface="Tahoma" panose="020B0604030504040204" pitchFamily="34" charset="0"/>
+                <a:ea typeface="Tahoma" panose="020B0604030504040204" pitchFamily="34" charset="0"/>
+                <a:cs typeface="Tahoma" panose="020B0604030504040204" pitchFamily="34" charset="0"/>
+              </a:rPr>
+              <a:t>B3: </a:t>
+            </a:r>
+            <a:r>
+              <a:rPr lang="en-US" sz="2400">
+                <a:latin typeface="Tahoma" panose="020B0604030504040204" pitchFamily="34" charset="0"/>
+                <a:ea typeface="Tahoma" panose="020B0604030504040204" pitchFamily="34" charset="0"/>
+                <a:cs typeface="Tahoma" panose="020B0604030504040204" pitchFamily="34" charset="0"/>
+              </a:rPr>
+              <a:t>Run Log-event-management server để lắng nghe event từ end-user, kiểm tra và lưu dữ liệu đó vào file nếu hợp </a:t>
+            </a:r>
+            <a:r>
+              <a:rPr lang="en-US" sz="2400" smtClean="0">
+                <a:latin typeface="Tahoma" panose="020B0604030504040204" pitchFamily="34" charset="0"/>
+                <a:ea typeface="Tahoma" panose="020B0604030504040204" pitchFamily="34" charset="0"/>
+                <a:cs typeface="Tahoma" panose="020B0604030504040204" pitchFamily="34" charset="0"/>
+              </a:rPr>
+              <a:t>lệ</a:t>
+            </a:r>
+          </a:p>
+          <a:p>
+            <a:pPr lvl="1"/>
+            <a:r>
+              <a:rPr lang="en-US" sz="2400">
+                <a:latin typeface="Tahoma" panose="020B0604030504040204" pitchFamily="34" charset="0"/>
+                <a:ea typeface="Tahoma" panose="020B0604030504040204" pitchFamily="34" charset="0"/>
+                <a:cs typeface="Tahoma" panose="020B0604030504040204" pitchFamily="34" charset="0"/>
+              </a:rPr>
+              <a:t>B4: Cấu hình Logstash để đọc file từ thư mục chứa log tại nodejs server và parser dữ liệu đó theo định dạng mong muấn rồi gửi lên Elasticsearch để lưu trữ và tìm kiếm</a:t>
+            </a:r>
+          </a:p>
+          <a:p>
+            <a:pPr lvl="1"/>
+            <a:r>
+              <a:rPr lang="en-US" sz="2400" smtClean="0">
+                <a:latin typeface="Tahoma" panose="020B0604030504040204" pitchFamily="34" charset="0"/>
+                <a:ea typeface="Tahoma" panose="020B0604030504040204" pitchFamily="34" charset="0"/>
+                <a:cs typeface="Tahoma" panose="020B0604030504040204" pitchFamily="34" charset="0"/>
+              </a:rPr>
+              <a:t>B5: Cấu </a:t>
+            </a:r>
+            <a:r>
+              <a:rPr lang="en-US" sz="2400">
+                <a:latin typeface="Tahoma" panose="020B0604030504040204" pitchFamily="34" charset="0"/>
+                <a:ea typeface="Tahoma" panose="020B0604030504040204" pitchFamily="34" charset="0"/>
+                <a:cs typeface="Tahoma" panose="020B0604030504040204" pitchFamily="34" charset="0"/>
+              </a:rPr>
+              <a:t>hình kibana để hiển thị</a:t>
+            </a:r>
+          </a:p>
+          <a:p>
+            <a:endParaRPr lang="en-US" sz="2400">
+              <a:latin typeface="Tahoma" panose="020B0604030504040204" pitchFamily="34" charset="0"/>
+              <a:ea typeface="Tahoma" panose="020B0604030504040204" pitchFamily="34" charset="0"/>
+              <a:cs typeface="Tahoma" panose="020B0604030504040204" pitchFamily="34" charset="0"/>
+            </a:endParaRPr>
+          </a:p>
+          <a:p>
+            <a:pPr lvl="1"/>
+            <a:endParaRPr lang="en-US" sz="2400" smtClean="0">
+              <a:latin typeface="Tahoma" panose="020B0604030504040204" pitchFamily="34" charset="0"/>
+              <a:ea typeface="Tahoma" panose="020B0604030504040204" pitchFamily="34" charset="0"/>
+              <a:cs typeface="Tahoma" panose="020B0604030504040204" pitchFamily="34" charset="0"/>
+            </a:endParaRPr>
+          </a:p>
+          <a:p>
+            <a:pPr lvl="1"/>
+            <a:endParaRPr lang="en-US" sz="2400" smtClean="0">
+              <a:latin typeface="Tahoma" panose="020B0604030504040204" pitchFamily="34" charset="0"/>
+              <a:ea typeface="Tahoma" panose="020B0604030504040204" pitchFamily="34" charset="0"/>
+              <a:cs typeface="Tahoma" panose="020B0604030504040204" pitchFamily="34" charset="0"/>
+            </a:endParaRPr>
+          </a:p>
+          <a:p>
+            <a:pPr lvl="1"/>
+            <a:endParaRPr lang="en-US" sz="2400">
+              <a:latin typeface="Tahoma" panose="020B0604030504040204" pitchFamily="34" charset="0"/>
+              <a:ea typeface="Tahoma" panose="020B0604030504040204" pitchFamily="34" charset="0"/>
+              <a:cs typeface="Tahoma" panose="020B0604030504040204" pitchFamily="34" charset="0"/>
+            </a:endParaRPr>
+          </a:p>
+          <a:p>
+            <a:endParaRPr lang="en-US" sz="2400">
+              <a:latin typeface="Tahoma" panose="020B0604030504040204" pitchFamily="34" charset="0"/>
+              <a:ea typeface="Tahoma" panose="020B0604030504040204" pitchFamily="34" charset="0"/>
+              <a:cs typeface="Tahoma" panose="020B0604030504040204" pitchFamily="34" charset="0"/>
+            </a:endParaRPr>
+          </a:p>
+        </p:txBody>
+      </p:sp>
+    </p:spTree>
+    <p:extLst>
+      <p:ext uri="{BB962C8B-B14F-4D97-AF65-F5344CB8AC3E}">
+        <p14:creationId xmlns:p14="http://schemas.microsoft.com/office/powerpoint/2010/main" val="1569946191"/>
+      </p:ext>
+    </p:extLst>
+  </p:cSld>
+  <p:clrMapOvr>
+    <a:masterClrMapping/>
+  </p:clrMapOvr>
+  <p:timing>
+    <p:tnLst>
+      <p:par>
+        <p:cTn id="1" dur="indefinite" restart="never" nodeType="tmRoot"/>
+      </p:par>
+    </p:tnLst>
+  </p:timing>
+</p:sld>
+</file>
+
+<file path=ppt/slides/slide14.xml><?xml version="1.0" encoding="utf-8"?>
+<p:sld xmlns:a="http://schemas.openxmlformats.org/drawingml/2006/main" xmlns:r="http://schemas.openxmlformats.org/officeDocument/2006/relationships" xmlns:p="http://schemas.openxmlformats.org/presentationml/2006/main">
+  <p:cSld>
+    <p:spTree>
+      <p:nvGrpSpPr>
+        <p:cNvPr id="1" name=""/>
+        <p:cNvGrpSpPr/>
+        <p:nvPr/>
+      </p:nvGrpSpPr>
+      <p:grpSpPr>
+        <a:xfrm>
+          <a:off x="0" y="0"/>
+          <a:ext cx="0" cy="0"/>
+          <a:chOff x="0" y="0"/>
+          <a:chExt cx="0" cy="0"/>
+        </a:xfrm>
+      </p:grpSpPr>
+      <p:sp>
+        <p:nvSpPr>
+          <p:cNvPr id="2" name="Title 1"/>
+          <p:cNvSpPr>
+            <a:spLocks noGrp="1"/>
+          </p:cNvSpPr>
+          <p:nvPr>
+            <p:ph type="title"/>
+          </p:nvPr>
+        </p:nvSpPr>
+        <p:spPr>
+          <a:xfrm>
+            <a:off x="762859" y="111524"/>
+            <a:ext cx="9404723" cy="857467"/>
+          </a:xfrm>
+        </p:spPr>
+        <p:txBody>
+          <a:bodyPr/>
+          <a:lstStyle/>
+          <a:p>
+            <a:r>
+              <a:rPr lang="en-US">
+                <a:solidFill>
+                  <a:srgbClr val="FFFF00"/>
+                </a:solidFill>
+                <a:latin typeface="Tahoma" panose="020B0604030504040204" pitchFamily="34" charset="0"/>
+                <a:ea typeface="Tahoma" panose="020B0604030504040204" pitchFamily="34" charset="0"/>
+                <a:cs typeface="Tahoma" panose="020B0604030504040204" pitchFamily="34" charset="0"/>
+              </a:rPr>
+              <a:t>5. Deploy Hệ Thống</a:t>
+            </a:r>
+            <a:endParaRPr lang="en-US">
+              <a:latin typeface="Tahoma" panose="020B0604030504040204" pitchFamily="34" charset="0"/>
+              <a:ea typeface="Tahoma" panose="020B0604030504040204" pitchFamily="34" charset="0"/>
+              <a:cs typeface="Tahoma" panose="020B0604030504040204" pitchFamily="34" charset="0"/>
+            </a:endParaRPr>
+          </a:p>
+        </p:txBody>
+      </p:sp>
+      <p:sp>
+        <p:nvSpPr>
+          <p:cNvPr id="3" name="Content Placeholder 2"/>
+          <p:cNvSpPr>
+            <a:spLocks noGrp="1"/>
+          </p:cNvSpPr>
+          <p:nvPr>
+            <p:ph idx="1"/>
+          </p:nvPr>
+        </p:nvSpPr>
+        <p:spPr>
+          <a:xfrm>
+            <a:off x="1103312" y="968992"/>
+            <a:ext cx="8946541" cy="5279408"/>
+          </a:xfrm>
+        </p:spPr>
+        <p:txBody>
+          <a:bodyPr/>
+          <a:lstStyle/>
+          <a:p>
+            <a:r>
+              <a:rPr lang="en-US" smtClean="0">
+                <a:latin typeface="Tahoma" panose="020B0604030504040204" pitchFamily="34" charset="0"/>
+                <a:ea typeface="Tahoma" panose="020B0604030504040204" pitchFamily="34" charset="0"/>
+                <a:cs typeface="Tahoma" panose="020B0604030504040204" pitchFamily="34" charset="0"/>
+              </a:rPr>
+              <a:t>Tích Hợp Vào Mobile App</a:t>
+            </a:r>
+            <a:endParaRPr lang="en-US">
+              <a:latin typeface="Tahoma" panose="020B0604030504040204" pitchFamily="34" charset="0"/>
+              <a:ea typeface="Tahoma" panose="020B0604030504040204" pitchFamily="34" charset="0"/>
+              <a:cs typeface="Tahoma" panose="020B0604030504040204" pitchFamily="34" charset="0"/>
+            </a:endParaRPr>
+          </a:p>
+        </p:txBody>
+      </p:sp>
+      <p:pic>
+        <p:nvPicPr>
+          <p:cNvPr id="5" name="Content Placeholder 3"/>
+          <p:cNvPicPr>
+            <a:picLocks noChangeAspect="1"/>
+          </p:cNvPicPr>
+          <p:nvPr/>
+        </p:nvPicPr>
+        <p:blipFill>
+          <a:blip r:embed="rId2">
+            <a:extLst>
+              <a:ext uri="{28A0092B-C50C-407E-A947-70E740481C1C}">
+                <a14:useLocalDpi xmlns:a14="http://schemas.microsoft.com/office/drawing/2010/main" val="0"/>
+              </a:ext>
+            </a:extLst>
+          </a:blip>
+          <a:stretch>
+            <a:fillRect/>
+          </a:stretch>
+        </p:blipFill>
+        <p:spPr>
+          <a:xfrm>
+            <a:off x="1181356" y="1430787"/>
+            <a:ext cx="8927361" cy="5038252"/>
+          </a:xfrm>
+          <a:prstGeom prst="rect">
+            <a:avLst/>
+          </a:prstGeom>
+        </p:spPr>
+      </p:pic>
+    </p:spTree>
+    <p:extLst>
+      <p:ext uri="{BB962C8B-B14F-4D97-AF65-F5344CB8AC3E}">
+        <p14:creationId xmlns:p14="http://schemas.microsoft.com/office/powerpoint/2010/main" val="2333678127"/>
+      </p:ext>
+    </p:extLst>
+  </p:cSld>
+  <p:clrMapOvr>
+    <a:masterClrMapping/>
+  </p:clrMapOvr>
+  <p:timing>
+    <p:tnLst>
+      <p:par>
+        <p:cTn id="1" dur="indefinite" restart="never" nodeType="tmRoot"/>
+      </p:par>
+    </p:tnLst>
+  </p:timing>
+</p:sld>
+</file>
+
+<file path=ppt/slides/slide15.xml><?xml version="1.0" encoding="utf-8"?>
+<p:sld xmlns:a="http://schemas.openxmlformats.org/drawingml/2006/main" xmlns:r="http://schemas.openxmlformats.org/officeDocument/2006/relationships" xmlns:p="http://schemas.openxmlformats.org/presentationml/2006/main">
+  <p:cSld>
+    <p:spTree>
+      <p:nvGrpSpPr>
+        <p:cNvPr id="1" name=""/>
+        <p:cNvGrpSpPr/>
+        <p:nvPr/>
+      </p:nvGrpSpPr>
+      <p:grpSpPr>
+        <a:xfrm>
+          <a:off x="0" y="0"/>
+          <a:ext cx="0" cy="0"/>
+          <a:chOff x="0" y="0"/>
+          <a:chExt cx="0" cy="0"/>
+        </a:xfrm>
+      </p:grpSpPr>
+      <p:sp>
+        <p:nvSpPr>
+          <p:cNvPr id="2" name="Title 1"/>
+          <p:cNvSpPr>
+            <a:spLocks noGrp="1"/>
+          </p:cNvSpPr>
+          <p:nvPr>
+            <p:ph type="title"/>
+          </p:nvPr>
+        </p:nvSpPr>
+        <p:spPr>
+          <a:xfrm>
+            <a:off x="645130" y="138820"/>
+            <a:ext cx="9404723" cy="816523"/>
           </a:xfrm>
         </p:spPr>
         <p:txBody>
@@ -6333,13 +11004,19 @@
                 <a:solidFill>
                   <a:srgbClr val="FFFF00"/>
                 </a:solidFill>
+                <a:latin typeface="Tahoma" panose="020B0604030504040204" pitchFamily="34" charset="0"/>
+                <a:ea typeface="Tahoma" panose="020B0604030504040204" pitchFamily="34" charset="0"/>
+                <a:cs typeface="Tahoma" panose="020B0604030504040204" pitchFamily="34" charset="0"/>
               </a:rPr>
-              <a:t>6. Deploy Hệ Thống</a:t>
+              <a:t>6. Một Số Issues</a:t>
             </a:r>
             <a:endParaRPr lang="en-US">
               <a:solidFill>
                 <a:srgbClr val="FFFF00"/>
               </a:solidFill>
+              <a:latin typeface="Tahoma" panose="020B0604030504040204" pitchFamily="34" charset="0"/>
+              <a:ea typeface="Tahoma" panose="020B0604030504040204" pitchFamily="34" charset="0"/>
+              <a:cs typeface="Tahoma" panose="020B0604030504040204" pitchFamily="34" charset="0"/>
             </a:endParaRPr>
           </a:p>
         </p:txBody>
@@ -6356,8 +11033,8 @@
         </p:nvSpPr>
         <p:spPr>
           <a:xfrm>
-            <a:off x="1103312" y="1405720"/>
-            <a:ext cx="8946541" cy="4842680"/>
+            <a:off x="1103312" y="955343"/>
+            <a:ext cx="8946541" cy="5293057"/>
           </a:xfrm>
         </p:spPr>
         <p:txBody>
@@ -6365,35 +11042,88 @@
           <a:lstStyle/>
           <a:p>
             <a:r>
-              <a:rPr lang="en-US" smtClean="0"/>
-              <a:t>Xây Dựng: Log Event Managements</a:t>
-            </a:r>
-          </a:p>
-          <a:p>
-            <a:r>
-              <a:rPr lang="en-US" smtClean="0"/>
-              <a:t>Tích Hợp Vào Các Service Đang Hoạt Động</a:t>
-            </a:r>
-          </a:p>
-          <a:p>
-            <a:r>
-              <a:rPr lang="en-US" smtClean="0"/>
-              <a:t>SỬ Dụng ELK Để Quản Lý, Phân Tích, Visualize…</a:t>
-            </a:r>
-          </a:p>
-          <a:p>
-            <a:r>
-              <a:rPr lang="en-US" smtClean="0"/>
-              <a:t>Đánh Giá Các Service</a:t>
-            </a:r>
-            <a:endParaRPr lang="en-US"/>
+              <a:rPr lang="en-US" sz="2400" smtClean="0">
+                <a:latin typeface="Tahoma" panose="020B0604030504040204" pitchFamily="34" charset="0"/>
+                <a:ea typeface="Tahoma" panose="020B0604030504040204" pitchFamily="34" charset="0"/>
+                <a:cs typeface="Tahoma" panose="020B0604030504040204" pitchFamily="34" charset="0"/>
+              </a:rPr>
+              <a:t>Vấn đề </a:t>
+            </a:r>
+            <a:r>
+              <a:rPr lang="en-US" sz="2400" smtClean="0">
+                <a:latin typeface="Tahoma" panose="020B0604030504040204" pitchFamily="34" charset="0"/>
+                <a:ea typeface="Tahoma" panose="020B0604030504040204" pitchFamily="34" charset="0"/>
+                <a:cs typeface="Tahoma" panose="020B0604030504040204" pitchFamily="34" charset="0"/>
+              </a:rPr>
+              <a:t>Authenication client</a:t>
+            </a:r>
+            <a:endParaRPr lang="en-US" sz="2400" smtClean="0">
+              <a:latin typeface="Tahoma" panose="020B0604030504040204" pitchFamily="34" charset="0"/>
+              <a:ea typeface="Tahoma" panose="020B0604030504040204" pitchFamily="34" charset="0"/>
+              <a:cs typeface="Tahoma" panose="020B0604030504040204" pitchFamily="34" charset="0"/>
+            </a:endParaRPr>
+          </a:p>
+          <a:p>
+            <a:r>
+              <a:rPr lang="en-US" sz="2400" smtClean="0">
+                <a:latin typeface="Tahoma" panose="020B0604030504040204" pitchFamily="34" charset="0"/>
+                <a:ea typeface="Tahoma" panose="020B0604030504040204" pitchFamily="34" charset="0"/>
+                <a:cs typeface="Tahoma" panose="020B0604030504040204" pitchFamily="34" charset="0"/>
+              </a:rPr>
+              <a:t>Vấn Đề Chống Spam Lên Log Mansgement </a:t>
+            </a:r>
+            <a:r>
+              <a:rPr lang="en-US" sz="2400" smtClean="0">
+                <a:latin typeface="Tahoma" panose="020B0604030504040204" pitchFamily="34" charset="0"/>
+                <a:ea typeface="Tahoma" panose="020B0604030504040204" pitchFamily="34" charset="0"/>
+                <a:cs typeface="Tahoma" panose="020B0604030504040204" pitchFamily="34" charset="0"/>
+              </a:rPr>
+              <a:t>Server</a:t>
+            </a:r>
+          </a:p>
+          <a:p>
+            <a:r>
+              <a:rPr lang="en-US" sz="2400" smtClean="0">
+                <a:latin typeface="Tahoma" panose="020B0604030504040204" pitchFamily="34" charset="0"/>
+                <a:ea typeface="Tahoma" panose="020B0604030504040204" pitchFamily="34" charset="0"/>
+                <a:cs typeface="Tahoma" panose="020B0604030504040204" pitchFamily="34" charset="0"/>
+              </a:rPr>
+              <a:t>Vấn Đề Lưu Trữ Log Event Vào File</a:t>
+            </a:r>
+          </a:p>
+          <a:p>
+            <a:r>
+              <a:rPr lang="en-US" sz="2400" smtClean="0">
+                <a:latin typeface="Tahoma" panose="020B0604030504040204" pitchFamily="34" charset="0"/>
+                <a:ea typeface="Tahoma" panose="020B0604030504040204" pitchFamily="34" charset="0"/>
+                <a:cs typeface="Tahoma" panose="020B0604030504040204" pitchFamily="34" charset="0"/>
+              </a:rPr>
+              <a:t>ELK Tiêu Tốn Tài Nguyên Rất Lớn</a:t>
+            </a:r>
+          </a:p>
+          <a:p>
+            <a:r>
+              <a:rPr lang="en-US" sz="2400" smtClean="0">
+                <a:latin typeface="Tahoma" panose="020B0604030504040204" pitchFamily="34" charset="0"/>
+                <a:ea typeface="Tahoma" panose="020B0604030504040204" pitchFamily="34" charset="0"/>
+                <a:cs typeface="Tahoma" panose="020B0604030504040204" pitchFamily="34" charset="0"/>
+              </a:rPr>
+              <a:t>Phân Tích Thói Quen Xem Video Của Người Dùng Sử Dụng Log Event Đã Thu Được</a:t>
+            </a:r>
+          </a:p>
+          <a:p>
+            <a:endParaRPr lang="en-US" smtClean="0">
+              <a:latin typeface="Tahoma" panose="020B0604030504040204" pitchFamily="34" charset="0"/>
+              <a:ea typeface="Tahoma" panose="020B0604030504040204" pitchFamily="34" charset="0"/>
+              <a:cs typeface="Tahoma" panose="020B0604030504040204" pitchFamily="34" charset="0"/>
+            </a:endParaRPr>
           </a:p>
         </p:txBody>
       </p:sp>
     </p:spTree>
     <p:extLst>
       <p:ext uri="{BB962C8B-B14F-4D97-AF65-F5344CB8AC3E}">
-        <p14:creationId xmlns:p14="http://schemas.microsoft.com/office/powerpoint/2010/main" val="1859209731"/>
+        <p14:creationId xmlns:p14="http://schemas.microsoft.com/office/powerpoint/2010/main" val="376663757"/>
       </p:ext>
     </p:extLst>
   </p:cSld>
@@ -6452,6 +11182,9 @@
                 <a:solidFill>
                   <a:schemeClr val="tx1"/>
                 </a:solidFill>
+                <a:latin typeface="Tahoma" panose="020B0604030504040204" pitchFamily="34" charset="0"/>
+                <a:ea typeface="Tahoma" panose="020B0604030504040204" pitchFamily="34" charset="0"/>
+                <a:cs typeface="Tahoma" panose="020B0604030504040204" pitchFamily="34" charset="0"/>
               </a:rPr>
               <a:t>Nội Dung</a:t>
             </a:r>
@@ -6459,6 +11192,9 @@
               <a:solidFill>
                 <a:schemeClr val="tx1"/>
               </a:solidFill>
+              <a:latin typeface="Tahoma" panose="020B0604030504040204" pitchFamily="34" charset="0"/>
+              <a:ea typeface="Tahoma" panose="020B0604030504040204" pitchFamily="34" charset="0"/>
+              <a:cs typeface="Tahoma" panose="020B0604030504040204" pitchFamily="34" charset="0"/>
             </a:endParaRPr>
           </a:p>
         </p:txBody>
@@ -6484,72 +11220,102 @@
           <a:lstStyle/>
           <a:p>
             <a:r>
-              <a:rPr lang="en-US" smtClean="0">
+              <a:rPr lang="en-US" sz="2800" smtClean="0">
                 <a:solidFill>
                   <a:srgbClr val="FFFF00"/>
                 </a:solidFill>
+                <a:latin typeface="Tahoma" panose="020B0604030504040204" pitchFamily="34" charset="0"/>
+                <a:ea typeface="Tahoma" panose="020B0604030504040204" pitchFamily="34" charset="0"/>
+                <a:cs typeface="Tahoma" panose="020B0604030504040204" pitchFamily="34" charset="0"/>
               </a:rPr>
               <a:t>1. Bài Toán KPI Video</a:t>
             </a:r>
           </a:p>
           <a:p>
             <a:r>
-              <a:rPr lang="en-US" smtClean="0">
+              <a:rPr lang="en-US" sz="2800" smtClean="0">
                 <a:solidFill>
                   <a:srgbClr val="FFFF00"/>
                 </a:solidFill>
+                <a:latin typeface="Tahoma" panose="020B0604030504040204" pitchFamily="34" charset="0"/>
+                <a:ea typeface="Tahoma" panose="020B0604030504040204" pitchFamily="34" charset="0"/>
+                <a:cs typeface="Tahoma" panose="020B0604030504040204" pitchFamily="34" charset="0"/>
               </a:rPr>
-              <a:t>2. Phương Hướng Giải Quyết</a:t>
-            </a:r>
-          </a:p>
-          <a:p>
-            <a:r>
-              <a:rPr lang="en-US" smtClean="0">
+              <a:t>2. Hướng Giải Quyết</a:t>
+            </a:r>
+          </a:p>
+          <a:p>
+            <a:r>
+              <a:rPr lang="en-US" sz="2800" smtClean="0">
                 <a:solidFill>
                   <a:srgbClr val="FFFF00"/>
                 </a:solidFill>
+                <a:latin typeface="Tahoma" panose="020B0604030504040204" pitchFamily="34" charset="0"/>
+                <a:ea typeface="Tahoma" panose="020B0604030504040204" pitchFamily="34" charset="0"/>
+                <a:cs typeface="Tahoma" panose="020B0604030504040204" pitchFamily="34" charset="0"/>
               </a:rPr>
               <a:t>3. Log Event Managements</a:t>
             </a:r>
           </a:p>
           <a:p>
             <a:r>
-              <a:rPr lang="en-US" smtClean="0">
+              <a:rPr lang="en-US" sz="2800" smtClean="0">
                 <a:solidFill>
                   <a:srgbClr val="FFFF00"/>
                 </a:solidFill>
+                <a:latin typeface="Tahoma" panose="020B0604030504040204" pitchFamily="34" charset="0"/>
+                <a:ea typeface="Tahoma" panose="020B0604030504040204" pitchFamily="34" charset="0"/>
+                <a:cs typeface="Tahoma" panose="020B0604030504040204" pitchFamily="34" charset="0"/>
               </a:rPr>
               <a:t>4. ELK(Elasticsearch + Logstash + Kibana)</a:t>
             </a:r>
           </a:p>
           <a:p>
             <a:r>
-              <a:rPr lang="en-US" smtClean="0">
+              <a:rPr lang="en-US" sz="2800">
                 <a:solidFill>
                   <a:srgbClr val="FFFF00"/>
                 </a:solidFill>
+                <a:latin typeface="Tahoma" panose="020B0604030504040204" pitchFamily="34" charset="0"/>
+                <a:ea typeface="Tahoma" panose="020B0604030504040204" pitchFamily="34" charset="0"/>
+                <a:cs typeface="Tahoma" panose="020B0604030504040204" pitchFamily="34" charset="0"/>
               </a:rPr>
-              <a:t>5. Xây Dựng Hệ Thống</a:t>
-            </a:r>
-          </a:p>
-          <a:p>
-            <a:r>
-              <a:rPr lang="en-US" smtClean="0">
+              <a:t>5</a:t>
+            </a:r>
+            <a:r>
+              <a:rPr lang="en-US" sz="2800" smtClean="0">
                 <a:solidFill>
                   <a:srgbClr val="FFFF00"/>
                 </a:solidFill>
+                <a:latin typeface="Tahoma" panose="020B0604030504040204" pitchFamily="34" charset="0"/>
+                <a:ea typeface="Tahoma" panose="020B0604030504040204" pitchFamily="34" charset="0"/>
+                <a:cs typeface="Tahoma" panose="020B0604030504040204" pitchFamily="34" charset="0"/>
               </a:rPr>
-              <a:t>6. Deploy Hệ Thống</a:t>
-            </a:r>
-          </a:p>
-          <a:p>
-            <a:r>
-              <a:rPr lang="en-US" smtClean="0">
+              <a:t>. Deploy Hệ Thống</a:t>
+            </a:r>
+          </a:p>
+          <a:p>
+            <a:r>
+              <a:rPr lang="en-US" sz="2800">
                 <a:solidFill>
                   <a:srgbClr val="FFFF00"/>
                 </a:solidFill>
+                <a:latin typeface="Tahoma" panose="020B0604030504040204" pitchFamily="34" charset="0"/>
+                <a:ea typeface="Tahoma" panose="020B0604030504040204" pitchFamily="34" charset="0"/>
+                <a:cs typeface="Tahoma" panose="020B0604030504040204" pitchFamily="34" charset="0"/>
               </a:rPr>
-              <a:t>7. Một Số Issues Gặp Phải</a:t>
+              <a:t>6</a:t>
+            </a:r>
+            <a:r>
+              <a:rPr lang="en-US" sz="2800" smtClean="0">
+                <a:solidFill>
+                  <a:srgbClr val="FFFF00"/>
+                </a:solidFill>
+                <a:latin typeface="Tahoma" panose="020B0604030504040204" pitchFamily="34" charset="0"/>
+                <a:ea typeface="Tahoma" panose="020B0604030504040204" pitchFamily="34" charset="0"/>
+                <a:cs typeface="Tahoma" panose="020B0604030504040204" pitchFamily="34" charset="0"/>
+              </a:rPr>
+              <a:t>. Một Số Issues</a:t>
             </a:r>
           </a:p>
           <a:p>
@@ -6557,6 +11323,9 @@
               <a:solidFill>
                 <a:srgbClr val="FFFF00"/>
               </a:solidFill>
+              <a:latin typeface="Tahoma" panose="020B0604030504040204" pitchFamily="34" charset="0"/>
+              <a:ea typeface="Tahoma" panose="020B0604030504040204" pitchFamily="34" charset="0"/>
+              <a:cs typeface="Tahoma" panose="020B0604030504040204" pitchFamily="34" charset="0"/>
             </a:endParaRPr>
           </a:p>
         </p:txBody>
@@ -6571,6 +11340,13 @@
   <p:clrMapOvr>
     <a:masterClrMapping/>
   </p:clrMapOvr>
+  <p:timing>
+    <p:tnLst>
+      <p:par>
+        <p:cTn id="1" dur="indefinite" restart="never" nodeType="tmRoot"/>
+      </p:par>
+    </p:tnLst>
+  </p:timing>
 </p:sld>
 </file>
 
@@ -6603,7 +11379,7 @@
         </p:nvSpPr>
         <p:spPr>
           <a:xfrm>
-            <a:off x="646111" y="452718"/>
+            <a:off x="874220" y="111524"/>
             <a:ext cx="9404723" cy="939354"/>
           </a:xfrm>
         </p:spPr>
@@ -6616,6 +11392,9 @@
                 <a:solidFill>
                   <a:srgbClr val="FFFF00"/>
                 </a:solidFill>
+                <a:latin typeface="Tahoma" panose="020B0604030504040204" pitchFamily="34" charset="0"/>
+                <a:ea typeface="Tahoma" panose="020B0604030504040204" pitchFamily="34" charset="0"/>
+                <a:cs typeface="Tahoma" panose="020B0604030504040204" pitchFamily="34" charset="0"/>
               </a:rPr>
               <a:t>1. Bài Toán</a:t>
             </a:r>
@@ -6623,6 +11402,9 @@
               <a:solidFill>
                 <a:srgbClr val="FFFF00"/>
               </a:solidFill>
+              <a:latin typeface="Tahoma" panose="020B0604030504040204" pitchFamily="34" charset="0"/>
+              <a:ea typeface="Tahoma" panose="020B0604030504040204" pitchFamily="34" charset="0"/>
+              <a:cs typeface="Tahoma" panose="020B0604030504040204" pitchFamily="34" charset="0"/>
             </a:endParaRPr>
           </a:p>
         </p:txBody>
@@ -6639,25 +11421,81 @@
         </p:nvSpPr>
         <p:spPr>
           <a:xfrm>
-            <a:off x="1103312" y="1487606"/>
-            <a:ext cx="8946541" cy="4760793"/>
+            <a:off x="1103310" y="1050878"/>
+            <a:ext cx="8946541" cy="5186149"/>
           </a:xfrm>
         </p:spPr>
         <p:txBody>
-          <a:bodyPr/>
+          <a:bodyPr>
+            <a:normAutofit/>
+          </a:bodyPr>
           <a:lstStyle/>
           <a:p>
             <a:r>
-              <a:rPr lang="en-US" smtClean="0"/>
-              <a:t>Cần đánh giá chất lượng </a:t>
-            </a:r>
-          </a:p>
-          <a:p>
-            <a:r>
-              <a:rPr lang="en-US" smtClean="0"/>
-              <a:t>Cần đánh giá trải nghiệm của người dùng</a:t>
-            </a:r>
-            <a:endParaRPr lang="en-US"/>
+              <a:rPr lang="en-US" sz="2400" smtClean="0">
+                <a:latin typeface="Tahoma" panose="020B0604030504040204" pitchFamily="34" charset="0"/>
+                <a:ea typeface="Tahoma" panose="020B0604030504040204" pitchFamily="34" charset="0"/>
+                <a:cs typeface="Tahoma" panose="020B0604030504040204" pitchFamily="34" charset="0"/>
+              </a:rPr>
+              <a:t>Mục Đích:</a:t>
+            </a:r>
+          </a:p>
+          <a:p>
+            <a:pPr lvl="1"/>
+            <a:r>
+              <a:rPr lang="en-US" sz="2400">
+                <a:latin typeface="Tahoma" panose="020B0604030504040204" pitchFamily="34" charset="0"/>
+                <a:ea typeface="Tahoma" panose="020B0604030504040204" pitchFamily="34" charset="0"/>
+                <a:cs typeface="Tahoma" panose="020B0604030504040204" pitchFamily="34" charset="0"/>
+              </a:rPr>
+              <a:t>Cần đánh giá chất lượng video do bên thứ 3 cung </a:t>
+            </a:r>
+            <a:r>
+              <a:rPr lang="en-US" sz="2400" smtClean="0">
+                <a:latin typeface="Tahoma" panose="020B0604030504040204" pitchFamily="34" charset="0"/>
+                <a:ea typeface="Tahoma" panose="020B0604030504040204" pitchFamily="34" charset="0"/>
+                <a:cs typeface="Tahoma" panose="020B0604030504040204" pitchFamily="34" charset="0"/>
+              </a:rPr>
+              <a:t>cấp</a:t>
+            </a:r>
+          </a:p>
+          <a:p>
+            <a:pPr lvl="1"/>
+            <a:r>
+              <a:rPr lang="en-US" sz="2400" smtClean="0">
+                <a:latin typeface="Tahoma" panose="020B0604030504040204" pitchFamily="34" charset="0"/>
+                <a:ea typeface="Tahoma" panose="020B0604030504040204" pitchFamily="34" charset="0"/>
+                <a:cs typeface="Tahoma" panose="020B0604030504040204" pitchFamily="34" charset="0"/>
+              </a:rPr>
+              <a:t>Cần đánh giá trải nghiệm của người dung đối với hệ thống</a:t>
+            </a:r>
+          </a:p>
+          <a:p>
+            <a:pPr lvl="1"/>
+            <a:r>
+              <a:rPr lang="en-US" sz="2400" smtClean="0">
+                <a:latin typeface="Tahoma" panose="020B0604030504040204" pitchFamily="34" charset="0"/>
+                <a:ea typeface="Tahoma" panose="020B0604030504040204" pitchFamily="34" charset="0"/>
+                <a:cs typeface="Tahoma" panose="020B0604030504040204" pitchFamily="34" charset="0"/>
+              </a:rPr>
+              <a:t>Tìm hiểu thói quen xem video của người dung</a:t>
+            </a:r>
+          </a:p>
+          <a:p>
+            <a:pPr lvl="1"/>
+            <a:r>
+              <a:rPr lang="en-US" sz="2400" smtClean="0">
+                <a:latin typeface="Tahoma" panose="020B0604030504040204" pitchFamily="34" charset="0"/>
+                <a:ea typeface="Tahoma" panose="020B0604030504040204" pitchFamily="34" charset="0"/>
+                <a:cs typeface="Tahoma" panose="020B0604030504040204" pitchFamily="34" charset="0"/>
+              </a:rPr>
+              <a:t>Cần tối ưu nội dung, chất lượng video cung cấp cho người dung một các hợp lý nhất</a:t>
+            </a:r>
+            <a:endParaRPr lang="en-US" sz="2400">
+              <a:latin typeface="Tahoma" panose="020B0604030504040204" pitchFamily="34" charset="0"/>
+              <a:ea typeface="Tahoma" panose="020B0604030504040204" pitchFamily="34" charset="0"/>
+              <a:cs typeface="Tahoma" panose="020B0604030504040204" pitchFamily="34" charset="0"/>
+            </a:endParaRPr>
           </a:p>
         </p:txBody>
       </p:sp>
@@ -6671,6 +11509,13 @@
   <p:clrMapOvr>
     <a:masterClrMapping/>
   </p:clrMapOvr>
+  <p:timing>
+    <p:tnLst>
+      <p:par>
+        <p:cTn id="1" dur="indefinite" restart="never" nodeType="tmRoot"/>
+      </p:par>
+    </p:tnLst>
+  </p:timing>
 </p:sld>
 </file>
 
@@ -6704,7 +11549,7 @@
         <p:spPr>
           <a:xfrm>
             <a:off x="646111" y="452718"/>
-            <a:ext cx="9404723" cy="980297"/>
+            <a:ext cx="9404723" cy="816524"/>
           </a:xfrm>
         </p:spPr>
         <p:txBody>
@@ -6712,17 +11557,20 @@
           <a:lstStyle/>
           <a:p>
             <a:r>
-              <a:rPr lang="en-US" smtClean="0">
+              <a:rPr lang="en-US">
                 <a:solidFill>
                   <a:srgbClr val="FFFF00"/>
                 </a:solidFill>
+                <a:latin typeface="Tahoma" panose="020B0604030504040204" pitchFamily="34" charset="0"/>
+                <a:ea typeface="Tahoma" panose="020B0604030504040204" pitchFamily="34" charset="0"/>
+                <a:cs typeface="Tahoma" panose="020B0604030504040204" pitchFamily="34" charset="0"/>
               </a:rPr>
-              <a:t>2. Phương Hướng Giải Quyết</a:t>
+              <a:t>1. Bài Toán</a:t>
             </a:r>
             <a:endParaRPr lang="en-US">
-              <a:solidFill>
-                <a:srgbClr val="FFFF00"/>
-              </a:solidFill>
+              <a:latin typeface="Tahoma" panose="020B0604030504040204" pitchFamily="34" charset="0"/>
+              <a:ea typeface="Tahoma" panose="020B0604030504040204" pitchFamily="34" charset="0"/>
+              <a:cs typeface="Tahoma" panose="020B0604030504040204" pitchFamily="34" charset="0"/>
             </a:endParaRPr>
           </a:p>
         </p:txBody>
@@ -6739,28 +11587,119 @@
         </p:nvSpPr>
         <p:spPr>
           <a:xfrm>
-            <a:off x="1103312" y="1433016"/>
-            <a:ext cx="8946541" cy="4815384"/>
+            <a:off x="1103312" y="1269242"/>
+            <a:ext cx="9187100" cy="5186149"/>
           </a:xfrm>
         </p:spPr>
         <p:txBody>
-          <a:bodyPr/>
+          <a:bodyPr>
+            <a:normAutofit/>
+          </a:bodyPr>
           <a:lstStyle/>
           <a:p>
-            <a:endParaRPr lang="en-US"/>
+            <a:r>
+              <a:rPr lang="en-US" sz="2400" smtClean="0">
+                <a:latin typeface="Tahoma" panose="020B0604030504040204" pitchFamily="34" charset="0"/>
+                <a:ea typeface="Tahoma" panose="020B0604030504040204" pitchFamily="34" charset="0"/>
+                <a:cs typeface="Tahoma" panose="020B0604030504040204" pitchFamily="34" charset="0"/>
+              </a:rPr>
+              <a:t>Những Thông Số Cần Theo Dõi:</a:t>
+            </a:r>
+          </a:p>
+          <a:p>
+            <a:pPr lvl="1"/>
+            <a:r>
+              <a:rPr lang="en-US" sz="2400" smtClean="0">
+                <a:latin typeface="Tahoma" panose="020B0604030504040204" pitchFamily="34" charset="0"/>
+                <a:ea typeface="Tahoma" panose="020B0604030504040204" pitchFamily="34" charset="0"/>
+                <a:cs typeface="Tahoma" panose="020B0604030504040204" pitchFamily="34" charset="0"/>
+              </a:rPr>
+              <a:t>Bitrate</a:t>
+            </a:r>
+          </a:p>
+          <a:p>
+            <a:pPr lvl="1"/>
+            <a:r>
+              <a:rPr lang="en-US" sz="2400" smtClean="0">
+                <a:latin typeface="Tahoma" panose="020B0604030504040204" pitchFamily="34" charset="0"/>
+                <a:ea typeface="Tahoma" panose="020B0604030504040204" pitchFamily="34" charset="0"/>
+                <a:cs typeface="Tahoma" panose="020B0604030504040204" pitchFamily="34" charset="0"/>
+              </a:rPr>
+              <a:t>Buffer Fill</a:t>
+            </a:r>
+          </a:p>
+          <a:p>
+            <a:pPr lvl="1"/>
+            <a:r>
+              <a:rPr lang="en-US" sz="2400" smtClean="0">
+                <a:latin typeface="Tahoma" panose="020B0604030504040204" pitchFamily="34" charset="0"/>
+                <a:ea typeface="Tahoma" panose="020B0604030504040204" pitchFamily="34" charset="0"/>
+                <a:cs typeface="Tahoma" panose="020B0604030504040204" pitchFamily="34" charset="0"/>
+              </a:rPr>
+              <a:t>Buffer Lag</a:t>
+            </a:r>
+          </a:p>
+          <a:p>
+            <a:pPr lvl="1"/>
+            <a:r>
+              <a:rPr lang="en-US" sz="2400" smtClean="0">
+                <a:latin typeface="Tahoma" panose="020B0604030504040204" pitchFamily="34" charset="0"/>
+                <a:ea typeface="Tahoma" panose="020B0604030504040204" pitchFamily="34" charset="0"/>
+                <a:cs typeface="Tahoma" panose="020B0604030504040204" pitchFamily="34" charset="0"/>
+              </a:rPr>
+              <a:t>Watched Time</a:t>
+            </a:r>
+          </a:p>
+          <a:p>
+            <a:pPr lvl="1"/>
+            <a:r>
+              <a:rPr lang="en-US" sz="2400" smtClean="0">
+                <a:latin typeface="Tahoma" panose="020B0604030504040204" pitchFamily="34" charset="0"/>
+                <a:ea typeface="Tahoma" panose="020B0604030504040204" pitchFamily="34" charset="0"/>
+                <a:cs typeface="Tahoma" panose="020B0604030504040204" pitchFamily="34" charset="0"/>
+              </a:rPr>
+              <a:t>Errors</a:t>
+            </a:r>
+            <a:endParaRPr lang="en-US" sz="2400">
+              <a:latin typeface="Tahoma" panose="020B0604030504040204" pitchFamily="34" charset="0"/>
+              <a:ea typeface="Tahoma" panose="020B0604030504040204" pitchFamily="34" charset="0"/>
+              <a:cs typeface="Tahoma" panose="020B0604030504040204" pitchFamily="34" charset="0"/>
+            </a:endParaRPr>
+          </a:p>
+          <a:p>
+            <a:r>
+              <a:rPr lang="en-US" sz="2400" smtClean="0">
+                <a:latin typeface="Tahoma" panose="020B0604030504040204" pitchFamily="34" charset="0"/>
+                <a:ea typeface="Tahoma" panose="020B0604030504040204" pitchFamily="34" charset="0"/>
+                <a:cs typeface="Tahoma" panose="020B0604030504040204" pitchFamily="34" charset="0"/>
+              </a:rPr>
+              <a:t>Một Số Event Của Player:</a:t>
+            </a:r>
+            <a:endParaRPr lang="en-US" sz="2400" smtClean="0">
+              <a:latin typeface="Tahoma" panose="020B0604030504040204" pitchFamily="34" charset="0"/>
+              <a:ea typeface="Tahoma" panose="020B0604030504040204" pitchFamily="34" charset="0"/>
+              <a:cs typeface="Tahoma" panose="020B0604030504040204" pitchFamily="34" charset="0"/>
+            </a:endParaRPr>
           </a:p>
         </p:txBody>
       </p:sp>
     </p:spTree>
     <p:extLst>
       <p:ext uri="{BB962C8B-B14F-4D97-AF65-F5344CB8AC3E}">
-        <p14:creationId xmlns:p14="http://schemas.microsoft.com/office/powerpoint/2010/main" val="2375599249"/>
+        <p14:creationId xmlns:p14="http://schemas.microsoft.com/office/powerpoint/2010/main" val="1741087817"/>
       </p:ext>
     </p:extLst>
   </p:cSld>
   <p:clrMapOvr>
     <a:masterClrMapping/>
   </p:clrMapOvr>
+  <p:timing>
+    <p:tnLst>
+      <p:par>
+        <p:cTn id="1" dur="indefinite" restart="never" nodeType="tmRoot"/>
+      </p:par>
+    </p:tnLst>
+  </p:timing>
 </p:sld>
 </file>
 
@@ -6794,7 +11733,7 @@
         <p:spPr>
           <a:xfrm>
             <a:off x="646111" y="452718"/>
-            <a:ext cx="9404723" cy="966649"/>
+            <a:ext cx="9404723" cy="980297"/>
           </a:xfrm>
         </p:spPr>
         <p:txBody>
@@ -6806,51 +11745,65 @@
                 <a:solidFill>
                   <a:srgbClr val="FFFF00"/>
                 </a:solidFill>
+                <a:latin typeface="Tahoma" panose="020B0604030504040204" pitchFamily="34" charset="0"/>
+                <a:ea typeface="Tahoma" panose="020B0604030504040204" pitchFamily="34" charset="0"/>
+                <a:cs typeface="Tahoma" panose="020B0604030504040204" pitchFamily="34" charset="0"/>
               </a:rPr>
-              <a:t>3. Log Event Managements</a:t>
+              <a:t>2. Hướng Giải Quyết</a:t>
             </a:r>
             <a:endParaRPr lang="en-US">
               <a:solidFill>
                 <a:srgbClr val="FFFF00"/>
               </a:solidFill>
+              <a:latin typeface="Tahoma" panose="020B0604030504040204" pitchFamily="34" charset="0"/>
+              <a:ea typeface="Tahoma" panose="020B0604030504040204" pitchFamily="34" charset="0"/>
+              <a:cs typeface="Tahoma" panose="020B0604030504040204" pitchFamily="34" charset="0"/>
             </a:endParaRPr>
           </a:p>
         </p:txBody>
       </p:sp>
-      <p:sp>
-        <p:nvSpPr>
-          <p:cNvPr id="3" name="Content Placeholder 2"/>
-          <p:cNvSpPr>
-            <a:spLocks noGrp="1"/>
-          </p:cNvSpPr>
+      <p:graphicFrame>
+        <p:nvGraphicFramePr>
+          <p:cNvPr id="5" name="Content Placeholder 4"/>
+          <p:cNvGraphicFramePr>
+            <a:graphicFrameLocks noGrp="1"/>
+          </p:cNvGraphicFramePr>
           <p:nvPr>
             <p:ph idx="1"/>
-          </p:nvPr>
-        </p:nvSpPr>
-        <p:spPr>
-          <a:xfrm>
-            <a:off x="1103312" y="1569494"/>
-            <a:ext cx="8946541" cy="4678906"/>
-          </a:xfrm>
-        </p:spPr>
-        <p:txBody>
-          <a:bodyPr/>
-          <a:lstStyle/>
-          <a:p>
-            <a:endParaRPr lang="en-US"/>
-          </a:p>
-        </p:txBody>
-      </p:sp>
+            <p:extLst>
+              <p:ext uri="{D42A27DB-BD31-4B8C-83A1-F6EECF244321}">
+                <p14:modId xmlns:p14="http://schemas.microsoft.com/office/powerpoint/2010/main" val="796810665"/>
+              </p:ext>
+            </p:extLst>
+          </p:nvPr>
+        </p:nvGraphicFramePr>
+        <p:xfrm>
+          <a:off x="1103313" y="1433513"/>
+          <a:ext cx="8947150" cy="4814887"/>
+        </p:xfrm>
+        <a:graphic>
+          <a:graphicData uri="http://schemas.openxmlformats.org/drawingml/2006/diagram">
+            <dgm:relIds xmlns:dgm="http://schemas.openxmlformats.org/drawingml/2006/diagram" xmlns:r="http://schemas.openxmlformats.org/officeDocument/2006/relationships" r:dm="rId2" r:lo="rId3" r:qs="rId4" r:cs="rId5"/>
+          </a:graphicData>
+        </a:graphic>
+      </p:graphicFrame>
     </p:spTree>
     <p:extLst>
       <p:ext uri="{BB962C8B-B14F-4D97-AF65-F5344CB8AC3E}">
-        <p14:creationId xmlns:p14="http://schemas.microsoft.com/office/powerpoint/2010/main" val="4105757859"/>
+        <p14:creationId xmlns:p14="http://schemas.microsoft.com/office/powerpoint/2010/main" val="2375599249"/>
       </p:ext>
     </p:extLst>
   </p:cSld>
   <p:clrMapOvr>
     <a:masterClrMapping/>
   </p:clrMapOvr>
+  <p:timing>
+    <p:tnLst>
+      <p:par>
+        <p:cTn id="1" dur="indefinite" restart="never" nodeType="tmRoot"/>
+      </p:par>
+    </p:tnLst>
+  </p:timing>
 </p:sld>
 </file>
 
@@ -6884,7 +11837,7 @@
         <p:spPr>
           <a:xfrm>
             <a:off x="646111" y="452718"/>
-            <a:ext cx="9404723" cy="871115"/>
+            <a:ext cx="9404723" cy="966649"/>
           </a:xfrm>
         </p:spPr>
         <p:txBody>
@@ -6896,13 +11849,19 @@
                 <a:solidFill>
                   <a:srgbClr val="FFFF00"/>
                 </a:solidFill>
+                <a:latin typeface="Tahoma" panose="020B0604030504040204" pitchFamily="34" charset="0"/>
+                <a:ea typeface="Tahoma" panose="020B0604030504040204" pitchFamily="34" charset="0"/>
+                <a:cs typeface="Tahoma" panose="020B0604030504040204" pitchFamily="34" charset="0"/>
               </a:rPr>
-              <a:t>4. ELK</a:t>
+              <a:t>3. Log Event Managements</a:t>
             </a:r>
             <a:endParaRPr lang="en-US">
               <a:solidFill>
                 <a:srgbClr val="FFFF00"/>
               </a:solidFill>
+              <a:latin typeface="Tahoma" panose="020B0604030504040204" pitchFamily="34" charset="0"/>
+              <a:ea typeface="Tahoma" panose="020B0604030504040204" pitchFamily="34" charset="0"/>
+              <a:cs typeface="Tahoma" panose="020B0604030504040204" pitchFamily="34" charset="0"/>
             </a:endParaRPr>
           </a:p>
         </p:txBody>
@@ -6919,8 +11878,8 @@
         </p:nvSpPr>
         <p:spPr>
           <a:xfrm>
-            <a:off x="1103312" y="1419368"/>
-            <a:ext cx="8946541" cy="4829032"/>
+            <a:off x="1103312" y="1569494"/>
+            <a:ext cx="8946541" cy="4678906"/>
           </a:xfrm>
         </p:spPr>
         <p:txBody>
@@ -6928,35 +11887,70 @@
           <a:lstStyle/>
           <a:p>
             <a:r>
-              <a:rPr lang="en-US" smtClean="0"/>
-              <a:t>Elasticsearch</a:t>
-            </a:r>
-          </a:p>
-          <a:p>
-            <a:r>
-              <a:rPr lang="en-US" smtClean="0"/>
-              <a:t>Logstash</a:t>
-            </a:r>
-          </a:p>
-          <a:p>
-            <a:r>
-              <a:rPr lang="en-US" smtClean="0"/>
-              <a:t>Kibana</a:t>
-            </a:r>
-            <a:endParaRPr lang="en-US"/>
+              <a:rPr lang="en-US" sz="2400" smtClean="0">
+                <a:latin typeface="Tahoma" panose="020B0604030504040204" pitchFamily="34" charset="0"/>
+                <a:ea typeface="Tahoma" panose="020B0604030504040204" pitchFamily="34" charset="0"/>
+                <a:cs typeface="Tahoma" panose="020B0604030504040204" pitchFamily="34" charset="0"/>
+              </a:rPr>
+              <a:t>Lấy Các Event Trên Player Của Người Xem Video</a:t>
+            </a:r>
+          </a:p>
+          <a:p>
+            <a:r>
+              <a:rPr lang="en-US" sz="2400" smtClean="0">
+                <a:latin typeface="Tahoma" panose="020B0604030504040204" pitchFamily="34" charset="0"/>
+                <a:ea typeface="Tahoma" panose="020B0604030504040204" pitchFamily="34" charset="0"/>
+                <a:cs typeface="Tahoma" panose="020B0604030504040204" pitchFamily="34" charset="0"/>
+              </a:rPr>
+              <a:t>Tổ Chức Dữ Liệu Từ Event</a:t>
+            </a:r>
+          </a:p>
+          <a:p>
+            <a:r>
+              <a:rPr lang="en-US" sz="2400" smtClean="0">
+                <a:latin typeface="Tahoma" panose="020B0604030504040204" pitchFamily="34" charset="0"/>
+                <a:ea typeface="Tahoma" panose="020B0604030504040204" pitchFamily="34" charset="0"/>
+                <a:cs typeface="Tahoma" panose="020B0604030504040204" pitchFamily="34" charset="0"/>
+              </a:rPr>
+              <a:t>Xây Dựng Một Server Quản Lý Tập Trung Dữ Liệu Event Từ Các Service</a:t>
+            </a:r>
+          </a:p>
+          <a:p>
+            <a:r>
+              <a:rPr lang="en-US" sz="2400" smtClean="0">
+                <a:latin typeface="Tahoma" panose="020B0604030504040204" pitchFamily="34" charset="0"/>
+                <a:ea typeface="Tahoma" panose="020B0604030504040204" pitchFamily="34" charset="0"/>
+                <a:cs typeface="Tahoma" panose="020B0604030504040204" pitchFamily="34" charset="0"/>
+              </a:rPr>
+              <a:t>Dữ Liệu Log Được Lưu Trữ Vào File Trên Server Để Logstash Lấy Các Log Đó</a:t>
+            </a:r>
+          </a:p>
+          <a:p>
+            <a:endParaRPr lang="en-US">
+              <a:latin typeface="Tahoma" panose="020B0604030504040204" pitchFamily="34" charset="0"/>
+              <a:ea typeface="Tahoma" panose="020B0604030504040204" pitchFamily="34" charset="0"/>
+              <a:cs typeface="Tahoma" panose="020B0604030504040204" pitchFamily="34" charset="0"/>
+            </a:endParaRPr>
           </a:p>
         </p:txBody>
       </p:sp>
     </p:spTree>
     <p:extLst>
       <p:ext uri="{BB962C8B-B14F-4D97-AF65-F5344CB8AC3E}">
-        <p14:creationId xmlns:p14="http://schemas.microsoft.com/office/powerpoint/2010/main" val="260628745"/>
+        <p14:creationId xmlns:p14="http://schemas.microsoft.com/office/powerpoint/2010/main" val="4105757859"/>
       </p:ext>
     </p:extLst>
   </p:cSld>
   <p:clrMapOvr>
     <a:masterClrMapping/>
   </p:clrMapOvr>
+  <p:timing>
+    <p:tnLst>
+      <p:par>
+        <p:cTn id="1" dur="indefinite" restart="never" nodeType="tmRoot"/>
+      </p:par>
+    </p:tnLst>
+  </p:timing>
 </p:sld>
 </file>
 
@@ -6989,8 +11983,8 @@
         </p:nvSpPr>
         <p:spPr>
           <a:xfrm>
-            <a:off x="646111" y="452718"/>
-            <a:ext cx="9404723" cy="939354"/>
+            <a:off x="994871" y="0"/>
+            <a:ext cx="9404723" cy="761933"/>
           </a:xfrm>
         </p:spPr>
         <p:txBody>
@@ -7002,13 +11996,30 @@
                 <a:solidFill>
                   <a:srgbClr val="FFFF00"/>
                 </a:solidFill>
+                <a:latin typeface="Tahoma" panose="020B0604030504040204" pitchFamily="34" charset="0"/>
+                <a:ea typeface="Tahoma" panose="020B0604030504040204" pitchFamily="34" charset="0"/>
+                <a:cs typeface="Tahoma" panose="020B0604030504040204" pitchFamily="34" charset="0"/>
               </a:rPr>
-              <a:t>5. Xây Dựng Hệ Thống</a:t>
+              <a:t>4. </a:t>
+            </a:r>
+            <a:r>
+              <a:rPr lang="en-US" smtClean="0">
+                <a:solidFill>
+                  <a:srgbClr val="FFFF00"/>
+                </a:solidFill>
+                <a:latin typeface="Tahoma" panose="020B0604030504040204" pitchFamily="34" charset="0"/>
+                <a:ea typeface="Tahoma" panose="020B0604030504040204" pitchFamily="34" charset="0"/>
+                <a:cs typeface="Tahoma" panose="020B0604030504040204" pitchFamily="34" charset="0"/>
+              </a:rPr>
+              <a:t>ELK Stack</a:t>
             </a:r>
             <a:endParaRPr lang="en-US">
               <a:solidFill>
                 <a:srgbClr val="FFFF00"/>
               </a:solidFill>
+              <a:latin typeface="Tahoma" panose="020B0604030504040204" pitchFamily="34" charset="0"/>
+              <a:ea typeface="Tahoma" panose="020B0604030504040204" pitchFamily="34" charset="0"/>
+              <a:cs typeface="Tahoma" panose="020B0604030504040204" pitchFamily="34" charset="0"/>
             </a:endParaRPr>
           </a:p>
         </p:txBody>
@@ -7025,8 +12036,8 @@
         </p:nvSpPr>
         <p:spPr>
           <a:xfrm>
-            <a:off x="1103311" y="1392072"/>
-            <a:ext cx="9268987" cy="4856327"/>
+            <a:off x="1103312" y="1037230"/>
+            <a:ext cx="9296282" cy="5211170"/>
           </a:xfrm>
         </p:spPr>
         <p:txBody>
@@ -7034,47 +12045,75 @@
           <a:lstStyle/>
           <a:p>
             <a:r>
-              <a:rPr lang="en-US" smtClean="0"/>
-              <a:t>Tích Hợp Vào Wep App</a:t>
-            </a:r>
-          </a:p>
-          <a:p>
-            <a:pPr lvl="1"/>
-            <a:r>
-              <a:rPr lang="en-US" smtClean="0"/>
-              <a:t>B1: Nhúng Plugin tracking event vào trình phát videojs của web app</a:t>
-            </a:r>
-          </a:p>
-          <a:p>
-            <a:pPr lvl="1"/>
-            <a:r>
-              <a:rPr lang="en-US" smtClean="0"/>
-              <a:t>B2: Cấu môi trường cho plugin</a:t>
-            </a:r>
-          </a:p>
-          <a:p>
-            <a:pPr lvl="1"/>
-            <a:r>
-              <a:rPr lang="en-US" smtClean="0"/>
-              <a:t>B3: Run Nodejs server để lắng nghe event từ end-user, kiểm tra và lưu dữ liệu đó vào file nếu hợp lệ</a:t>
-            </a:r>
-          </a:p>
-          <a:p>
-            <a:pPr lvl="1"/>
-            <a:r>
-              <a:rPr lang="en-US" smtClean="0"/>
-              <a:t>B4: Cấu hình Logstash để đọc file từ thư mục chứa log tại nodejs server và parser dữ liệu đó theo định dạng mong muấn rồi gửi lên Elasticsearch</a:t>
-            </a:r>
-          </a:p>
-          <a:p>
-            <a:endParaRPr lang="en-US"/>
-          </a:p>
-        </p:txBody>
-      </p:sp>
+              <a:rPr lang="en-US" smtClean="0">
+                <a:latin typeface="Tahoma" panose="020B0604030504040204" pitchFamily="34" charset="0"/>
+                <a:ea typeface="Tahoma" panose="020B0604030504040204" pitchFamily="34" charset="0"/>
+                <a:cs typeface="Tahoma" panose="020B0604030504040204" pitchFamily="34" charset="0"/>
+              </a:rPr>
+              <a:t>Elasticsearch</a:t>
+            </a:r>
+          </a:p>
+          <a:p>
+            <a:r>
+              <a:rPr lang="en-US" smtClean="0">
+                <a:latin typeface="Tahoma" panose="020B0604030504040204" pitchFamily="34" charset="0"/>
+                <a:ea typeface="Tahoma" panose="020B0604030504040204" pitchFamily="34" charset="0"/>
+                <a:cs typeface="Tahoma" panose="020B0604030504040204" pitchFamily="34" charset="0"/>
+              </a:rPr>
+              <a:t>Logstash</a:t>
+            </a:r>
+          </a:p>
+          <a:p>
+            <a:r>
+              <a:rPr lang="en-US" smtClean="0">
+                <a:latin typeface="Tahoma" panose="020B0604030504040204" pitchFamily="34" charset="0"/>
+                <a:ea typeface="Tahoma" panose="020B0604030504040204" pitchFamily="34" charset="0"/>
+                <a:cs typeface="Tahoma" panose="020B0604030504040204" pitchFamily="34" charset="0"/>
+              </a:rPr>
+              <a:t>Kibana</a:t>
+            </a:r>
+            <a:endParaRPr lang="en-US">
+              <a:latin typeface="Tahoma" panose="020B0604030504040204" pitchFamily="34" charset="0"/>
+              <a:ea typeface="Tahoma" panose="020B0604030504040204" pitchFamily="34" charset="0"/>
+              <a:cs typeface="Tahoma" panose="020B0604030504040204" pitchFamily="34" charset="0"/>
+            </a:endParaRPr>
+          </a:p>
+        </p:txBody>
+      </p:sp>
+      <p:pic>
+        <p:nvPicPr>
+          <p:cNvPr id="4" name="Picture 3"/>
+          <p:cNvPicPr>
+            <a:picLocks noChangeAspect="1"/>
+          </p:cNvPicPr>
+          <p:nvPr/>
+        </p:nvPicPr>
+        <p:blipFill>
+          <a:blip r:embed="rId2">
+            <a:extLst>
+              <a:ext uri="{28A0092B-C50C-407E-A947-70E740481C1C}">
+                <a14:useLocalDpi xmlns:a14="http://schemas.microsoft.com/office/drawing/2010/main" val="0"/>
+              </a:ext>
+            </a:extLst>
+          </a:blip>
+          <a:stretch>
+            <a:fillRect/>
+          </a:stretch>
+        </p:blipFill>
+        <p:spPr>
+          <a:xfrm>
+            <a:off x="4094328" y="1173707"/>
+            <a:ext cx="6305266" cy="5167963"/>
+          </a:xfrm>
+          <a:prstGeom prst="rect">
+            <a:avLst/>
+          </a:prstGeom>
+        </p:spPr>
+      </p:pic>
     </p:spTree>
     <p:extLst>
       <p:ext uri="{BB962C8B-B14F-4D97-AF65-F5344CB8AC3E}">
-        <p14:creationId xmlns:p14="http://schemas.microsoft.com/office/powerpoint/2010/main" val="1637433462"/>
+        <p14:creationId xmlns:p14="http://schemas.microsoft.com/office/powerpoint/2010/main" val="260628745"/>
       </p:ext>
     </p:extLst>
   </p:cSld>
@@ -7120,8 +12159,8 @@
         </p:nvSpPr>
         <p:spPr>
           <a:xfrm>
-            <a:off x="646111" y="193411"/>
-            <a:ext cx="9753483" cy="993945"/>
+            <a:off x="946361" y="0"/>
+            <a:ext cx="9466881" cy="953001"/>
           </a:xfrm>
         </p:spPr>
         <p:txBody>
@@ -7133,8 +12172,33 @@
                 <a:solidFill>
                   <a:srgbClr val="FFFF00"/>
                 </a:solidFill>
+                <a:latin typeface="Tahoma" panose="020B0604030504040204" pitchFamily="34" charset="0"/>
+                <a:ea typeface="Tahoma" panose="020B0604030504040204" pitchFamily="34" charset="0"/>
+                <a:cs typeface="Tahoma" panose="020B0604030504040204" pitchFamily="34" charset="0"/>
               </a:rPr>
-              <a:t>5. Xây Dựng Hệ Thống</a:t>
+              <a:t>4</a:t>
+            </a:r>
+            <a:r>
+              <a:rPr lang="en-US">
+                <a:solidFill>
+                  <a:srgbClr val="FFFF00"/>
+                </a:solidFill>
+                <a:latin typeface="Tahoma" panose="020B0604030504040204" pitchFamily="34" charset="0"/>
+                <a:ea typeface="Tahoma" panose="020B0604030504040204" pitchFamily="34" charset="0"/>
+                <a:cs typeface="Tahoma" panose="020B0604030504040204" pitchFamily="34" charset="0"/>
+              </a:rPr>
+              <a:t>. </a:t>
+            </a:r>
+            <a:r>
+              <a:rPr lang="en-US" smtClean="0">
+                <a:solidFill>
+                  <a:srgbClr val="FFFF00"/>
+                </a:solidFill>
+                <a:latin typeface="Tahoma" panose="020B0604030504040204" pitchFamily="34" charset="0"/>
+                <a:ea typeface="Tahoma" panose="020B0604030504040204" pitchFamily="34" charset="0"/>
+                <a:cs typeface="Tahoma" panose="020B0604030504040204" pitchFamily="34" charset="0"/>
+              </a:rPr>
+              <a:t>ELK Stack</a:t>
             </a:r>
             <a:endParaRPr lang="en-US"/>
           </a:p>
@@ -7164,18 +12228,15 @@
         </p:blipFill>
         <p:spPr>
           <a:xfrm>
-            <a:off x="1132764" y="1405720"/>
-            <a:ext cx="9266830" cy="5194992"/>
+            <a:off x="1103313" y="1296537"/>
+            <a:ext cx="9652842" cy="5227093"/>
           </a:xfrm>
-          <a:prstGeom prst="rect">
-            <a:avLst/>
-          </a:prstGeom>
         </p:spPr>
       </p:pic>
     </p:spTree>
     <p:extLst>
       <p:ext uri="{BB962C8B-B14F-4D97-AF65-F5344CB8AC3E}">
-        <p14:creationId xmlns:p14="http://schemas.microsoft.com/office/powerpoint/2010/main" val="3891997290"/>
+        <p14:creationId xmlns:p14="http://schemas.microsoft.com/office/powerpoint/2010/main" val="1879781298"/>
       </p:ext>
     </p:extLst>
   </p:cSld>
@@ -7222,7 +12283,7 @@
         <p:spPr>
           <a:xfrm>
             <a:off x="646111" y="452718"/>
-            <a:ext cx="9404723" cy="1021240"/>
+            <a:ext cx="9404723" cy="843819"/>
           </a:xfrm>
         </p:spPr>
         <p:txBody>
@@ -7234,8 +12295,11 @@
                 <a:solidFill>
                   <a:srgbClr val="FFFF00"/>
                 </a:solidFill>
+                <a:latin typeface="Tahoma" panose="020B0604030504040204" pitchFamily="34" charset="0"/>
+                <a:ea typeface="Tahoma" panose="020B0604030504040204" pitchFamily="34" charset="0"/>
+                <a:cs typeface="Tahoma" panose="020B0604030504040204" pitchFamily="34" charset="0"/>
               </a:rPr>
-              <a:t>5. Xây Dựng Hệ Thống</a:t>
+              <a:t>5. Deploy Hệ Thống</a:t>
             </a:r>
             <a:endParaRPr lang="en-US"/>
           </a:p>
@@ -7253,8 +12317,8 @@
         </p:nvSpPr>
         <p:spPr>
           <a:xfrm>
-            <a:off x="1103312" y="1378424"/>
-            <a:ext cx="8946541" cy="4869975"/>
+            <a:off x="1103312" y="1392072"/>
+            <a:ext cx="8946541" cy="4856327"/>
           </a:xfrm>
         </p:spPr>
         <p:txBody>
@@ -7262,17 +12326,112 @@
           <a:lstStyle/>
           <a:p>
             <a:r>
-              <a:rPr lang="en-US" smtClean="0"/>
-              <a:t>Tích Hợp Vào Mobile App</a:t>
-            </a:r>
-            <a:endParaRPr lang="en-US"/>
+              <a:rPr lang="en-US" smtClean="0">
+                <a:latin typeface="Tahoma" panose="020B0604030504040204" pitchFamily="34" charset="0"/>
+                <a:ea typeface="Tahoma" panose="020B0604030504040204" pitchFamily="34" charset="0"/>
+                <a:cs typeface="Tahoma" panose="020B0604030504040204" pitchFamily="34" charset="0"/>
+              </a:rPr>
+              <a:t>Giai Đoạn 1:</a:t>
+            </a:r>
+          </a:p>
+          <a:p>
+            <a:pPr lvl="1"/>
+            <a:r>
+              <a:rPr lang="en-US" smtClean="0">
+                <a:latin typeface="Tahoma" panose="020B0604030504040204" pitchFamily="34" charset="0"/>
+                <a:ea typeface="Tahoma" panose="020B0604030504040204" pitchFamily="34" charset="0"/>
+                <a:cs typeface="Tahoma" panose="020B0604030504040204" pitchFamily="34" charset="0"/>
+              </a:rPr>
+              <a:t>Tích Hợp KPI Video Vào Kênh Hài </a:t>
+            </a:r>
+          </a:p>
+          <a:p>
+            <a:pPr lvl="2"/>
+            <a:r>
+              <a:rPr lang="en-US" smtClean="0">
+                <a:latin typeface="Tahoma" panose="020B0604030504040204" pitchFamily="34" charset="0"/>
+                <a:ea typeface="Tahoma" panose="020B0604030504040204" pitchFamily="34" charset="0"/>
+                <a:cs typeface="Tahoma" panose="020B0604030504040204" pitchFamily="34" charset="0"/>
+              </a:rPr>
+              <a:t>Web App (dự kiến 30/12/2018)</a:t>
+            </a:r>
+          </a:p>
+          <a:p>
+            <a:pPr lvl="2"/>
+            <a:r>
+              <a:rPr lang="en-US" smtClean="0">
+                <a:latin typeface="Tahoma" panose="020B0604030504040204" pitchFamily="34" charset="0"/>
+                <a:ea typeface="Tahoma" panose="020B0604030504040204" pitchFamily="34" charset="0"/>
+                <a:cs typeface="Tahoma" panose="020B0604030504040204" pitchFamily="34" charset="0"/>
+              </a:rPr>
+              <a:t>Mobile App</a:t>
+            </a:r>
+          </a:p>
+          <a:p>
+            <a:pPr lvl="1"/>
+            <a:r>
+              <a:rPr lang="en-US" smtClean="0">
+                <a:latin typeface="Tahoma" panose="020B0604030504040204" pitchFamily="34" charset="0"/>
+                <a:ea typeface="Tahoma" panose="020B0604030504040204" pitchFamily="34" charset="0"/>
+                <a:cs typeface="Tahoma" panose="020B0604030504040204" pitchFamily="34" charset="0"/>
+              </a:rPr>
+              <a:t>Phân Tích, Visualize Dữ Liệu</a:t>
+            </a:r>
+          </a:p>
+          <a:p>
+            <a:r>
+              <a:rPr lang="en-US" smtClean="0">
+                <a:latin typeface="Tahoma" panose="020B0604030504040204" pitchFamily="34" charset="0"/>
+                <a:ea typeface="Tahoma" panose="020B0604030504040204" pitchFamily="34" charset="0"/>
+                <a:cs typeface="Tahoma" panose="020B0604030504040204" pitchFamily="34" charset="0"/>
+              </a:rPr>
+              <a:t>Giai Đoạn 2:</a:t>
+            </a:r>
+          </a:p>
+          <a:p>
+            <a:pPr marL="0" indent="0">
+              <a:buNone/>
+            </a:pPr>
+            <a:endParaRPr lang="en-US">
+              <a:latin typeface="Tahoma" panose="020B0604030504040204" pitchFamily="34" charset="0"/>
+              <a:ea typeface="Tahoma" panose="020B0604030504040204" pitchFamily="34" charset="0"/>
+              <a:cs typeface="Tahoma" panose="020B0604030504040204" pitchFamily="34" charset="0"/>
+            </a:endParaRPr>
+          </a:p>
+          <a:p>
+            <a:pPr marL="0" indent="0">
+              <a:buNone/>
+            </a:pPr>
+            <a:endParaRPr lang="en-US" smtClean="0">
+              <a:latin typeface="Tahoma" panose="020B0604030504040204" pitchFamily="34" charset="0"/>
+              <a:ea typeface="Tahoma" panose="020B0604030504040204" pitchFamily="34" charset="0"/>
+              <a:cs typeface="Tahoma" panose="020B0604030504040204" pitchFamily="34" charset="0"/>
+            </a:endParaRPr>
+          </a:p>
+          <a:p>
+            <a:r>
+              <a:rPr lang="en-US" smtClean="0">
+                <a:latin typeface="Tahoma" panose="020B0604030504040204" pitchFamily="34" charset="0"/>
+                <a:ea typeface="Tahoma" panose="020B0604030504040204" pitchFamily="34" charset="0"/>
+                <a:cs typeface="Tahoma" panose="020B0604030504040204" pitchFamily="34" charset="0"/>
+              </a:rPr>
+              <a:t>Giai Đoạn 3:</a:t>
+            </a:r>
+          </a:p>
+          <a:p>
+            <a:pPr lvl="1"/>
+            <a:endParaRPr lang="en-US" smtClean="0">
+              <a:latin typeface="Tahoma" panose="020B0604030504040204" pitchFamily="34" charset="0"/>
+              <a:ea typeface="Tahoma" panose="020B0604030504040204" pitchFamily="34" charset="0"/>
+              <a:cs typeface="Tahoma" panose="020B0604030504040204" pitchFamily="34" charset="0"/>
+            </a:endParaRPr>
           </a:p>
         </p:txBody>
       </p:sp>
     </p:spTree>
     <p:extLst>
       <p:ext uri="{BB962C8B-B14F-4D97-AF65-F5344CB8AC3E}">
-        <p14:creationId xmlns:p14="http://schemas.microsoft.com/office/powerpoint/2010/main" val="1601879931"/>
+        <p14:creationId xmlns:p14="http://schemas.microsoft.com/office/powerpoint/2010/main" val="4140346319"/>
       </p:ext>
     </p:extLst>
   </p:cSld>
